--- a/嵌入式影像處理.pptx
+++ b/嵌入式影像處理.pptx
@@ -7,6 +7,17 @@
   <p:sldIdLst>
     <p:sldId id="256" r:id="rId2"/>
     <p:sldId id="257" r:id="rId3"/>
+    <p:sldId id="258" r:id="rId4"/>
+    <p:sldId id="260" r:id="rId5"/>
+    <p:sldId id="261" r:id="rId6"/>
+    <p:sldId id="262" r:id="rId7"/>
+    <p:sldId id="263" r:id="rId8"/>
+    <p:sldId id="265" r:id="rId9"/>
+    <p:sldId id="266" r:id="rId10"/>
+    <p:sldId id="267" r:id="rId11"/>
+    <p:sldId id="268" r:id="rId12"/>
+    <p:sldId id="264" r:id="rId13"/>
+    <p:sldId id="269" r:id="rId14"/>
   </p:sldIdLst>
   <p:sldSz cx="12192000" cy="6858000"/>
   <p:notesSz cx="6858000" cy="9144000"/>
@@ -105,6 +116,11 @@
       </a:defRPr>
     </a:lvl9pPr>
   </p:defaultTextStyle>
+  <p:extLst>
+    <p:ext uri="{EFAFB233-063F-42B5-8137-9DF3F51BA10A}">
+      <p15:sldGuideLst xmlns:p15="http://schemas.microsoft.com/office/powerpoint/2012/main"/>
+    </p:ext>
+  </p:extLst>
 </p:presentation>
 </file>
 
@@ -255,7 +271,7 @@
           <a:p>
             <a:fld id="{42F83334-EAA0-449A-A1BA-4B70EC961B71}" type="datetimeFigureOut">
               <a:rPr lang="zh-TW" altLang="en-US" smtClean="0"/>
-              <a:t>2024/10/24</a:t>
+              <a:t>2024/11/7</a:t>
             </a:fld>
             <a:endParaRPr lang="zh-TW" altLang="en-US"/>
           </a:p>
@@ -453,7 +469,7 @@
           <a:p>
             <a:fld id="{42F83334-EAA0-449A-A1BA-4B70EC961B71}" type="datetimeFigureOut">
               <a:rPr lang="zh-TW" altLang="en-US" smtClean="0"/>
-              <a:t>2024/10/24</a:t>
+              <a:t>2024/11/7</a:t>
             </a:fld>
             <a:endParaRPr lang="zh-TW" altLang="en-US"/>
           </a:p>
@@ -661,7 +677,7 @@
           <a:p>
             <a:fld id="{42F83334-EAA0-449A-A1BA-4B70EC961B71}" type="datetimeFigureOut">
               <a:rPr lang="zh-TW" altLang="en-US" smtClean="0"/>
-              <a:t>2024/10/24</a:t>
+              <a:t>2024/11/7</a:t>
             </a:fld>
             <a:endParaRPr lang="zh-TW" altLang="en-US"/>
           </a:p>
@@ -859,7 +875,7 @@
           <a:p>
             <a:fld id="{42F83334-EAA0-449A-A1BA-4B70EC961B71}" type="datetimeFigureOut">
               <a:rPr lang="zh-TW" altLang="en-US" smtClean="0"/>
-              <a:t>2024/10/24</a:t>
+              <a:t>2024/11/7</a:t>
             </a:fld>
             <a:endParaRPr lang="zh-TW" altLang="en-US"/>
           </a:p>
@@ -1134,7 +1150,7 @@
           <a:p>
             <a:fld id="{42F83334-EAA0-449A-A1BA-4B70EC961B71}" type="datetimeFigureOut">
               <a:rPr lang="zh-TW" altLang="en-US" smtClean="0"/>
-              <a:t>2024/10/24</a:t>
+              <a:t>2024/11/7</a:t>
             </a:fld>
             <a:endParaRPr lang="zh-TW" altLang="en-US"/>
           </a:p>
@@ -1399,7 +1415,7 @@
           <a:p>
             <a:fld id="{42F83334-EAA0-449A-A1BA-4B70EC961B71}" type="datetimeFigureOut">
               <a:rPr lang="zh-TW" altLang="en-US" smtClean="0"/>
-              <a:t>2024/10/24</a:t>
+              <a:t>2024/11/7</a:t>
             </a:fld>
             <a:endParaRPr lang="zh-TW" altLang="en-US"/>
           </a:p>
@@ -1811,7 +1827,7 @@
           <a:p>
             <a:fld id="{42F83334-EAA0-449A-A1BA-4B70EC961B71}" type="datetimeFigureOut">
               <a:rPr lang="zh-TW" altLang="en-US" smtClean="0"/>
-              <a:t>2024/10/24</a:t>
+              <a:t>2024/11/7</a:t>
             </a:fld>
             <a:endParaRPr lang="zh-TW" altLang="en-US"/>
           </a:p>
@@ -1952,7 +1968,7 @@
           <a:p>
             <a:fld id="{42F83334-EAA0-449A-A1BA-4B70EC961B71}" type="datetimeFigureOut">
               <a:rPr lang="zh-TW" altLang="en-US" smtClean="0"/>
-              <a:t>2024/10/24</a:t>
+              <a:t>2024/11/7</a:t>
             </a:fld>
             <a:endParaRPr lang="zh-TW" altLang="en-US"/>
           </a:p>
@@ -2065,7 +2081,7 @@
           <a:p>
             <a:fld id="{42F83334-EAA0-449A-A1BA-4B70EC961B71}" type="datetimeFigureOut">
               <a:rPr lang="zh-TW" altLang="en-US" smtClean="0"/>
-              <a:t>2024/10/24</a:t>
+              <a:t>2024/11/7</a:t>
             </a:fld>
             <a:endParaRPr lang="zh-TW" altLang="en-US"/>
           </a:p>
@@ -2376,7 +2392,7 @@
           <a:p>
             <a:fld id="{42F83334-EAA0-449A-A1BA-4B70EC961B71}" type="datetimeFigureOut">
               <a:rPr lang="zh-TW" altLang="en-US" smtClean="0"/>
-              <a:t>2024/10/24</a:t>
+              <a:t>2024/11/7</a:t>
             </a:fld>
             <a:endParaRPr lang="zh-TW" altLang="en-US"/>
           </a:p>
@@ -2664,7 +2680,7 @@
           <a:p>
             <a:fld id="{42F83334-EAA0-449A-A1BA-4B70EC961B71}" type="datetimeFigureOut">
               <a:rPr lang="zh-TW" altLang="en-US" smtClean="0"/>
-              <a:t>2024/10/24</a:t>
+              <a:t>2024/11/7</a:t>
             </a:fld>
             <a:endParaRPr lang="zh-TW" altLang="en-US"/>
           </a:p>
@@ -2905,7 +2921,7 @@
           <a:p>
             <a:fld id="{42F83334-EAA0-449A-A1BA-4B70EC961B71}" type="datetimeFigureOut">
               <a:rPr lang="zh-TW" altLang="en-US" smtClean="0"/>
-              <a:t>2024/10/24</a:t>
+              <a:t>2024/11/7</a:t>
             </a:fld>
             <a:endParaRPr lang="zh-TW" altLang="en-US"/>
           </a:p>
@@ -3395,6 +3411,1063 @@
 </p:sld>
 </file>
 
+<file path=ppt/slides/slide10.xml><?xml version="1.0" encoding="utf-8"?>
+<p:sld xmlns:a="http://schemas.openxmlformats.org/drawingml/2006/main" xmlns:r="http://schemas.openxmlformats.org/officeDocument/2006/relationships" xmlns:p="http://schemas.openxmlformats.org/presentationml/2006/main">
+  <p:cSld>
+    <p:spTree>
+      <p:nvGrpSpPr>
+        <p:cNvPr id="1" name="">
+          <a:extLst>
+            <a:ext uri="{FF2B5EF4-FFF2-40B4-BE49-F238E27FC236}">
+              <a16:creationId xmlns:a16="http://schemas.microsoft.com/office/drawing/2014/main" id="{2CDFFAE2-8A0A-6ADF-D5CB-C24F2EFA7CF7}"/>
+            </a:ext>
+          </a:extLst>
+        </p:cNvPr>
+        <p:cNvGrpSpPr/>
+        <p:nvPr/>
+      </p:nvGrpSpPr>
+      <p:grpSpPr>
+        <a:xfrm>
+          <a:off x="0" y="0"/>
+          <a:ext cx="0" cy="0"/>
+          <a:chOff x="0" y="0"/>
+          <a:chExt cx="0" cy="0"/>
+        </a:xfrm>
+      </p:grpSpPr>
+      <p:graphicFrame>
+        <p:nvGraphicFramePr>
+          <p:cNvPr id="4" name="表格 3">
+            <a:extLst>
+              <a:ext uri="{FF2B5EF4-FFF2-40B4-BE49-F238E27FC236}">
+                <a16:creationId xmlns:a16="http://schemas.microsoft.com/office/drawing/2014/main" id="{2437C4A5-9462-1DEE-ABC3-4269A1A282DC}"/>
+              </a:ext>
+            </a:extLst>
+          </p:cNvPr>
+          <p:cNvGraphicFramePr>
+            <a:graphicFrameLocks noGrp="1"/>
+          </p:cNvGraphicFramePr>
+          <p:nvPr>
+            <p:extLst>
+              <p:ext uri="{D42A27DB-BD31-4B8C-83A1-F6EECF244321}">
+                <p14:modId xmlns:p14="http://schemas.microsoft.com/office/powerpoint/2010/main" val="2853567804"/>
+              </p:ext>
+            </p:extLst>
+          </p:nvPr>
+        </p:nvGraphicFramePr>
+        <p:xfrm>
+          <a:off x="1152808" y="1855959"/>
+          <a:ext cx="9886384" cy="4046899"/>
+        </p:xfrm>
+        <a:graphic>
+          <a:graphicData uri="http://schemas.openxmlformats.org/drawingml/2006/table">
+            <a:tbl>
+              <a:tblPr firstRow="1" bandRow="1">
+                <a:tableStyleId>{5C22544A-7EE6-4342-B048-85BDC9FD1C3A}</a:tableStyleId>
+              </a:tblPr>
+              <a:tblGrid>
+                <a:gridCol w="4943192">
+                  <a:extLst>
+                    <a:ext uri="{9D8B030D-6E8A-4147-A177-3AD203B41FA5}">
+                      <a16:colId xmlns:a16="http://schemas.microsoft.com/office/drawing/2014/main" val="2100658492"/>
+                    </a:ext>
+                  </a:extLst>
+                </a:gridCol>
+                <a:gridCol w="4943192">
+                  <a:extLst>
+                    <a:ext uri="{9D8B030D-6E8A-4147-A177-3AD203B41FA5}">
+                      <a16:colId xmlns:a16="http://schemas.microsoft.com/office/drawing/2014/main" val="571343273"/>
+                    </a:ext>
+                  </a:extLst>
+                </a:gridCol>
+              </a:tblGrid>
+              <a:tr h="1046050">
+                <a:tc>
+                  <a:txBody>
+                    <a:bodyPr/>
+                    <a:lstStyle/>
+                    <a:p>
+                      <a:pPr marL="0" marR="0" lvl="0" indent="0" algn="l" defTabSz="914400" rtl="0" eaLnBrk="1" fontAlgn="auto" latinLnBrk="0" hangingPunct="1">
+                        <a:lnSpc>
+                          <a:spcPct val="100000"/>
+                        </a:lnSpc>
+                        <a:spcBef>
+                          <a:spcPts val="0"/>
+                        </a:spcBef>
+                        <a:spcAft>
+                          <a:spcPts val="0"/>
+                        </a:spcAft>
+                        <a:buClrTx/>
+                        <a:buSzTx/>
+                        <a:buFontTx/>
+                        <a:buNone/>
+                        <a:tabLst/>
+                        <a:defRPr/>
+                      </a:pPr>
+                      <a:r>
+                        <a:rPr lang="en-US" altLang="zh-TW" sz="1800" b="0" kern="1200" dirty="0" err="1">
+                          <a:solidFill>
+                            <a:schemeClr val="lt1"/>
+                          </a:solidFill>
+                          <a:effectLst/>
+                          <a:latin typeface="+mn-lt"/>
+                          <a:ea typeface="+mn-ea"/>
+                          <a:cs typeface="+mn-cs"/>
+                        </a:rPr>
+                        <a:t>apply_color_mask</a:t>
+                      </a:r>
+                      <a:r>
+                        <a:rPr lang="en-US" altLang="zh-TW" sz="1800" b="0" kern="1200" dirty="0">
+                          <a:solidFill>
+                            <a:schemeClr val="lt1"/>
+                          </a:solidFill>
+                          <a:effectLst/>
+                          <a:latin typeface="+mn-lt"/>
+                          <a:ea typeface="+mn-ea"/>
+                          <a:cs typeface="+mn-cs"/>
+                        </a:rPr>
+                        <a:t>(image, mask):</a:t>
+                      </a:r>
+                    </a:p>
+                    <a:p>
+                      <a:endParaRPr lang="en-US" altLang="zh-TW" sz="1800" b="0" kern="1200" dirty="0">
+                        <a:solidFill>
+                          <a:schemeClr val="lt1"/>
+                        </a:solidFill>
+                        <a:effectLst/>
+                        <a:latin typeface="標楷體" panose="03000509000000000000" pitchFamily="65" charset="-120"/>
+                        <a:ea typeface="標楷體" panose="03000509000000000000" pitchFamily="65" charset="-120"/>
+                        <a:cs typeface="+mn-cs"/>
+                      </a:endParaRPr>
+                    </a:p>
+                  </a:txBody>
+                  <a:tcPr/>
+                </a:tc>
+                <a:tc>
+                  <a:txBody>
+                    <a:bodyPr/>
+                    <a:lstStyle/>
+                    <a:p>
+                      <a:r>
+                        <a:rPr lang="zh-TW" altLang="en-US" dirty="0">
+                          <a:latin typeface="標楷體" panose="03000509000000000000" pitchFamily="65" charset="-120"/>
+                          <a:ea typeface="標楷體" panose="03000509000000000000" pitchFamily="65" charset="-120"/>
+                        </a:rPr>
+                        <a:t>功能：塗色</a:t>
+                      </a:r>
+                    </a:p>
+                  </a:txBody>
+                  <a:tcPr/>
+                </a:tc>
+                <a:extLst>
+                  <a:ext uri="{0D108BD9-81ED-4DB2-BD59-A6C34878D82A}">
+                    <a16:rowId xmlns:a16="http://schemas.microsoft.com/office/drawing/2014/main" val="1988417968"/>
+                  </a:ext>
+                </a:extLst>
+              </a:tr>
+              <a:tr h="3000849">
+                <a:tc>
+                  <a:txBody>
+                    <a:bodyPr/>
+                    <a:lstStyle/>
+                    <a:p>
+                      <a:r>
+                        <a:rPr lang="zh-TW" altLang="en-US" dirty="0">
+                          <a:latin typeface="標楷體" panose="03000509000000000000" pitchFamily="65" charset="-120"/>
+                          <a:ea typeface="標楷體" panose="03000509000000000000" pitchFamily="65" charset="-120"/>
+                        </a:rPr>
+                        <a:t>輸入：原始圖片、二值化數據</a:t>
+                      </a:r>
+                    </a:p>
+                  </a:txBody>
+                  <a:tcPr/>
+                </a:tc>
+                <a:tc>
+                  <a:txBody>
+                    <a:bodyPr/>
+                    <a:lstStyle/>
+                    <a:p>
+                      <a:r>
+                        <a:rPr lang="zh-TW" altLang="en-US" dirty="0">
+                          <a:latin typeface="標楷體" panose="03000509000000000000" pitchFamily="65" charset="-120"/>
+                          <a:ea typeface="標楷體" panose="03000509000000000000" pitchFamily="65" charset="-120"/>
+                        </a:rPr>
+                        <a:t>輸出：塗色後的圖片</a:t>
+                      </a:r>
+                    </a:p>
+                  </a:txBody>
+                  <a:tcPr/>
+                </a:tc>
+                <a:extLst>
+                  <a:ext uri="{0D108BD9-81ED-4DB2-BD59-A6C34878D82A}">
+                    <a16:rowId xmlns:a16="http://schemas.microsoft.com/office/drawing/2014/main" val="2492615710"/>
+                  </a:ext>
+                </a:extLst>
+              </a:tr>
+            </a:tbl>
+          </a:graphicData>
+        </a:graphic>
+      </p:graphicFrame>
+      <p:sp>
+        <p:nvSpPr>
+          <p:cNvPr id="5" name="文字方塊 4">
+            <a:extLst>
+              <a:ext uri="{FF2B5EF4-FFF2-40B4-BE49-F238E27FC236}">
+                <a16:creationId xmlns:a16="http://schemas.microsoft.com/office/drawing/2014/main" id="{2B5048B9-5133-4A76-9D97-0BED904E8BED}"/>
+              </a:ext>
+            </a:extLst>
+          </p:cNvPr>
+          <p:cNvSpPr txBox="1"/>
+          <p:nvPr/>
+        </p:nvSpPr>
+        <p:spPr>
+          <a:xfrm>
+            <a:off x="1913299" y="244444"/>
+            <a:ext cx="8365402" cy="707886"/>
+          </a:xfrm>
+          <a:prstGeom prst="rect">
+            <a:avLst/>
+          </a:prstGeom>
+          <a:noFill/>
+        </p:spPr>
+        <p:txBody>
+          <a:bodyPr wrap="square" rtlCol="0">
+            <a:spAutoFit/>
+          </a:bodyPr>
+          <a:lstStyle/>
+          <a:p>
+            <a:pPr algn="ctr"/>
+            <a:r>
+              <a:rPr lang="en-US" altLang="zh-TW" sz="4000" dirty="0">
+                <a:latin typeface="Times New Roman" panose="02020603050405020304" pitchFamily="18" charset="0"/>
+              </a:rPr>
+              <a:t>API</a:t>
+            </a:r>
+            <a:endParaRPr lang="zh-TW" altLang="en-US" sz="4000" dirty="0">
+              <a:latin typeface="Times New Roman" panose="02020603050405020304" pitchFamily="18" charset="0"/>
+            </a:endParaRPr>
+          </a:p>
+        </p:txBody>
+      </p:sp>
+    </p:spTree>
+    <p:extLst>
+      <p:ext uri="{BB962C8B-B14F-4D97-AF65-F5344CB8AC3E}">
+        <p14:creationId xmlns:p14="http://schemas.microsoft.com/office/powerpoint/2010/main" val="3004452356"/>
+      </p:ext>
+    </p:extLst>
+  </p:cSld>
+  <p:clrMapOvr>
+    <a:masterClrMapping/>
+  </p:clrMapOvr>
+</p:sld>
+</file>
+
+<file path=ppt/slides/slide11.xml><?xml version="1.0" encoding="utf-8"?>
+<p:sld xmlns:a="http://schemas.openxmlformats.org/drawingml/2006/main" xmlns:r="http://schemas.openxmlformats.org/officeDocument/2006/relationships" xmlns:p="http://schemas.openxmlformats.org/presentationml/2006/main">
+  <p:cSld>
+    <p:spTree>
+      <p:nvGrpSpPr>
+        <p:cNvPr id="1" name="">
+          <a:extLst>
+            <a:ext uri="{FF2B5EF4-FFF2-40B4-BE49-F238E27FC236}">
+              <a16:creationId xmlns:a16="http://schemas.microsoft.com/office/drawing/2014/main" id="{D0799397-47FD-3B81-56FE-B1FF1CA350F9}"/>
+            </a:ext>
+          </a:extLst>
+        </p:cNvPr>
+        <p:cNvGrpSpPr/>
+        <p:nvPr/>
+      </p:nvGrpSpPr>
+      <p:grpSpPr>
+        <a:xfrm>
+          <a:off x="0" y="0"/>
+          <a:ext cx="0" cy="0"/>
+          <a:chOff x="0" y="0"/>
+          <a:chExt cx="0" cy="0"/>
+        </a:xfrm>
+      </p:grpSpPr>
+      <p:graphicFrame>
+        <p:nvGraphicFramePr>
+          <p:cNvPr id="4" name="表格 3">
+            <a:extLst>
+              <a:ext uri="{FF2B5EF4-FFF2-40B4-BE49-F238E27FC236}">
+                <a16:creationId xmlns:a16="http://schemas.microsoft.com/office/drawing/2014/main" id="{FF0A19AF-D695-BEF6-5FBF-70AEC1662E08}"/>
+              </a:ext>
+            </a:extLst>
+          </p:cNvPr>
+          <p:cNvGraphicFramePr>
+            <a:graphicFrameLocks noGrp="1"/>
+          </p:cNvGraphicFramePr>
+          <p:nvPr>
+            <p:extLst>
+              <p:ext uri="{D42A27DB-BD31-4B8C-83A1-F6EECF244321}">
+                <p14:modId xmlns:p14="http://schemas.microsoft.com/office/powerpoint/2010/main" val="1205952275"/>
+              </p:ext>
+            </p:extLst>
+          </p:nvPr>
+        </p:nvGraphicFramePr>
+        <p:xfrm>
+          <a:off x="1152808" y="1855959"/>
+          <a:ext cx="9886384" cy="4046899"/>
+        </p:xfrm>
+        <a:graphic>
+          <a:graphicData uri="http://schemas.openxmlformats.org/drawingml/2006/table">
+            <a:tbl>
+              <a:tblPr firstRow="1" bandRow="1">
+                <a:tableStyleId>{5C22544A-7EE6-4342-B048-85BDC9FD1C3A}</a:tableStyleId>
+              </a:tblPr>
+              <a:tblGrid>
+                <a:gridCol w="4943192">
+                  <a:extLst>
+                    <a:ext uri="{9D8B030D-6E8A-4147-A177-3AD203B41FA5}">
+                      <a16:colId xmlns:a16="http://schemas.microsoft.com/office/drawing/2014/main" val="2100658492"/>
+                    </a:ext>
+                  </a:extLst>
+                </a:gridCol>
+                <a:gridCol w="4943192">
+                  <a:extLst>
+                    <a:ext uri="{9D8B030D-6E8A-4147-A177-3AD203B41FA5}">
+                      <a16:colId xmlns:a16="http://schemas.microsoft.com/office/drawing/2014/main" val="571343273"/>
+                    </a:ext>
+                  </a:extLst>
+                </a:gridCol>
+              </a:tblGrid>
+              <a:tr h="1046050">
+                <a:tc>
+                  <a:txBody>
+                    <a:bodyPr/>
+                    <a:lstStyle/>
+                    <a:p>
+                      <a:pPr marL="0" marR="0" lvl="0" indent="0" algn="l" defTabSz="914400" rtl="0" eaLnBrk="1" fontAlgn="auto" latinLnBrk="0" hangingPunct="1">
+                        <a:lnSpc>
+                          <a:spcPct val="100000"/>
+                        </a:lnSpc>
+                        <a:spcBef>
+                          <a:spcPts val="0"/>
+                        </a:spcBef>
+                        <a:spcAft>
+                          <a:spcPts val="0"/>
+                        </a:spcAft>
+                        <a:buClrTx/>
+                        <a:buSzTx/>
+                        <a:buFontTx/>
+                        <a:buNone/>
+                        <a:tabLst/>
+                        <a:defRPr/>
+                      </a:pPr>
+                      <a:r>
+                        <a:rPr lang="en-US" altLang="zh-TW" sz="1800" b="0" kern="1200" dirty="0" err="1">
+                          <a:solidFill>
+                            <a:schemeClr val="lt1"/>
+                          </a:solidFill>
+                          <a:effectLst/>
+                          <a:latin typeface="+mn-lt"/>
+                          <a:ea typeface="+mn-ea"/>
+                          <a:cs typeface="+mn-cs"/>
+                        </a:rPr>
+                        <a:t>display_results</a:t>
+                      </a:r>
+                      <a:r>
+                        <a:rPr lang="en-US" altLang="zh-TW" sz="1800" b="0" kern="1200" dirty="0">
+                          <a:solidFill>
+                            <a:schemeClr val="lt1"/>
+                          </a:solidFill>
+                          <a:effectLst/>
+                          <a:latin typeface="+mn-lt"/>
+                          <a:ea typeface="+mn-ea"/>
+                          <a:cs typeface="+mn-cs"/>
+                        </a:rPr>
+                        <a:t>(images, titles):</a:t>
+                      </a:r>
+                    </a:p>
+                    <a:p>
+                      <a:endParaRPr lang="en-US" altLang="zh-TW" sz="1800" b="0" kern="1200" dirty="0">
+                        <a:solidFill>
+                          <a:schemeClr val="lt1"/>
+                        </a:solidFill>
+                        <a:effectLst/>
+                        <a:latin typeface="標楷體" panose="03000509000000000000" pitchFamily="65" charset="-120"/>
+                        <a:ea typeface="標楷體" panose="03000509000000000000" pitchFamily="65" charset="-120"/>
+                        <a:cs typeface="+mn-cs"/>
+                      </a:endParaRPr>
+                    </a:p>
+                  </a:txBody>
+                  <a:tcPr/>
+                </a:tc>
+                <a:tc>
+                  <a:txBody>
+                    <a:bodyPr/>
+                    <a:lstStyle/>
+                    <a:p>
+                      <a:r>
+                        <a:rPr lang="zh-TW" altLang="en-US" dirty="0">
+                          <a:latin typeface="標楷體" panose="03000509000000000000" pitchFamily="65" charset="-120"/>
+                          <a:ea typeface="標楷體" panose="03000509000000000000" pitchFamily="65" charset="-120"/>
+                        </a:rPr>
+                        <a:t>功能：顯示圖片</a:t>
+                      </a:r>
+                    </a:p>
+                  </a:txBody>
+                  <a:tcPr/>
+                </a:tc>
+                <a:extLst>
+                  <a:ext uri="{0D108BD9-81ED-4DB2-BD59-A6C34878D82A}">
+                    <a16:rowId xmlns:a16="http://schemas.microsoft.com/office/drawing/2014/main" val="1988417968"/>
+                  </a:ext>
+                </a:extLst>
+              </a:tr>
+              <a:tr h="3000849">
+                <a:tc>
+                  <a:txBody>
+                    <a:bodyPr/>
+                    <a:lstStyle/>
+                    <a:p>
+                      <a:r>
+                        <a:rPr lang="zh-TW" altLang="en-US" dirty="0">
+                          <a:latin typeface="標楷體" panose="03000509000000000000" pitchFamily="65" charset="-120"/>
+                          <a:ea typeface="標楷體" panose="03000509000000000000" pitchFamily="65" charset="-120"/>
+                        </a:rPr>
+                        <a:t>輸入：圖片陣列</a:t>
+                      </a:r>
+                      <a:r>
+                        <a:rPr lang="en-US" altLang="zh-TW" dirty="0">
+                          <a:latin typeface="標楷體" panose="03000509000000000000" pitchFamily="65" charset="-120"/>
+                          <a:ea typeface="標楷體" panose="03000509000000000000" pitchFamily="65" charset="-120"/>
+                        </a:rPr>
+                        <a:t>(</a:t>
+                      </a:r>
+                      <a:r>
+                        <a:rPr lang="zh-TW" altLang="en-US" dirty="0">
+                          <a:latin typeface="標楷體" panose="03000509000000000000" pitchFamily="65" charset="-120"/>
+                          <a:ea typeface="標楷體" panose="03000509000000000000" pitchFamily="65" charset="-120"/>
+                        </a:rPr>
+                        <a:t>二值化、灰階、原圖等等</a:t>
+                      </a:r>
+                      <a:r>
+                        <a:rPr lang="en-US" altLang="zh-TW" dirty="0">
+                          <a:latin typeface="標楷體" panose="03000509000000000000" pitchFamily="65" charset="-120"/>
+                          <a:ea typeface="標楷體" panose="03000509000000000000" pitchFamily="65" charset="-120"/>
+                        </a:rPr>
+                        <a:t>)</a:t>
+                      </a:r>
+                      <a:r>
+                        <a:rPr lang="zh-TW" altLang="en-US" dirty="0">
+                          <a:latin typeface="標楷體" panose="03000509000000000000" pitchFamily="65" charset="-120"/>
+                          <a:ea typeface="標楷體" panose="03000509000000000000" pitchFamily="65" charset="-120"/>
+                        </a:rPr>
+                        <a:t>、圖片標題陣列</a:t>
+                      </a:r>
+                    </a:p>
+                  </a:txBody>
+                  <a:tcPr/>
+                </a:tc>
+                <a:tc>
+                  <a:txBody>
+                    <a:bodyPr/>
+                    <a:lstStyle/>
+                    <a:p>
+                      <a:r>
+                        <a:rPr lang="zh-TW" altLang="en-US" dirty="0">
+                          <a:latin typeface="標楷體" panose="03000509000000000000" pitchFamily="65" charset="-120"/>
+                          <a:ea typeface="標楷體" panose="03000509000000000000" pitchFamily="65" charset="-120"/>
+                        </a:rPr>
+                        <a:t>輸出：無</a:t>
+                      </a:r>
+                    </a:p>
+                  </a:txBody>
+                  <a:tcPr/>
+                </a:tc>
+                <a:extLst>
+                  <a:ext uri="{0D108BD9-81ED-4DB2-BD59-A6C34878D82A}">
+                    <a16:rowId xmlns:a16="http://schemas.microsoft.com/office/drawing/2014/main" val="2492615710"/>
+                  </a:ext>
+                </a:extLst>
+              </a:tr>
+            </a:tbl>
+          </a:graphicData>
+        </a:graphic>
+      </p:graphicFrame>
+      <p:sp>
+        <p:nvSpPr>
+          <p:cNvPr id="5" name="文字方塊 4">
+            <a:extLst>
+              <a:ext uri="{FF2B5EF4-FFF2-40B4-BE49-F238E27FC236}">
+                <a16:creationId xmlns:a16="http://schemas.microsoft.com/office/drawing/2014/main" id="{89841525-E80A-0F00-7709-E80152E46919}"/>
+              </a:ext>
+            </a:extLst>
+          </p:cNvPr>
+          <p:cNvSpPr txBox="1"/>
+          <p:nvPr/>
+        </p:nvSpPr>
+        <p:spPr>
+          <a:xfrm>
+            <a:off x="1913299" y="244444"/>
+            <a:ext cx="8365402" cy="707886"/>
+          </a:xfrm>
+          <a:prstGeom prst="rect">
+            <a:avLst/>
+          </a:prstGeom>
+          <a:noFill/>
+        </p:spPr>
+        <p:txBody>
+          <a:bodyPr wrap="square" rtlCol="0">
+            <a:spAutoFit/>
+          </a:bodyPr>
+          <a:lstStyle/>
+          <a:p>
+            <a:pPr algn="ctr"/>
+            <a:r>
+              <a:rPr lang="en-US" altLang="zh-TW" sz="4000" dirty="0">
+                <a:latin typeface="Times New Roman" panose="02020603050405020304" pitchFamily="18" charset="0"/>
+              </a:rPr>
+              <a:t>API</a:t>
+            </a:r>
+            <a:endParaRPr lang="zh-TW" altLang="en-US" sz="4000" dirty="0">
+              <a:latin typeface="Times New Roman" panose="02020603050405020304" pitchFamily="18" charset="0"/>
+            </a:endParaRPr>
+          </a:p>
+        </p:txBody>
+      </p:sp>
+    </p:spTree>
+    <p:extLst>
+      <p:ext uri="{BB962C8B-B14F-4D97-AF65-F5344CB8AC3E}">
+        <p14:creationId xmlns:p14="http://schemas.microsoft.com/office/powerpoint/2010/main" val="2910775871"/>
+      </p:ext>
+    </p:extLst>
+  </p:cSld>
+  <p:clrMapOvr>
+    <a:masterClrMapping/>
+  </p:clrMapOvr>
+</p:sld>
+</file>
+
+<file path=ppt/slides/slide12.xml><?xml version="1.0" encoding="utf-8"?>
+<p:sld xmlns:a="http://schemas.openxmlformats.org/drawingml/2006/main" xmlns:r="http://schemas.openxmlformats.org/officeDocument/2006/relationships" xmlns:p="http://schemas.openxmlformats.org/presentationml/2006/main">
+  <p:cSld>
+    <p:spTree>
+      <p:nvGrpSpPr>
+        <p:cNvPr id="1" name="">
+          <a:extLst>
+            <a:ext uri="{FF2B5EF4-FFF2-40B4-BE49-F238E27FC236}">
+              <a16:creationId xmlns:a16="http://schemas.microsoft.com/office/drawing/2014/main" id="{99CE1E70-D726-5E87-B778-5229B6FBAEF2}"/>
+            </a:ext>
+          </a:extLst>
+        </p:cNvPr>
+        <p:cNvGrpSpPr/>
+        <p:nvPr/>
+      </p:nvGrpSpPr>
+      <p:grpSpPr>
+        <a:xfrm>
+          <a:off x="0" y="0"/>
+          <a:ext cx="0" cy="0"/>
+          <a:chOff x="0" y="0"/>
+          <a:chExt cx="0" cy="0"/>
+        </a:xfrm>
+      </p:grpSpPr>
+      <p:graphicFrame>
+        <p:nvGraphicFramePr>
+          <p:cNvPr id="4" name="表格 3">
+            <a:extLst>
+              <a:ext uri="{FF2B5EF4-FFF2-40B4-BE49-F238E27FC236}">
+                <a16:creationId xmlns:a16="http://schemas.microsoft.com/office/drawing/2014/main" id="{2302C5B9-709F-ECFE-72E7-B58C3F365D4C}"/>
+              </a:ext>
+            </a:extLst>
+          </p:cNvPr>
+          <p:cNvGraphicFramePr>
+            <a:graphicFrameLocks noGrp="1"/>
+          </p:cNvGraphicFramePr>
+          <p:nvPr>
+            <p:extLst>
+              <p:ext uri="{D42A27DB-BD31-4B8C-83A1-F6EECF244321}">
+                <p14:modId xmlns:p14="http://schemas.microsoft.com/office/powerpoint/2010/main" val="1961746287"/>
+              </p:ext>
+            </p:extLst>
+          </p:nvPr>
+        </p:nvGraphicFramePr>
+        <p:xfrm>
+          <a:off x="1152808" y="1855959"/>
+          <a:ext cx="9886384" cy="4046899"/>
+        </p:xfrm>
+        <a:graphic>
+          <a:graphicData uri="http://schemas.openxmlformats.org/drawingml/2006/table">
+            <a:tbl>
+              <a:tblPr firstRow="1" bandRow="1">
+                <a:tableStyleId>{5C22544A-7EE6-4342-B048-85BDC9FD1C3A}</a:tableStyleId>
+              </a:tblPr>
+              <a:tblGrid>
+                <a:gridCol w="4943192">
+                  <a:extLst>
+                    <a:ext uri="{9D8B030D-6E8A-4147-A177-3AD203B41FA5}">
+                      <a16:colId xmlns:a16="http://schemas.microsoft.com/office/drawing/2014/main" val="2100658492"/>
+                    </a:ext>
+                  </a:extLst>
+                </a:gridCol>
+                <a:gridCol w="4943192">
+                  <a:extLst>
+                    <a:ext uri="{9D8B030D-6E8A-4147-A177-3AD203B41FA5}">
+                      <a16:colId xmlns:a16="http://schemas.microsoft.com/office/drawing/2014/main" val="571343273"/>
+                    </a:ext>
+                  </a:extLst>
+                </a:gridCol>
+              </a:tblGrid>
+              <a:tr h="1046050">
+                <a:tc>
+                  <a:txBody>
+                    <a:bodyPr/>
+                    <a:lstStyle/>
+                    <a:p>
+                      <a:pPr marL="0" marR="0" lvl="0" indent="0" algn="l" defTabSz="914400" rtl="0" eaLnBrk="1" fontAlgn="auto" latinLnBrk="0" hangingPunct="1">
+                        <a:lnSpc>
+                          <a:spcPct val="100000"/>
+                        </a:lnSpc>
+                        <a:spcBef>
+                          <a:spcPts val="0"/>
+                        </a:spcBef>
+                        <a:spcAft>
+                          <a:spcPts val="0"/>
+                        </a:spcAft>
+                        <a:buClrTx/>
+                        <a:buSzTx/>
+                        <a:buFontTx/>
+                        <a:buNone/>
+                        <a:tabLst/>
+                        <a:defRPr/>
+                      </a:pPr>
+                      <a:r>
+                        <a:rPr lang="en-US" altLang="zh-TW" sz="1800" b="0" kern="1200" dirty="0" err="1">
+                          <a:solidFill>
+                            <a:schemeClr val="lt1"/>
+                          </a:solidFill>
+                          <a:effectLst/>
+                          <a:latin typeface="+mn-lt"/>
+                          <a:ea typeface="+mn-ea"/>
+                          <a:cs typeface="+mn-cs"/>
+                        </a:rPr>
+                        <a:t>get_road_patch</a:t>
+                      </a:r>
+                      <a:r>
+                        <a:rPr lang="en-US" altLang="zh-TW" sz="1800" b="0" kern="1200" dirty="0">
+                          <a:solidFill>
+                            <a:schemeClr val="lt1"/>
+                          </a:solidFill>
+                          <a:effectLst/>
+                          <a:latin typeface="+mn-lt"/>
+                          <a:ea typeface="+mn-ea"/>
+                          <a:cs typeface="+mn-cs"/>
+                        </a:rPr>
+                        <a:t>(</a:t>
+                      </a:r>
+                      <a:r>
+                        <a:rPr lang="en-US" altLang="zh-TW" sz="1800" b="0" kern="1200" dirty="0" err="1">
+                          <a:solidFill>
+                            <a:schemeClr val="lt1"/>
+                          </a:solidFill>
+                          <a:effectLst/>
+                          <a:latin typeface="+mn-lt"/>
+                          <a:ea typeface="+mn-ea"/>
+                          <a:cs typeface="+mn-cs"/>
+                        </a:rPr>
+                        <a:t>lbp</a:t>
+                      </a:r>
+                      <a:r>
+                        <a:rPr lang="en-US" altLang="zh-TW" sz="1800" b="0" kern="1200" dirty="0">
+                          <a:solidFill>
+                            <a:schemeClr val="lt1"/>
+                          </a:solidFill>
+                          <a:effectLst/>
+                          <a:latin typeface="+mn-lt"/>
+                          <a:ea typeface="+mn-ea"/>
+                          <a:cs typeface="+mn-cs"/>
+                        </a:rPr>
+                        <a:t>, config)</a:t>
+                      </a:r>
+                    </a:p>
+                    <a:p>
+                      <a:endParaRPr lang="en-US" altLang="zh-TW" sz="1800" b="0" kern="1200" dirty="0">
+                        <a:solidFill>
+                          <a:schemeClr val="lt1"/>
+                        </a:solidFill>
+                        <a:effectLst/>
+                        <a:latin typeface="標楷體" panose="03000509000000000000" pitchFamily="65" charset="-120"/>
+                        <a:ea typeface="標楷體" panose="03000509000000000000" pitchFamily="65" charset="-120"/>
+                        <a:cs typeface="+mn-cs"/>
+                      </a:endParaRPr>
+                    </a:p>
+                  </a:txBody>
+                  <a:tcPr/>
+                </a:tc>
+                <a:tc>
+                  <a:txBody>
+                    <a:bodyPr/>
+                    <a:lstStyle/>
+                    <a:p>
+                      <a:r>
+                        <a:rPr lang="zh-TW" altLang="en-US" dirty="0">
+                          <a:latin typeface="標楷體" panose="03000509000000000000" pitchFamily="65" charset="-120"/>
+                          <a:ea typeface="標楷體" panose="03000509000000000000" pitchFamily="65" charset="-120"/>
+                        </a:rPr>
+                        <a:t>功能：取得道路特徵，並計算直方圖</a:t>
+                      </a:r>
+                    </a:p>
+                  </a:txBody>
+                  <a:tcPr/>
+                </a:tc>
+                <a:extLst>
+                  <a:ext uri="{0D108BD9-81ED-4DB2-BD59-A6C34878D82A}">
+                    <a16:rowId xmlns:a16="http://schemas.microsoft.com/office/drawing/2014/main" val="1988417968"/>
+                  </a:ext>
+                </a:extLst>
+              </a:tr>
+              <a:tr h="3000849">
+                <a:tc>
+                  <a:txBody>
+                    <a:bodyPr/>
+                    <a:lstStyle/>
+                    <a:p>
+                      <a:r>
+                        <a:rPr lang="zh-TW" altLang="en-US" dirty="0">
+                          <a:latin typeface="標楷體" panose="03000509000000000000" pitchFamily="65" charset="-120"/>
+                          <a:ea typeface="標楷體" panose="03000509000000000000" pitchFamily="65" charset="-120"/>
+                        </a:rPr>
+                        <a:t>輸入：</a:t>
+                      </a:r>
+                      <a:r>
+                        <a:rPr lang="en-US" altLang="zh-TW" dirty="0">
+                          <a:latin typeface="標楷體" panose="03000509000000000000" pitchFamily="65" charset="-120"/>
+                          <a:ea typeface="標楷體" panose="03000509000000000000" pitchFamily="65" charset="-120"/>
+                        </a:rPr>
+                        <a:t>LBP</a:t>
+                      </a:r>
+                      <a:r>
+                        <a:rPr lang="zh-TW" altLang="en-US" dirty="0">
+                          <a:latin typeface="標楷體" panose="03000509000000000000" pitchFamily="65" charset="-120"/>
+                          <a:ea typeface="標楷體" panose="03000509000000000000" pitchFamily="65" charset="-120"/>
+                        </a:rPr>
+                        <a:t>特徵圖、參數</a:t>
+                      </a:r>
+                    </a:p>
+                  </a:txBody>
+                  <a:tcPr/>
+                </a:tc>
+                <a:tc>
+                  <a:txBody>
+                    <a:bodyPr/>
+                    <a:lstStyle/>
+                    <a:p>
+                      <a:r>
+                        <a:rPr lang="zh-TW" altLang="en-US" dirty="0">
+                          <a:latin typeface="標楷體" panose="03000509000000000000" pitchFamily="65" charset="-120"/>
+                          <a:ea typeface="標楷體" panose="03000509000000000000" pitchFamily="65" charset="-120"/>
+                        </a:rPr>
+                        <a:t>輸出：</a:t>
+                      </a:r>
+                      <a:r>
+                        <a:rPr lang="en-US" altLang="zh-TW" dirty="0">
+                          <a:latin typeface="標楷體" panose="03000509000000000000" pitchFamily="65" charset="-120"/>
+                          <a:ea typeface="標楷體" panose="03000509000000000000" pitchFamily="65" charset="-120"/>
+                        </a:rPr>
+                        <a:t>LBP</a:t>
+                      </a:r>
+                      <a:r>
+                        <a:rPr lang="zh-TW" altLang="en-US" dirty="0">
+                          <a:latin typeface="標楷體" panose="03000509000000000000" pitchFamily="65" charset="-120"/>
+                          <a:ea typeface="標楷體" panose="03000509000000000000" pitchFamily="65" charset="-120"/>
+                        </a:rPr>
+                        <a:t>直方圖，用於相似度比對</a:t>
+                      </a:r>
+                    </a:p>
+                  </a:txBody>
+                  <a:tcPr/>
+                </a:tc>
+                <a:extLst>
+                  <a:ext uri="{0D108BD9-81ED-4DB2-BD59-A6C34878D82A}">
+                    <a16:rowId xmlns:a16="http://schemas.microsoft.com/office/drawing/2014/main" val="2492615710"/>
+                  </a:ext>
+                </a:extLst>
+              </a:tr>
+            </a:tbl>
+          </a:graphicData>
+        </a:graphic>
+      </p:graphicFrame>
+      <p:sp>
+        <p:nvSpPr>
+          <p:cNvPr id="5" name="文字方塊 4">
+            <a:extLst>
+              <a:ext uri="{FF2B5EF4-FFF2-40B4-BE49-F238E27FC236}">
+                <a16:creationId xmlns:a16="http://schemas.microsoft.com/office/drawing/2014/main" id="{6F354899-652F-ACA4-7E67-DC95E6FE4146}"/>
+              </a:ext>
+            </a:extLst>
+          </p:cNvPr>
+          <p:cNvSpPr txBox="1"/>
+          <p:nvPr/>
+        </p:nvSpPr>
+        <p:spPr>
+          <a:xfrm>
+            <a:off x="1913299" y="244444"/>
+            <a:ext cx="8365402" cy="707886"/>
+          </a:xfrm>
+          <a:prstGeom prst="rect">
+            <a:avLst/>
+          </a:prstGeom>
+          <a:noFill/>
+        </p:spPr>
+        <p:txBody>
+          <a:bodyPr wrap="square" rtlCol="0">
+            <a:spAutoFit/>
+          </a:bodyPr>
+          <a:lstStyle/>
+          <a:p>
+            <a:pPr algn="ctr"/>
+            <a:r>
+              <a:rPr lang="en-US" altLang="zh-TW" sz="4000" dirty="0">
+                <a:latin typeface="Times New Roman" panose="02020603050405020304" pitchFamily="18" charset="0"/>
+              </a:rPr>
+              <a:t>API</a:t>
+            </a:r>
+            <a:endParaRPr lang="zh-TW" altLang="en-US" sz="4000" dirty="0">
+              <a:latin typeface="Times New Roman" panose="02020603050405020304" pitchFamily="18" charset="0"/>
+            </a:endParaRPr>
+          </a:p>
+        </p:txBody>
+      </p:sp>
+    </p:spTree>
+    <p:extLst>
+      <p:ext uri="{BB962C8B-B14F-4D97-AF65-F5344CB8AC3E}">
+        <p14:creationId xmlns:p14="http://schemas.microsoft.com/office/powerpoint/2010/main" val="498795178"/>
+      </p:ext>
+    </p:extLst>
+  </p:cSld>
+  <p:clrMapOvr>
+    <a:masterClrMapping/>
+  </p:clrMapOvr>
+</p:sld>
+</file>
+
+<file path=ppt/slides/slide13.xml><?xml version="1.0" encoding="utf-8"?>
+<p:sld xmlns:a="http://schemas.openxmlformats.org/drawingml/2006/main" xmlns:r="http://schemas.openxmlformats.org/officeDocument/2006/relationships" xmlns:p="http://schemas.openxmlformats.org/presentationml/2006/main">
+  <p:cSld>
+    <p:spTree>
+      <p:nvGrpSpPr>
+        <p:cNvPr id="1" name="">
+          <a:extLst>
+            <a:ext uri="{FF2B5EF4-FFF2-40B4-BE49-F238E27FC236}">
+              <a16:creationId xmlns:a16="http://schemas.microsoft.com/office/drawing/2014/main" id="{1F2FF854-31C4-3154-1CF4-777F058069D4}"/>
+            </a:ext>
+          </a:extLst>
+        </p:cNvPr>
+        <p:cNvGrpSpPr/>
+        <p:nvPr/>
+      </p:nvGrpSpPr>
+      <p:grpSpPr>
+        <a:xfrm>
+          <a:off x="0" y="0"/>
+          <a:ext cx="0" cy="0"/>
+          <a:chOff x="0" y="0"/>
+          <a:chExt cx="0" cy="0"/>
+        </a:xfrm>
+      </p:grpSpPr>
+      <p:graphicFrame>
+        <p:nvGraphicFramePr>
+          <p:cNvPr id="4" name="表格 3">
+            <a:extLst>
+              <a:ext uri="{FF2B5EF4-FFF2-40B4-BE49-F238E27FC236}">
+                <a16:creationId xmlns:a16="http://schemas.microsoft.com/office/drawing/2014/main" id="{2BF19467-56CD-EBA8-DB56-F92F8A125ED5}"/>
+              </a:ext>
+            </a:extLst>
+          </p:cNvPr>
+          <p:cNvGraphicFramePr>
+            <a:graphicFrameLocks noGrp="1"/>
+          </p:cNvGraphicFramePr>
+          <p:nvPr>
+            <p:extLst>
+              <p:ext uri="{D42A27DB-BD31-4B8C-83A1-F6EECF244321}">
+                <p14:modId xmlns:p14="http://schemas.microsoft.com/office/powerpoint/2010/main" val="1536378507"/>
+              </p:ext>
+            </p:extLst>
+          </p:nvPr>
+        </p:nvGraphicFramePr>
+        <p:xfrm>
+          <a:off x="1152808" y="1855959"/>
+          <a:ext cx="9886384" cy="4046899"/>
+        </p:xfrm>
+        <a:graphic>
+          <a:graphicData uri="http://schemas.openxmlformats.org/drawingml/2006/table">
+            <a:tbl>
+              <a:tblPr firstRow="1" bandRow="1">
+                <a:tableStyleId>{5C22544A-7EE6-4342-B048-85BDC9FD1C3A}</a:tableStyleId>
+              </a:tblPr>
+              <a:tblGrid>
+                <a:gridCol w="4943192">
+                  <a:extLst>
+                    <a:ext uri="{9D8B030D-6E8A-4147-A177-3AD203B41FA5}">
+                      <a16:colId xmlns:a16="http://schemas.microsoft.com/office/drawing/2014/main" val="2100658492"/>
+                    </a:ext>
+                  </a:extLst>
+                </a:gridCol>
+                <a:gridCol w="4943192">
+                  <a:extLst>
+                    <a:ext uri="{9D8B030D-6E8A-4147-A177-3AD203B41FA5}">
+                      <a16:colId xmlns:a16="http://schemas.microsoft.com/office/drawing/2014/main" val="571343273"/>
+                    </a:ext>
+                  </a:extLst>
+                </a:gridCol>
+              </a:tblGrid>
+              <a:tr h="1046050">
+                <a:tc>
+                  <a:txBody>
+                    <a:bodyPr/>
+                    <a:lstStyle/>
+                    <a:p>
+                      <a:r>
+                        <a:rPr lang="en-US" altLang="zh-TW" dirty="0"/>
+                        <a:t>main(</a:t>
+                      </a:r>
+                      <a:r>
+                        <a:rPr lang="en-US" altLang="zh-TW" dirty="0" err="1"/>
+                        <a:t>image_path</a:t>
+                      </a:r>
+                      <a:r>
+                        <a:rPr lang="en-US" altLang="zh-TW" dirty="0"/>
+                        <a:t>, </a:t>
+                      </a:r>
+                      <a:r>
+                        <a:rPr lang="en-US" altLang="zh-TW" dirty="0" err="1"/>
+                        <a:t>config_path</a:t>
+                      </a:r>
+                      <a:r>
+                        <a:rPr lang="en-US" altLang="zh-TW" dirty="0"/>
+                        <a:t>)</a:t>
+                      </a:r>
+                      <a:endParaRPr lang="en-US" altLang="zh-TW" sz="1800" b="0" kern="1200" dirty="0">
+                        <a:solidFill>
+                          <a:schemeClr val="lt1"/>
+                        </a:solidFill>
+                        <a:effectLst/>
+                        <a:latin typeface="標楷體" panose="03000509000000000000" pitchFamily="65" charset="-120"/>
+                        <a:ea typeface="標楷體" panose="03000509000000000000" pitchFamily="65" charset="-120"/>
+                        <a:cs typeface="+mn-cs"/>
+                      </a:endParaRPr>
+                    </a:p>
+                  </a:txBody>
+                  <a:tcPr/>
+                </a:tc>
+                <a:tc>
+                  <a:txBody>
+                    <a:bodyPr/>
+                    <a:lstStyle/>
+                    <a:p>
+                      <a:r>
+                        <a:rPr lang="zh-TW" altLang="en-US" dirty="0">
+                          <a:latin typeface="標楷體" panose="03000509000000000000" pitchFamily="65" charset="-120"/>
+                          <a:ea typeface="標楷體" panose="03000509000000000000" pitchFamily="65" charset="-120"/>
+                        </a:rPr>
+                        <a:t>功能：主程式</a:t>
+                      </a:r>
+                    </a:p>
+                  </a:txBody>
+                  <a:tcPr/>
+                </a:tc>
+                <a:extLst>
+                  <a:ext uri="{0D108BD9-81ED-4DB2-BD59-A6C34878D82A}">
+                    <a16:rowId xmlns:a16="http://schemas.microsoft.com/office/drawing/2014/main" val="1988417968"/>
+                  </a:ext>
+                </a:extLst>
+              </a:tr>
+              <a:tr h="3000849">
+                <a:tc>
+                  <a:txBody>
+                    <a:bodyPr/>
+                    <a:lstStyle/>
+                    <a:p>
+                      <a:r>
+                        <a:rPr lang="zh-TW" altLang="en-US" dirty="0">
+                          <a:latin typeface="標楷體" panose="03000509000000000000" pitchFamily="65" charset="-120"/>
+                          <a:ea typeface="標楷體" panose="03000509000000000000" pitchFamily="65" charset="-120"/>
+                        </a:rPr>
+                        <a:t>輸入：圖片路徑、參數檔案路徑</a:t>
+                      </a:r>
+                    </a:p>
+                  </a:txBody>
+                  <a:tcPr/>
+                </a:tc>
+                <a:tc>
+                  <a:txBody>
+                    <a:bodyPr/>
+                    <a:lstStyle/>
+                    <a:p>
+                      <a:r>
+                        <a:rPr lang="zh-TW" altLang="en-US" dirty="0">
+                          <a:latin typeface="標楷體" panose="03000509000000000000" pitchFamily="65" charset="-120"/>
+                          <a:ea typeface="標楷體" panose="03000509000000000000" pitchFamily="65" charset="-120"/>
+                        </a:rPr>
+                        <a:t>輸出：無</a:t>
+                      </a:r>
+                    </a:p>
+                  </a:txBody>
+                  <a:tcPr/>
+                </a:tc>
+                <a:extLst>
+                  <a:ext uri="{0D108BD9-81ED-4DB2-BD59-A6C34878D82A}">
+                    <a16:rowId xmlns:a16="http://schemas.microsoft.com/office/drawing/2014/main" val="2492615710"/>
+                  </a:ext>
+                </a:extLst>
+              </a:tr>
+            </a:tbl>
+          </a:graphicData>
+        </a:graphic>
+      </p:graphicFrame>
+      <p:sp>
+        <p:nvSpPr>
+          <p:cNvPr id="5" name="文字方塊 4">
+            <a:extLst>
+              <a:ext uri="{FF2B5EF4-FFF2-40B4-BE49-F238E27FC236}">
+                <a16:creationId xmlns:a16="http://schemas.microsoft.com/office/drawing/2014/main" id="{CDF433AF-9DB8-F864-7BCF-A729C5851AC7}"/>
+              </a:ext>
+            </a:extLst>
+          </p:cNvPr>
+          <p:cNvSpPr txBox="1"/>
+          <p:nvPr/>
+        </p:nvSpPr>
+        <p:spPr>
+          <a:xfrm>
+            <a:off x="1913299" y="244444"/>
+            <a:ext cx="8365402" cy="707886"/>
+          </a:xfrm>
+          <a:prstGeom prst="rect">
+            <a:avLst/>
+          </a:prstGeom>
+          <a:noFill/>
+        </p:spPr>
+        <p:txBody>
+          <a:bodyPr wrap="square" rtlCol="0">
+            <a:spAutoFit/>
+          </a:bodyPr>
+          <a:lstStyle/>
+          <a:p>
+            <a:pPr algn="ctr"/>
+            <a:r>
+              <a:rPr lang="en-US" altLang="zh-TW" sz="4000" dirty="0">
+                <a:latin typeface="Times New Roman" panose="02020603050405020304" pitchFamily="18" charset="0"/>
+              </a:rPr>
+              <a:t>API</a:t>
+            </a:r>
+            <a:endParaRPr lang="zh-TW" altLang="en-US" sz="4000" dirty="0">
+              <a:latin typeface="Times New Roman" panose="02020603050405020304" pitchFamily="18" charset="0"/>
+            </a:endParaRPr>
+          </a:p>
+        </p:txBody>
+      </p:sp>
+    </p:spTree>
+    <p:extLst>
+      <p:ext uri="{BB962C8B-B14F-4D97-AF65-F5344CB8AC3E}">
+        <p14:creationId xmlns:p14="http://schemas.microsoft.com/office/powerpoint/2010/main" val="2506862925"/>
+      </p:ext>
+    </p:extLst>
+  </p:cSld>
+  <p:clrMapOvr>
+    <a:masterClrMapping/>
+  </p:clrMapOvr>
+</p:sld>
+</file>
+
 <file path=ppt/slides/slide2.xml><?xml version="1.0" encoding="utf-8"?>
 <p:sld xmlns:a="http://schemas.openxmlformats.org/drawingml/2006/main" xmlns:r="http://schemas.openxmlformats.org/officeDocument/2006/relationships" xmlns:p="http://schemas.openxmlformats.org/presentationml/2006/main">
   <p:cSld>
@@ -3456,7 +4529,7 @@
             <a:pPr algn="ctr"/>
             <a:r>
               <a:rPr lang="zh-TW" altLang="en-US" dirty="0"/>
-              <a:t>影像切割</a:t>
+              <a:t>馬路分割</a:t>
             </a:r>
           </a:p>
         </p:txBody>
@@ -3924,10 +4997,3376 @@
           </a:fontRef>
         </p:style>
       </p:cxnSp>
+      <p:sp>
+        <p:nvSpPr>
+          <p:cNvPr id="2" name="矩形 1">
+            <a:extLst>
+              <a:ext uri="{FF2B5EF4-FFF2-40B4-BE49-F238E27FC236}">
+                <a16:creationId xmlns:a16="http://schemas.microsoft.com/office/drawing/2014/main" id="{C6B6BD36-B5F5-29FF-291E-8614D743FACA}"/>
+              </a:ext>
+            </a:extLst>
+          </p:cNvPr>
+          <p:cNvSpPr/>
+          <p:nvPr/>
+        </p:nvSpPr>
+        <p:spPr>
+          <a:xfrm>
+            <a:off x="1568511" y="3119674"/>
+            <a:ext cx="1638677" cy="633743"/>
+          </a:xfrm>
+          <a:prstGeom prst="rect">
+            <a:avLst/>
+          </a:prstGeom>
+        </p:spPr>
+        <p:style>
+          <a:lnRef idx="2">
+            <a:schemeClr val="accent5">
+              <a:shade val="15000"/>
+            </a:schemeClr>
+          </a:lnRef>
+          <a:fillRef idx="1">
+            <a:schemeClr val="accent5"/>
+          </a:fillRef>
+          <a:effectRef idx="0">
+            <a:schemeClr val="accent5"/>
+          </a:effectRef>
+          <a:fontRef idx="minor">
+            <a:schemeClr val="lt1"/>
+          </a:fontRef>
+        </p:style>
+        <p:txBody>
+          <a:bodyPr rtlCol="0" anchor="ctr"/>
+          <a:lstStyle/>
+          <a:p>
+            <a:pPr algn="ctr"/>
+            <a:r>
+              <a:rPr lang="zh-TW" altLang="en-US" dirty="0"/>
+              <a:t>找相似</a:t>
+            </a:r>
+          </a:p>
+        </p:txBody>
+      </p:sp>
+      <p:sp>
+        <p:nvSpPr>
+          <p:cNvPr id="3" name="矩形 2">
+            <a:extLst>
+              <a:ext uri="{FF2B5EF4-FFF2-40B4-BE49-F238E27FC236}">
+                <a16:creationId xmlns:a16="http://schemas.microsoft.com/office/drawing/2014/main" id="{E952D788-FA47-638D-A6E5-C95761DE38D6}"/>
+              </a:ext>
+            </a:extLst>
+          </p:cNvPr>
+          <p:cNvSpPr/>
+          <p:nvPr/>
+        </p:nvSpPr>
+        <p:spPr>
+          <a:xfrm>
+            <a:off x="1568510" y="4152526"/>
+            <a:ext cx="1638677" cy="633743"/>
+          </a:xfrm>
+          <a:prstGeom prst="rect">
+            <a:avLst/>
+          </a:prstGeom>
+        </p:spPr>
+        <p:style>
+          <a:lnRef idx="2">
+            <a:schemeClr val="accent5">
+              <a:shade val="15000"/>
+            </a:schemeClr>
+          </a:lnRef>
+          <a:fillRef idx="1">
+            <a:schemeClr val="accent5"/>
+          </a:fillRef>
+          <a:effectRef idx="0">
+            <a:schemeClr val="accent5"/>
+          </a:effectRef>
+          <a:fontRef idx="minor">
+            <a:schemeClr val="lt1"/>
+          </a:fontRef>
+        </p:style>
+        <p:txBody>
+          <a:bodyPr rtlCol="0" anchor="ctr"/>
+          <a:lstStyle/>
+          <a:p>
+            <a:pPr algn="ctr"/>
+            <a:r>
+              <a:rPr lang="zh-TW" altLang="en-US" dirty="0"/>
+              <a:t>塗色</a:t>
+            </a:r>
+          </a:p>
+        </p:txBody>
+      </p:sp>
+      <p:cxnSp>
+        <p:nvCxnSpPr>
+          <p:cNvPr id="8" name="直線單箭頭接點 7">
+            <a:extLst>
+              <a:ext uri="{FF2B5EF4-FFF2-40B4-BE49-F238E27FC236}">
+                <a16:creationId xmlns:a16="http://schemas.microsoft.com/office/drawing/2014/main" id="{89384996-7C1D-E2BB-136B-F762642D23AC}"/>
+              </a:ext>
+            </a:extLst>
+          </p:cNvPr>
+          <p:cNvCxnSpPr/>
+          <p:nvPr/>
+        </p:nvCxnSpPr>
+        <p:spPr>
+          <a:xfrm flipH="1">
+            <a:off x="2387847" y="2713021"/>
+            <a:ext cx="1" cy="414197"/>
+          </a:xfrm>
+          <a:prstGeom prst="straightConnector1">
+            <a:avLst/>
+          </a:prstGeom>
+          <a:ln>
+            <a:tailEnd type="triangle"/>
+          </a:ln>
+        </p:spPr>
+        <p:style>
+          <a:lnRef idx="1">
+            <a:schemeClr val="accent1"/>
+          </a:lnRef>
+          <a:fillRef idx="0">
+            <a:schemeClr val="accent1"/>
+          </a:fillRef>
+          <a:effectRef idx="0">
+            <a:schemeClr val="accent1"/>
+          </a:effectRef>
+          <a:fontRef idx="minor">
+            <a:schemeClr val="tx1"/>
+          </a:fontRef>
+        </p:style>
+      </p:cxnSp>
+      <p:cxnSp>
+        <p:nvCxnSpPr>
+          <p:cNvPr id="10" name="直線單箭頭接點 9">
+            <a:extLst>
+              <a:ext uri="{FF2B5EF4-FFF2-40B4-BE49-F238E27FC236}">
+                <a16:creationId xmlns:a16="http://schemas.microsoft.com/office/drawing/2014/main" id="{5256EFB2-C5D9-0ED4-BDB3-CACB08E21FBE}"/>
+              </a:ext>
+            </a:extLst>
+          </p:cNvPr>
+          <p:cNvCxnSpPr/>
+          <p:nvPr/>
+        </p:nvCxnSpPr>
+        <p:spPr>
+          <a:xfrm flipH="1">
+            <a:off x="2387846" y="3738329"/>
+            <a:ext cx="1" cy="414197"/>
+          </a:xfrm>
+          <a:prstGeom prst="straightConnector1">
+            <a:avLst/>
+          </a:prstGeom>
+          <a:ln>
+            <a:tailEnd type="triangle"/>
+          </a:ln>
+        </p:spPr>
+        <p:style>
+          <a:lnRef idx="1">
+            <a:schemeClr val="accent1"/>
+          </a:lnRef>
+          <a:fillRef idx="0">
+            <a:schemeClr val="accent1"/>
+          </a:fillRef>
+          <a:effectRef idx="0">
+            <a:schemeClr val="accent1"/>
+          </a:effectRef>
+          <a:fontRef idx="minor">
+            <a:schemeClr val="tx1"/>
+          </a:fontRef>
+        </p:style>
+      </p:cxnSp>
+      <p:sp>
+        <p:nvSpPr>
+          <p:cNvPr id="11" name="矩形 10">
+            <a:extLst>
+              <a:ext uri="{FF2B5EF4-FFF2-40B4-BE49-F238E27FC236}">
+                <a16:creationId xmlns:a16="http://schemas.microsoft.com/office/drawing/2014/main" id="{2C005026-712D-7E78-182C-0F07B248D8C3}"/>
+              </a:ext>
+            </a:extLst>
+          </p:cNvPr>
+          <p:cNvSpPr/>
+          <p:nvPr/>
+        </p:nvSpPr>
+        <p:spPr>
+          <a:xfrm>
+            <a:off x="4110271" y="4167616"/>
+            <a:ext cx="1638677" cy="633743"/>
+          </a:xfrm>
+          <a:prstGeom prst="rect">
+            <a:avLst/>
+          </a:prstGeom>
+        </p:spPr>
+        <p:style>
+          <a:lnRef idx="2">
+            <a:schemeClr val="accent5">
+              <a:shade val="15000"/>
+            </a:schemeClr>
+          </a:lnRef>
+          <a:fillRef idx="1">
+            <a:schemeClr val="accent5"/>
+          </a:fillRef>
+          <a:effectRef idx="0">
+            <a:schemeClr val="accent5"/>
+          </a:effectRef>
+          <a:fontRef idx="minor">
+            <a:schemeClr val="lt1"/>
+          </a:fontRef>
+        </p:style>
+        <p:txBody>
+          <a:bodyPr rtlCol="0" anchor="ctr"/>
+          <a:lstStyle/>
+          <a:p>
+            <a:pPr algn="ctr"/>
+            <a:r>
+              <a:rPr lang="en-US" altLang="zh-TW" dirty="0"/>
+              <a:t>histogram</a:t>
+            </a:r>
+            <a:endParaRPr lang="zh-TW" altLang="en-US" dirty="0"/>
+          </a:p>
+        </p:txBody>
+      </p:sp>
+      <p:cxnSp>
+        <p:nvCxnSpPr>
+          <p:cNvPr id="12" name="直線單箭頭接點 11">
+            <a:extLst>
+              <a:ext uri="{FF2B5EF4-FFF2-40B4-BE49-F238E27FC236}">
+                <a16:creationId xmlns:a16="http://schemas.microsoft.com/office/drawing/2014/main" id="{18282047-9CE5-DC7B-99EE-E8C643C306FF}"/>
+              </a:ext>
+            </a:extLst>
+          </p:cNvPr>
+          <p:cNvCxnSpPr/>
+          <p:nvPr/>
+        </p:nvCxnSpPr>
+        <p:spPr>
+          <a:xfrm flipH="1">
+            <a:off x="4929608" y="3738328"/>
+            <a:ext cx="1" cy="414197"/>
+          </a:xfrm>
+          <a:prstGeom prst="straightConnector1">
+            <a:avLst/>
+          </a:prstGeom>
+          <a:ln>
+            <a:tailEnd type="triangle"/>
+          </a:ln>
+        </p:spPr>
+        <p:style>
+          <a:lnRef idx="1">
+            <a:schemeClr val="accent1"/>
+          </a:lnRef>
+          <a:fillRef idx="0">
+            <a:schemeClr val="accent1"/>
+          </a:fillRef>
+          <a:effectRef idx="0">
+            <a:schemeClr val="accent1"/>
+          </a:effectRef>
+          <a:fontRef idx="minor">
+            <a:schemeClr val="tx1"/>
+          </a:fontRef>
+        </p:style>
+      </p:cxnSp>
+      <p:sp>
+        <p:nvSpPr>
+          <p:cNvPr id="13" name="矩形 12">
+            <a:extLst>
+              <a:ext uri="{FF2B5EF4-FFF2-40B4-BE49-F238E27FC236}">
+                <a16:creationId xmlns:a16="http://schemas.microsoft.com/office/drawing/2014/main" id="{15BDCB73-F9DE-0C4B-995E-73BB0B564D98}"/>
+              </a:ext>
+            </a:extLst>
+          </p:cNvPr>
+          <p:cNvSpPr/>
+          <p:nvPr/>
+        </p:nvSpPr>
+        <p:spPr>
+          <a:xfrm>
+            <a:off x="6652032" y="3104585"/>
+            <a:ext cx="1638677" cy="633743"/>
+          </a:xfrm>
+          <a:prstGeom prst="rect">
+            <a:avLst/>
+          </a:prstGeom>
+        </p:spPr>
+        <p:style>
+          <a:lnRef idx="2">
+            <a:schemeClr val="accent5">
+              <a:shade val="15000"/>
+            </a:schemeClr>
+          </a:lnRef>
+          <a:fillRef idx="1">
+            <a:schemeClr val="accent5"/>
+          </a:fillRef>
+          <a:effectRef idx="0">
+            <a:schemeClr val="accent5"/>
+          </a:effectRef>
+          <a:fontRef idx="minor">
+            <a:schemeClr val="lt1"/>
+          </a:fontRef>
+        </p:style>
+        <p:txBody>
+          <a:bodyPr rtlCol="0" anchor="ctr"/>
+          <a:lstStyle/>
+          <a:p>
+            <a:pPr algn="ctr"/>
+            <a:r>
+              <a:rPr lang="zh-TW" altLang="en-US" dirty="0"/>
+              <a:t>灰階</a:t>
+            </a:r>
+          </a:p>
+        </p:txBody>
+      </p:sp>
+      <p:sp>
+        <p:nvSpPr>
+          <p:cNvPr id="14" name="矩形 13">
+            <a:extLst>
+              <a:ext uri="{FF2B5EF4-FFF2-40B4-BE49-F238E27FC236}">
+                <a16:creationId xmlns:a16="http://schemas.microsoft.com/office/drawing/2014/main" id="{D73CD985-267A-AD6A-F5EA-745946E41A65}"/>
+              </a:ext>
+            </a:extLst>
+          </p:cNvPr>
+          <p:cNvSpPr/>
+          <p:nvPr/>
+        </p:nvSpPr>
+        <p:spPr>
+          <a:xfrm>
+            <a:off x="6652032" y="4152525"/>
+            <a:ext cx="1638677" cy="633743"/>
+          </a:xfrm>
+          <a:prstGeom prst="rect">
+            <a:avLst/>
+          </a:prstGeom>
+        </p:spPr>
+        <p:style>
+          <a:lnRef idx="2">
+            <a:schemeClr val="accent5">
+              <a:shade val="15000"/>
+            </a:schemeClr>
+          </a:lnRef>
+          <a:fillRef idx="1">
+            <a:schemeClr val="accent5"/>
+          </a:fillRef>
+          <a:effectRef idx="0">
+            <a:schemeClr val="accent5"/>
+          </a:effectRef>
+          <a:fontRef idx="minor">
+            <a:schemeClr val="lt1"/>
+          </a:fontRef>
+        </p:style>
+        <p:txBody>
+          <a:bodyPr rtlCol="0" anchor="ctr"/>
+          <a:lstStyle/>
+          <a:p>
+            <a:pPr algn="ctr"/>
+            <a:r>
+              <a:rPr lang="en-US" altLang="zh-TW" dirty="0" err="1"/>
+              <a:t>sobel</a:t>
+            </a:r>
+            <a:endParaRPr lang="zh-TW" altLang="en-US" dirty="0"/>
+          </a:p>
+        </p:txBody>
+      </p:sp>
+      <p:cxnSp>
+        <p:nvCxnSpPr>
+          <p:cNvPr id="16" name="直線單箭頭接點 15">
+            <a:extLst>
+              <a:ext uri="{FF2B5EF4-FFF2-40B4-BE49-F238E27FC236}">
+                <a16:creationId xmlns:a16="http://schemas.microsoft.com/office/drawing/2014/main" id="{ED842C36-9C9F-12A9-6555-78A38AC56510}"/>
+              </a:ext>
+            </a:extLst>
+          </p:cNvPr>
+          <p:cNvCxnSpPr/>
+          <p:nvPr/>
+        </p:nvCxnSpPr>
+        <p:spPr>
+          <a:xfrm flipH="1">
+            <a:off x="7471369" y="2689632"/>
+            <a:ext cx="1" cy="414197"/>
+          </a:xfrm>
+          <a:prstGeom prst="straightConnector1">
+            <a:avLst/>
+          </a:prstGeom>
+          <a:ln>
+            <a:tailEnd type="triangle"/>
+          </a:ln>
+        </p:spPr>
+        <p:style>
+          <a:lnRef idx="1">
+            <a:schemeClr val="accent1"/>
+          </a:lnRef>
+          <a:fillRef idx="0">
+            <a:schemeClr val="accent1"/>
+          </a:fillRef>
+          <a:effectRef idx="0">
+            <a:schemeClr val="accent1"/>
+          </a:effectRef>
+          <a:fontRef idx="minor">
+            <a:schemeClr val="tx1"/>
+          </a:fontRef>
+        </p:style>
+      </p:cxnSp>
+      <p:cxnSp>
+        <p:nvCxnSpPr>
+          <p:cNvPr id="18" name="直線單箭頭接點 17">
+            <a:extLst>
+              <a:ext uri="{FF2B5EF4-FFF2-40B4-BE49-F238E27FC236}">
+                <a16:creationId xmlns:a16="http://schemas.microsoft.com/office/drawing/2014/main" id="{03C8892D-71D6-6845-E0EE-EB554A75834D}"/>
+              </a:ext>
+            </a:extLst>
+          </p:cNvPr>
+          <p:cNvCxnSpPr/>
+          <p:nvPr/>
+        </p:nvCxnSpPr>
+        <p:spPr>
+          <a:xfrm flipH="1">
+            <a:off x="7471367" y="3738327"/>
+            <a:ext cx="1" cy="414197"/>
+          </a:xfrm>
+          <a:prstGeom prst="straightConnector1">
+            <a:avLst/>
+          </a:prstGeom>
+          <a:ln>
+            <a:tailEnd type="triangle"/>
+          </a:ln>
+        </p:spPr>
+        <p:style>
+          <a:lnRef idx="1">
+            <a:schemeClr val="accent1"/>
+          </a:lnRef>
+          <a:fillRef idx="0">
+            <a:schemeClr val="accent1"/>
+          </a:fillRef>
+          <a:effectRef idx="0">
+            <a:schemeClr val="accent1"/>
+          </a:effectRef>
+          <a:fontRef idx="minor">
+            <a:schemeClr val="tx1"/>
+          </a:fontRef>
+        </p:style>
+      </p:cxnSp>
+      <p:sp>
+        <p:nvSpPr>
+          <p:cNvPr id="20" name="矩形 19">
+            <a:extLst>
+              <a:ext uri="{FF2B5EF4-FFF2-40B4-BE49-F238E27FC236}">
+                <a16:creationId xmlns:a16="http://schemas.microsoft.com/office/drawing/2014/main" id="{F1172985-198D-2B58-28EC-4B96205A6C0D}"/>
+              </a:ext>
+            </a:extLst>
+          </p:cNvPr>
+          <p:cNvSpPr/>
+          <p:nvPr/>
+        </p:nvSpPr>
+        <p:spPr>
+          <a:xfrm>
+            <a:off x="9193787" y="3103829"/>
+            <a:ext cx="1638677" cy="633743"/>
+          </a:xfrm>
+          <a:prstGeom prst="rect">
+            <a:avLst/>
+          </a:prstGeom>
+        </p:spPr>
+        <p:style>
+          <a:lnRef idx="2">
+            <a:schemeClr val="accent5">
+              <a:shade val="15000"/>
+            </a:schemeClr>
+          </a:lnRef>
+          <a:fillRef idx="1">
+            <a:schemeClr val="accent5"/>
+          </a:fillRef>
+          <a:effectRef idx="0">
+            <a:schemeClr val="accent5"/>
+          </a:effectRef>
+          <a:fontRef idx="minor">
+            <a:schemeClr val="lt1"/>
+          </a:fontRef>
+        </p:style>
+        <p:txBody>
+          <a:bodyPr rtlCol="0" anchor="ctr"/>
+          <a:lstStyle/>
+          <a:p>
+            <a:pPr algn="ctr"/>
+            <a:r>
+              <a:rPr lang="en-US" altLang="zh-TW" dirty="0"/>
+              <a:t>N</a:t>
+            </a:r>
+            <a:r>
+              <a:rPr lang="zh-TW" altLang="en-US" dirty="0"/>
+              <a:t>、</a:t>
+            </a:r>
+            <a:r>
+              <a:rPr lang="en-US" altLang="zh-TW" dirty="0"/>
+              <a:t>stride</a:t>
+            </a:r>
+            <a:endParaRPr lang="zh-TW" altLang="en-US" dirty="0"/>
+          </a:p>
+        </p:txBody>
+      </p:sp>
     </p:spTree>
     <p:extLst>
       <p:ext uri="{BB962C8B-B14F-4D97-AF65-F5344CB8AC3E}">
         <p14:creationId xmlns:p14="http://schemas.microsoft.com/office/powerpoint/2010/main" val="3443773673"/>
+      </p:ext>
+    </p:extLst>
+  </p:cSld>
+  <p:clrMapOvr>
+    <a:masterClrMapping/>
+  </p:clrMapOvr>
+</p:sld>
+</file>
+
+<file path=ppt/slides/slide3.xml><?xml version="1.0" encoding="utf-8"?>
+<p:sld xmlns:a="http://schemas.openxmlformats.org/drawingml/2006/main" xmlns:r="http://schemas.openxmlformats.org/officeDocument/2006/relationships" xmlns:p="http://schemas.openxmlformats.org/presentationml/2006/main">
+  <p:cSld>
+    <p:spTree>
+      <p:nvGrpSpPr>
+        <p:cNvPr id="1" name=""/>
+        <p:cNvGrpSpPr/>
+        <p:nvPr/>
+      </p:nvGrpSpPr>
+      <p:grpSpPr>
+        <a:xfrm>
+          <a:off x="0" y="0"/>
+          <a:ext cx="0" cy="0"/>
+          <a:chOff x="0" y="0"/>
+          <a:chExt cx="0" cy="0"/>
+        </a:xfrm>
+      </p:grpSpPr>
+      <p:sp>
+        <p:nvSpPr>
+          <p:cNvPr id="2" name="標題 1">
+            <a:extLst>
+              <a:ext uri="{FF2B5EF4-FFF2-40B4-BE49-F238E27FC236}">
+                <a16:creationId xmlns:a16="http://schemas.microsoft.com/office/drawing/2014/main" id="{EA4E6572-DE01-8ABE-3343-2B9DFCB4EEC2}"/>
+              </a:ext>
+            </a:extLst>
+          </p:cNvPr>
+          <p:cNvSpPr>
+            <a:spLocks noGrp="1"/>
+          </p:cNvSpPr>
+          <p:nvPr>
+            <p:ph type="title"/>
+          </p:nvPr>
+        </p:nvSpPr>
+        <p:spPr/>
+        <p:txBody>
+          <a:bodyPr/>
+          <a:lstStyle/>
+          <a:p>
+            <a:pPr algn="ctr"/>
+            <a:r>
+              <a:rPr lang="zh-TW" altLang="en-US" dirty="0">
+                <a:latin typeface="Times New Roman" panose="02020603050405020304" pitchFamily="18" charset="0"/>
+                <a:ea typeface="標楷體" panose="03000509000000000000" pitchFamily="65" charset="-120"/>
+              </a:rPr>
+              <a:t>流程圖</a:t>
+            </a:r>
+          </a:p>
+        </p:txBody>
+      </p:sp>
+      <p:sp>
+        <p:nvSpPr>
+          <p:cNvPr id="4" name="矩形: 圓角 3">
+            <a:extLst>
+              <a:ext uri="{FF2B5EF4-FFF2-40B4-BE49-F238E27FC236}">
+                <a16:creationId xmlns:a16="http://schemas.microsoft.com/office/drawing/2014/main" id="{55A3DFB2-71F4-A282-AE53-9AEC9F676D2D}"/>
+              </a:ext>
+            </a:extLst>
+          </p:cNvPr>
+          <p:cNvSpPr/>
+          <p:nvPr/>
+        </p:nvSpPr>
+        <p:spPr>
+          <a:xfrm>
+            <a:off x="706170" y="2236206"/>
+            <a:ext cx="1267485" cy="606582"/>
+          </a:xfrm>
+          <a:prstGeom prst="roundRect">
+            <a:avLst/>
+          </a:prstGeom>
+        </p:spPr>
+        <p:style>
+          <a:lnRef idx="2">
+            <a:schemeClr val="accent5">
+              <a:shade val="15000"/>
+            </a:schemeClr>
+          </a:lnRef>
+          <a:fillRef idx="1">
+            <a:schemeClr val="accent5"/>
+          </a:fillRef>
+          <a:effectRef idx="0">
+            <a:schemeClr val="accent5"/>
+          </a:effectRef>
+          <a:fontRef idx="minor">
+            <a:schemeClr val="lt1"/>
+          </a:fontRef>
+        </p:style>
+        <p:txBody>
+          <a:bodyPr rtlCol="0" anchor="ctr"/>
+          <a:lstStyle/>
+          <a:p>
+            <a:pPr algn="ctr"/>
+            <a:r>
+              <a:rPr lang="zh-TW" altLang="en-US" dirty="0">
+                <a:latin typeface="Times New Roman" panose="02020603050405020304" pitchFamily="18" charset="0"/>
+                <a:ea typeface="標楷體" panose="03000509000000000000" pitchFamily="65" charset="-120"/>
+              </a:rPr>
+              <a:t>圖片輸入</a:t>
+            </a:r>
+          </a:p>
+        </p:txBody>
+      </p:sp>
+      <p:sp>
+        <p:nvSpPr>
+          <p:cNvPr id="5" name="矩形: 圓角 4">
+            <a:extLst>
+              <a:ext uri="{FF2B5EF4-FFF2-40B4-BE49-F238E27FC236}">
+                <a16:creationId xmlns:a16="http://schemas.microsoft.com/office/drawing/2014/main" id="{8077D7EA-7689-E08F-0EEA-048FA63192D3}"/>
+              </a:ext>
+            </a:extLst>
+          </p:cNvPr>
+          <p:cNvSpPr/>
+          <p:nvPr/>
+        </p:nvSpPr>
+        <p:spPr>
+          <a:xfrm>
+            <a:off x="2669264" y="2236206"/>
+            <a:ext cx="1267485" cy="606582"/>
+          </a:xfrm>
+          <a:prstGeom prst="roundRect">
+            <a:avLst/>
+          </a:prstGeom>
+        </p:spPr>
+        <p:style>
+          <a:lnRef idx="2">
+            <a:schemeClr val="accent5">
+              <a:shade val="15000"/>
+            </a:schemeClr>
+          </a:lnRef>
+          <a:fillRef idx="1">
+            <a:schemeClr val="accent5"/>
+          </a:fillRef>
+          <a:effectRef idx="0">
+            <a:schemeClr val="accent5"/>
+          </a:effectRef>
+          <a:fontRef idx="minor">
+            <a:schemeClr val="lt1"/>
+          </a:fontRef>
+        </p:style>
+        <p:txBody>
+          <a:bodyPr rtlCol="0" anchor="ctr"/>
+          <a:lstStyle/>
+          <a:p>
+            <a:pPr algn="ctr"/>
+            <a:r>
+              <a:rPr lang="zh-TW" altLang="en-US" dirty="0">
+                <a:latin typeface="Times New Roman" panose="02020603050405020304" pitchFamily="18" charset="0"/>
+                <a:ea typeface="標楷體" panose="03000509000000000000" pitchFamily="65" charset="-120"/>
+              </a:rPr>
+              <a:t>前處理</a:t>
+            </a:r>
+          </a:p>
+        </p:txBody>
+      </p:sp>
+      <p:sp>
+        <p:nvSpPr>
+          <p:cNvPr id="6" name="矩形: 圓角 5">
+            <a:extLst>
+              <a:ext uri="{FF2B5EF4-FFF2-40B4-BE49-F238E27FC236}">
+                <a16:creationId xmlns:a16="http://schemas.microsoft.com/office/drawing/2014/main" id="{9E5F1908-EF37-DCA3-79F5-C4E43BA2232C}"/>
+              </a:ext>
+            </a:extLst>
+          </p:cNvPr>
+          <p:cNvSpPr/>
+          <p:nvPr/>
+        </p:nvSpPr>
+        <p:spPr>
+          <a:xfrm>
+            <a:off x="2669263" y="3085015"/>
+            <a:ext cx="1267485" cy="606582"/>
+          </a:xfrm>
+          <a:prstGeom prst="roundRect">
+            <a:avLst/>
+          </a:prstGeom>
+        </p:spPr>
+        <p:style>
+          <a:lnRef idx="2">
+            <a:schemeClr val="accent5">
+              <a:shade val="15000"/>
+            </a:schemeClr>
+          </a:lnRef>
+          <a:fillRef idx="1">
+            <a:schemeClr val="accent5"/>
+          </a:fillRef>
+          <a:effectRef idx="0">
+            <a:schemeClr val="accent5"/>
+          </a:effectRef>
+          <a:fontRef idx="minor">
+            <a:schemeClr val="lt1"/>
+          </a:fontRef>
+        </p:style>
+        <p:txBody>
+          <a:bodyPr rtlCol="0" anchor="ctr"/>
+          <a:lstStyle/>
+          <a:p>
+            <a:pPr algn="ctr"/>
+            <a:r>
+              <a:rPr lang="zh-TW" altLang="en-US" dirty="0">
+                <a:latin typeface="Times New Roman" panose="02020603050405020304" pitchFamily="18" charset="0"/>
+                <a:ea typeface="標楷體" panose="03000509000000000000" pitchFamily="65" charset="-120"/>
+              </a:rPr>
+              <a:t>灰階</a:t>
+            </a:r>
+          </a:p>
+        </p:txBody>
+      </p:sp>
+      <p:sp>
+        <p:nvSpPr>
+          <p:cNvPr id="7" name="矩形: 圓角 6">
+            <a:extLst>
+              <a:ext uri="{FF2B5EF4-FFF2-40B4-BE49-F238E27FC236}">
+                <a16:creationId xmlns:a16="http://schemas.microsoft.com/office/drawing/2014/main" id="{997AE90C-7431-0091-CF8A-C6539A23591E}"/>
+              </a:ext>
+            </a:extLst>
+          </p:cNvPr>
+          <p:cNvSpPr/>
+          <p:nvPr/>
+        </p:nvSpPr>
+        <p:spPr>
+          <a:xfrm>
+            <a:off x="2669263" y="3933824"/>
+            <a:ext cx="1267485" cy="606582"/>
+          </a:xfrm>
+          <a:prstGeom prst="roundRect">
+            <a:avLst/>
+          </a:prstGeom>
+        </p:spPr>
+        <p:style>
+          <a:lnRef idx="2">
+            <a:schemeClr val="accent5">
+              <a:shade val="15000"/>
+            </a:schemeClr>
+          </a:lnRef>
+          <a:fillRef idx="1">
+            <a:schemeClr val="accent5"/>
+          </a:fillRef>
+          <a:effectRef idx="0">
+            <a:schemeClr val="accent5"/>
+          </a:effectRef>
+          <a:fontRef idx="minor">
+            <a:schemeClr val="lt1"/>
+          </a:fontRef>
+        </p:style>
+        <p:txBody>
+          <a:bodyPr rtlCol="0" anchor="ctr"/>
+          <a:lstStyle/>
+          <a:p>
+            <a:pPr algn="ctr"/>
+            <a:r>
+              <a:rPr lang="en-US" altLang="zh-TW" dirty="0" err="1">
+                <a:latin typeface="Times New Roman" panose="02020603050405020304" pitchFamily="18" charset="0"/>
+                <a:ea typeface="標楷體" panose="03000509000000000000" pitchFamily="65" charset="-120"/>
+              </a:rPr>
+              <a:t>sobel</a:t>
+            </a:r>
+            <a:endParaRPr lang="zh-TW" altLang="en-US" dirty="0">
+              <a:latin typeface="Times New Roman" panose="02020603050405020304" pitchFamily="18" charset="0"/>
+              <a:ea typeface="標楷體" panose="03000509000000000000" pitchFamily="65" charset="-120"/>
+            </a:endParaRPr>
+          </a:p>
+        </p:txBody>
+      </p:sp>
+      <p:sp>
+        <p:nvSpPr>
+          <p:cNvPr id="8" name="矩形: 圓角 7">
+            <a:extLst>
+              <a:ext uri="{FF2B5EF4-FFF2-40B4-BE49-F238E27FC236}">
+                <a16:creationId xmlns:a16="http://schemas.microsoft.com/office/drawing/2014/main" id="{06411D2B-A255-E107-4DF9-4B8CFFD01F69}"/>
+              </a:ext>
+            </a:extLst>
+          </p:cNvPr>
+          <p:cNvSpPr/>
+          <p:nvPr/>
+        </p:nvSpPr>
+        <p:spPr>
+          <a:xfrm>
+            <a:off x="4632357" y="2236206"/>
+            <a:ext cx="1267485" cy="606582"/>
+          </a:xfrm>
+          <a:prstGeom prst="roundRect">
+            <a:avLst/>
+          </a:prstGeom>
+        </p:spPr>
+        <p:style>
+          <a:lnRef idx="2">
+            <a:schemeClr val="accent5">
+              <a:shade val="15000"/>
+            </a:schemeClr>
+          </a:lnRef>
+          <a:fillRef idx="1">
+            <a:schemeClr val="accent5"/>
+          </a:fillRef>
+          <a:effectRef idx="0">
+            <a:schemeClr val="accent5"/>
+          </a:effectRef>
+          <a:fontRef idx="minor">
+            <a:schemeClr val="lt1"/>
+          </a:fontRef>
+        </p:style>
+        <p:txBody>
+          <a:bodyPr rtlCol="0" anchor="ctr"/>
+          <a:lstStyle/>
+          <a:p>
+            <a:pPr algn="ctr"/>
+            <a:r>
+              <a:rPr lang="zh-TW" altLang="en-US" dirty="0">
+                <a:latin typeface="Times New Roman" panose="02020603050405020304" pitchFamily="18" charset="0"/>
+                <a:ea typeface="標楷體" panose="03000509000000000000" pitchFamily="65" charset="-120"/>
+              </a:rPr>
+              <a:t>參數設置</a:t>
+            </a:r>
+          </a:p>
+        </p:txBody>
+      </p:sp>
+      <p:sp>
+        <p:nvSpPr>
+          <p:cNvPr id="9" name="矩形: 圓角 8">
+            <a:extLst>
+              <a:ext uri="{FF2B5EF4-FFF2-40B4-BE49-F238E27FC236}">
+                <a16:creationId xmlns:a16="http://schemas.microsoft.com/office/drawing/2014/main" id="{5A9CFC45-2735-BF06-1164-D2C1E211093F}"/>
+              </a:ext>
+            </a:extLst>
+          </p:cNvPr>
+          <p:cNvSpPr/>
+          <p:nvPr/>
+        </p:nvSpPr>
+        <p:spPr>
+          <a:xfrm>
+            <a:off x="4632357" y="3085015"/>
+            <a:ext cx="1267485" cy="606582"/>
+          </a:xfrm>
+          <a:prstGeom prst="roundRect">
+            <a:avLst/>
+          </a:prstGeom>
+        </p:spPr>
+        <p:style>
+          <a:lnRef idx="2">
+            <a:schemeClr val="accent5">
+              <a:shade val="15000"/>
+            </a:schemeClr>
+          </a:lnRef>
+          <a:fillRef idx="1">
+            <a:schemeClr val="accent5"/>
+          </a:fillRef>
+          <a:effectRef idx="0">
+            <a:schemeClr val="accent5"/>
+          </a:effectRef>
+          <a:fontRef idx="minor">
+            <a:schemeClr val="lt1"/>
+          </a:fontRef>
+        </p:style>
+        <p:txBody>
+          <a:bodyPr rtlCol="0" anchor="ctr"/>
+          <a:lstStyle/>
+          <a:p>
+            <a:pPr algn="ctr"/>
+            <a:r>
+              <a:rPr lang="en-US" altLang="zh-TW" dirty="0">
+                <a:latin typeface="Times New Roman" panose="02020603050405020304" pitchFamily="18" charset="0"/>
+                <a:ea typeface="標楷體" panose="03000509000000000000" pitchFamily="65" charset="-120"/>
+              </a:rPr>
+              <a:t>N</a:t>
+            </a:r>
+            <a:r>
+              <a:rPr lang="zh-TW" altLang="en-US" dirty="0">
+                <a:latin typeface="Times New Roman" panose="02020603050405020304" pitchFamily="18" charset="0"/>
+                <a:ea typeface="標楷體" panose="03000509000000000000" pitchFamily="65" charset="-120"/>
+              </a:rPr>
+              <a:t>、</a:t>
+            </a:r>
+            <a:r>
+              <a:rPr lang="en-US" altLang="zh-TW" dirty="0">
+                <a:latin typeface="Times New Roman" panose="02020603050405020304" pitchFamily="18" charset="0"/>
+                <a:ea typeface="標楷體" panose="03000509000000000000" pitchFamily="65" charset="-120"/>
+              </a:rPr>
+              <a:t>stride</a:t>
+            </a:r>
+            <a:endParaRPr lang="zh-TW" altLang="en-US" dirty="0">
+              <a:latin typeface="Times New Roman" panose="02020603050405020304" pitchFamily="18" charset="0"/>
+              <a:ea typeface="標楷體" panose="03000509000000000000" pitchFamily="65" charset="-120"/>
+            </a:endParaRPr>
+          </a:p>
+        </p:txBody>
+      </p:sp>
+      <p:sp>
+        <p:nvSpPr>
+          <p:cNvPr id="10" name="矩形: 圓角 9">
+            <a:extLst>
+              <a:ext uri="{FF2B5EF4-FFF2-40B4-BE49-F238E27FC236}">
+                <a16:creationId xmlns:a16="http://schemas.microsoft.com/office/drawing/2014/main" id="{4EE0FDAE-0F51-A206-EC64-99A0E909AFCE}"/>
+              </a:ext>
+            </a:extLst>
+          </p:cNvPr>
+          <p:cNvSpPr/>
+          <p:nvPr/>
+        </p:nvSpPr>
+        <p:spPr>
+          <a:xfrm>
+            <a:off x="6595450" y="2236206"/>
+            <a:ext cx="1267485" cy="606582"/>
+          </a:xfrm>
+          <a:prstGeom prst="roundRect">
+            <a:avLst/>
+          </a:prstGeom>
+        </p:spPr>
+        <p:style>
+          <a:lnRef idx="2">
+            <a:schemeClr val="accent5">
+              <a:shade val="15000"/>
+            </a:schemeClr>
+          </a:lnRef>
+          <a:fillRef idx="1">
+            <a:schemeClr val="accent5"/>
+          </a:fillRef>
+          <a:effectRef idx="0">
+            <a:schemeClr val="accent5"/>
+          </a:effectRef>
+          <a:fontRef idx="minor">
+            <a:schemeClr val="lt1"/>
+          </a:fontRef>
+        </p:style>
+        <p:txBody>
+          <a:bodyPr rtlCol="0" anchor="ctr"/>
+          <a:lstStyle/>
+          <a:p>
+            <a:pPr algn="ctr"/>
+            <a:r>
+              <a:rPr lang="en-US" altLang="zh-TW" dirty="0">
+                <a:latin typeface="Times New Roman" panose="02020603050405020304" pitchFamily="18" charset="0"/>
+                <a:ea typeface="標楷體" panose="03000509000000000000" pitchFamily="65" charset="-120"/>
+              </a:rPr>
+              <a:t>LBP</a:t>
+            </a:r>
+            <a:r>
+              <a:rPr lang="zh-TW" altLang="en-US" dirty="0">
+                <a:latin typeface="Times New Roman" panose="02020603050405020304" pitchFamily="18" charset="0"/>
+                <a:ea typeface="標楷體" panose="03000509000000000000" pitchFamily="65" charset="-120"/>
+              </a:rPr>
+              <a:t>紋路統計</a:t>
+            </a:r>
+          </a:p>
+        </p:txBody>
+      </p:sp>
+      <p:sp>
+        <p:nvSpPr>
+          <p:cNvPr id="11" name="矩形: 圓角 10">
+            <a:extLst>
+              <a:ext uri="{FF2B5EF4-FFF2-40B4-BE49-F238E27FC236}">
+                <a16:creationId xmlns:a16="http://schemas.microsoft.com/office/drawing/2014/main" id="{3751D9C6-7918-FBBC-AB3A-374DAA2A5C59}"/>
+              </a:ext>
+            </a:extLst>
+          </p:cNvPr>
+          <p:cNvSpPr/>
+          <p:nvPr/>
+        </p:nvSpPr>
+        <p:spPr>
+          <a:xfrm>
+            <a:off x="6595450" y="3085015"/>
+            <a:ext cx="1267485" cy="606582"/>
+          </a:xfrm>
+          <a:prstGeom prst="roundRect">
+            <a:avLst/>
+          </a:prstGeom>
+        </p:spPr>
+        <p:style>
+          <a:lnRef idx="2">
+            <a:schemeClr val="accent5">
+              <a:shade val="15000"/>
+            </a:schemeClr>
+          </a:lnRef>
+          <a:fillRef idx="1">
+            <a:schemeClr val="accent5"/>
+          </a:fillRef>
+          <a:effectRef idx="0">
+            <a:schemeClr val="accent5"/>
+          </a:effectRef>
+          <a:fontRef idx="minor">
+            <a:schemeClr val="lt1"/>
+          </a:fontRef>
+        </p:style>
+        <p:txBody>
+          <a:bodyPr rtlCol="0" anchor="ctr"/>
+          <a:lstStyle/>
+          <a:p>
+            <a:pPr algn="ctr"/>
+            <a:r>
+              <a:rPr lang="zh-TW" altLang="en-US" dirty="0">
+                <a:latin typeface="Times New Roman" panose="02020603050405020304" pitchFamily="18" charset="0"/>
+                <a:ea typeface="標楷體" panose="03000509000000000000" pitchFamily="65" charset="-120"/>
+              </a:rPr>
+              <a:t>紋路分類</a:t>
+            </a:r>
+          </a:p>
+        </p:txBody>
+      </p:sp>
+      <p:sp>
+        <p:nvSpPr>
+          <p:cNvPr id="12" name="矩形: 圓角 11">
+            <a:extLst>
+              <a:ext uri="{FF2B5EF4-FFF2-40B4-BE49-F238E27FC236}">
+                <a16:creationId xmlns:a16="http://schemas.microsoft.com/office/drawing/2014/main" id="{8409FF2C-A572-60E0-AACF-16D202F4E036}"/>
+              </a:ext>
+            </a:extLst>
+          </p:cNvPr>
+          <p:cNvSpPr/>
+          <p:nvPr/>
+        </p:nvSpPr>
+        <p:spPr>
+          <a:xfrm>
+            <a:off x="6595450" y="3933824"/>
+            <a:ext cx="1267485" cy="606582"/>
+          </a:xfrm>
+          <a:prstGeom prst="roundRect">
+            <a:avLst/>
+          </a:prstGeom>
+        </p:spPr>
+        <p:style>
+          <a:lnRef idx="2">
+            <a:schemeClr val="accent5">
+              <a:shade val="15000"/>
+            </a:schemeClr>
+          </a:lnRef>
+          <a:fillRef idx="1">
+            <a:schemeClr val="accent5"/>
+          </a:fillRef>
+          <a:effectRef idx="0">
+            <a:schemeClr val="accent5"/>
+          </a:effectRef>
+          <a:fontRef idx="minor">
+            <a:schemeClr val="lt1"/>
+          </a:fontRef>
+        </p:style>
+        <p:txBody>
+          <a:bodyPr rtlCol="0" anchor="ctr"/>
+          <a:lstStyle/>
+          <a:p>
+            <a:pPr algn="ctr"/>
+            <a:r>
+              <a:rPr lang="en-US" altLang="zh-TW" dirty="0">
+                <a:latin typeface="Times New Roman" panose="02020603050405020304" pitchFamily="18" charset="0"/>
+                <a:ea typeface="標楷體" panose="03000509000000000000" pitchFamily="65" charset="-120"/>
+              </a:rPr>
+              <a:t>histogram</a:t>
+            </a:r>
+            <a:endParaRPr lang="zh-TW" altLang="en-US" dirty="0">
+              <a:latin typeface="Times New Roman" panose="02020603050405020304" pitchFamily="18" charset="0"/>
+              <a:ea typeface="標楷體" panose="03000509000000000000" pitchFamily="65" charset="-120"/>
+            </a:endParaRPr>
+          </a:p>
+        </p:txBody>
+      </p:sp>
+      <p:sp>
+        <p:nvSpPr>
+          <p:cNvPr id="13" name="矩形: 圓角 12">
+            <a:extLst>
+              <a:ext uri="{FF2B5EF4-FFF2-40B4-BE49-F238E27FC236}">
+                <a16:creationId xmlns:a16="http://schemas.microsoft.com/office/drawing/2014/main" id="{413AAA76-267C-3FDA-AB0F-AA27D4085659}"/>
+              </a:ext>
+            </a:extLst>
+          </p:cNvPr>
+          <p:cNvSpPr/>
+          <p:nvPr/>
+        </p:nvSpPr>
+        <p:spPr>
+          <a:xfrm>
+            <a:off x="8558543" y="2236206"/>
+            <a:ext cx="1267485" cy="606582"/>
+          </a:xfrm>
+          <a:prstGeom prst="roundRect">
+            <a:avLst/>
+          </a:prstGeom>
+        </p:spPr>
+        <p:style>
+          <a:lnRef idx="2">
+            <a:schemeClr val="accent5">
+              <a:shade val="15000"/>
+            </a:schemeClr>
+          </a:lnRef>
+          <a:fillRef idx="1">
+            <a:schemeClr val="accent5"/>
+          </a:fillRef>
+          <a:effectRef idx="0">
+            <a:schemeClr val="accent5"/>
+          </a:effectRef>
+          <a:fontRef idx="minor">
+            <a:schemeClr val="lt1"/>
+          </a:fontRef>
+        </p:style>
+        <p:txBody>
+          <a:bodyPr rtlCol="0" anchor="ctr"/>
+          <a:lstStyle/>
+          <a:p>
+            <a:pPr algn="ctr"/>
+            <a:r>
+              <a:rPr lang="zh-TW" altLang="en-US" dirty="0">
+                <a:latin typeface="Times New Roman" panose="02020603050405020304" pitchFamily="18" charset="0"/>
+                <a:ea typeface="標楷體" panose="03000509000000000000" pitchFamily="65" charset="-120"/>
+              </a:rPr>
+              <a:t>搜尋</a:t>
+            </a:r>
+          </a:p>
+        </p:txBody>
+      </p:sp>
+      <p:sp>
+        <p:nvSpPr>
+          <p:cNvPr id="14" name="矩形: 圓角 13">
+            <a:extLst>
+              <a:ext uri="{FF2B5EF4-FFF2-40B4-BE49-F238E27FC236}">
+                <a16:creationId xmlns:a16="http://schemas.microsoft.com/office/drawing/2014/main" id="{61806370-A04C-6279-E3D0-F1ED5BEED99E}"/>
+              </a:ext>
+            </a:extLst>
+          </p:cNvPr>
+          <p:cNvSpPr/>
+          <p:nvPr/>
+        </p:nvSpPr>
+        <p:spPr>
+          <a:xfrm>
+            <a:off x="8558542" y="3085015"/>
+            <a:ext cx="1267485" cy="606582"/>
+          </a:xfrm>
+          <a:prstGeom prst="roundRect">
+            <a:avLst/>
+          </a:prstGeom>
+        </p:spPr>
+        <p:style>
+          <a:lnRef idx="2">
+            <a:schemeClr val="accent5">
+              <a:shade val="15000"/>
+            </a:schemeClr>
+          </a:lnRef>
+          <a:fillRef idx="1">
+            <a:schemeClr val="accent5"/>
+          </a:fillRef>
+          <a:effectRef idx="0">
+            <a:schemeClr val="accent5"/>
+          </a:effectRef>
+          <a:fontRef idx="minor">
+            <a:schemeClr val="lt1"/>
+          </a:fontRef>
+        </p:style>
+        <p:txBody>
+          <a:bodyPr rtlCol="0" anchor="ctr"/>
+          <a:lstStyle/>
+          <a:p>
+            <a:pPr algn="ctr"/>
+            <a:r>
+              <a:rPr lang="zh-TW" altLang="en-US" dirty="0">
+                <a:latin typeface="Times New Roman" panose="02020603050405020304" pitchFamily="18" charset="0"/>
+                <a:ea typeface="標楷體" panose="03000509000000000000" pitchFamily="65" charset="-120"/>
+              </a:rPr>
+              <a:t>找相似</a:t>
+            </a:r>
+          </a:p>
+        </p:txBody>
+      </p:sp>
+      <p:sp>
+        <p:nvSpPr>
+          <p:cNvPr id="15" name="矩形: 圓角 14">
+            <a:extLst>
+              <a:ext uri="{FF2B5EF4-FFF2-40B4-BE49-F238E27FC236}">
+                <a16:creationId xmlns:a16="http://schemas.microsoft.com/office/drawing/2014/main" id="{8A64C9ED-5F59-2EEC-6796-D6BCD4B49C41}"/>
+              </a:ext>
+            </a:extLst>
+          </p:cNvPr>
+          <p:cNvSpPr/>
+          <p:nvPr/>
+        </p:nvSpPr>
+        <p:spPr>
+          <a:xfrm>
+            <a:off x="10521636" y="2236206"/>
+            <a:ext cx="1267485" cy="606582"/>
+          </a:xfrm>
+          <a:prstGeom prst="roundRect">
+            <a:avLst/>
+          </a:prstGeom>
+        </p:spPr>
+        <p:style>
+          <a:lnRef idx="2">
+            <a:schemeClr val="accent5">
+              <a:shade val="15000"/>
+            </a:schemeClr>
+          </a:lnRef>
+          <a:fillRef idx="1">
+            <a:schemeClr val="accent5"/>
+          </a:fillRef>
+          <a:effectRef idx="0">
+            <a:schemeClr val="accent5"/>
+          </a:effectRef>
+          <a:fontRef idx="minor">
+            <a:schemeClr val="lt1"/>
+          </a:fontRef>
+        </p:style>
+        <p:txBody>
+          <a:bodyPr rtlCol="0" anchor="ctr"/>
+          <a:lstStyle/>
+          <a:p>
+            <a:pPr algn="ctr"/>
+            <a:r>
+              <a:rPr lang="zh-TW" altLang="en-US" dirty="0">
+                <a:latin typeface="Times New Roman" panose="02020603050405020304" pitchFamily="18" charset="0"/>
+                <a:ea typeface="標楷體" panose="03000509000000000000" pitchFamily="65" charset="-120"/>
+              </a:rPr>
+              <a:t>塗色</a:t>
+            </a:r>
+            <a:endParaRPr lang="en-US" altLang="zh-TW" dirty="0">
+              <a:latin typeface="Times New Roman" panose="02020603050405020304" pitchFamily="18" charset="0"/>
+              <a:ea typeface="標楷體" panose="03000509000000000000" pitchFamily="65" charset="-120"/>
+            </a:endParaRPr>
+          </a:p>
+        </p:txBody>
+      </p:sp>
+      <p:sp>
+        <p:nvSpPr>
+          <p:cNvPr id="16" name="箭號: 向右 15">
+            <a:extLst>
+              <a:ext uri="{FF2B5EF4-FFF2-40B4-BE49-F238E27FC236}">
+                <a16:creationId xmlns:a16="http://schemas.microsoft.com/office/drawing/2014/main" id="{108E865F-928D-430E-0B5F-837179D1CF35}"/>
+              </a:ext>
+            </a:extLst>
+          </p:cNvPr>
+          <p:cNvSpPr/>
+          <p:nvPr/>
+        </p:nvSpPr>
+        <p:spPr>
+          <a:xfrm>
+            <a:off x="706170" y="1932915"/>
+            <a:ext cx="11082951" cy="242227"/>
+          </a:xfrm>
+          <a:prstGeom prst="rightArrow">
+            <a:avLst/>
+          </a:prstGeom>
+        </p:spPr>
+        <p:style>
+          <a:lnRef idx="2">
+            <a:schemeClr val="accent1">
+              <a:shade val="15000"/>
+            </a:schemeClr>
+          </a:lnRef>
+          <a:fillRef idx="1">
+            <a:schemeClr val="accent1"/>
+          </a:fillRef>
+          <a:effectRef idx="0">
+            <a:schemeClr val="accent1"/>
+          </a:effectRef>
+          <a:fontRef idx="minor">
+            <a:schemeClr val="lt1"/>
+          </a:fontRef>
+        </p:style>
+        <p:txBody>
+          <a:bodyPr rtlCol="0" anchor="ctr"/>
+          <a:lstStyle/>
+          <a:p>
+            <a:pPr algn="ctr"/>
+            <a:endParaRPr lang="zh-TW" altLang="en-US">
+              <a:latin typeface="Times New Roman" panose="02020603050405020304" pitchFamily="18" charset="0"/>
+              <a:ea typeface="標楷體" panose="03000509000000000000" pitchFamily="65" charset="-120"/>
+            </a:endParaRPr>
+          </a:p>
+        </p:txBody>
+      </p:sp>
+      <p:sp>
+        <p:nvSpPr>
+          <p:cNvPr id="17" name="矩形: 圓角 16">
+            <a:extLst>
+              <a:ext uri="{FF2B5EF4-FFF2-40B4-BE49-F238E27FC236}">
+                <a16:creationId xmlns:a16="http://schemas.microsoft.com/office/drawing/2014/main" id="{20AFF0D9-29E4-318B-EDC2-8EDC4685EA23}"/>
+              </a:ext>
+            </a:extLst>
+          </p:cNvPr>
+          <p:cNvSpPr/>
+          <p:nvPr/>
+        </p:nvSpPr>
+        <p:spPr>
+          <a:xfrm>
+            <a:off x="2578728" y="2154815"/>
+            <a:ext cx="1477224" cy="2466981"/>
+          </a:xfrm>
+          <a:prstGeom prst="roundRect">
+            <a:avLst/>
+          </a:prstGeom>
+          <a:noFill/>
+          <a:ln w="28575"/>
+        </p:spPr>
+        <p:style>
+          <a:lnRef idx="2">
+            <a:schemeClr val="accent1">
+              <a:shade val="15000"/>
+            </a:schemeClr>
+          </a:lnRef>
+          <a:fillRef idx="1">
+            <a:schemeClr val="accent1"/>
+          </a:fillRef>
+          <a:effectRef idx="0">
+            <a:schemeClr val="accent1"/>
+          </a:effectRef>
+          <a:fontRef idx="minor">
+            <a:schemeClr val="lt1"/>
+          </a:fontRef>
+        </p:style>
+        <p:txBody>
+          <a:bodyPr rtlCol="0" anchor="ctr"/>
+          <a:lstStyle/>
+          <a:p>
+            <a:pPr algn="ctr"/>
+            <a:endParaRPr lang="zh-TW" altLang="en-US">
+              <a:latin typeface="Times New Roman" panose="02020603050405020304" pitchFamily="18" charset="0"/>
+              <a:ea typeface="標楷體" panose="03000509000000000000" pitchFamily="65" charset="-120"/>
+            </a:endParaRPr>
+          </a:p>
+        </p:txBody>
+      </p:sp>
+      <p:sp>
+        <p:nvSpPr>
+          <p:cNvPr id="18" name="矩形: 圓角 17">
+            <a:extLst>
+              <a:ext uri="{FF2B5EF4-FFF2-40B4-BE49-F238E27FC236}">
+                <a16:creationId xmlns:a16="http://schemas.microsoft.com/office/drawing/2014/main" id="{2938F868-F04E-4DB3-C370-802C76103882}"/>
+              </a:ext>
+            </a:extLst>
+          </p:cNvPr>
+          <p:cNvSpPr/>
+          <p:nvPr/>
+        </p:nvSpPr>
+        <p:spPr>
+          <a:xfrm>
+            <a:off x="6476246" y="2175142"/>
+            <a:ext cx="1477224" cy="2466981"/>
+          </a:xfrm>
+          <a:prstGeom prst="roundRect">
+            <a:avLst/>
+          </a:prstGeom>
+          <a:noFill/>
+          <a:ln w="28575"/>
+        </p:spPr>
+        <p:style>
+          <a:lnRef idx="2">
+            <a:schemeClr val="accent1">
+              <a:shade val="15000"/>
+            </a:schemeClr>
+          </a:lnRef>
+          <a:fillRef idx="1">
+            <a:schemeClr val="accent1"/>
+          </a:fillRef>
+          <a:effectRef idx="0">
+            <a:schemeClr val="accent1"/>
+          </a:effectRef>
+          <a:fontRef idx="minor">
+            <a:schemeClr val="lt1"/>
+          </a:fontRef>
+        </p:style>
+        <p:txBody>
+          <a:bodyPr rtlCol="0" anchor="ctr"/>
+          <a:lstStyle/>
+          <a:p>
+            <a:pPr algn="ctr"/>
+            <a:endParaRPr lang="zh-TW" altLang="en-US">
+              <a:latin typeface="Times New Roman" panose="02020603050405020304" pitchFamily="18" charset="0"/>
+              <a:ea typeface="標楷體" panose="03000509000000000000" pitchFamily="65" charset="-120"/>
+            </a:endParaRPr>
+          </a:p>
+        </p:txBody>
+      </p:sp>
+      <p:sp>
+        <p:nvSpPr>
+          <p:cNvPr id="19" name="矩形: 圓角 18">
+            <a:extLst>
+              <a:ext uri="{FF2B5EF4-FFF2-40B4-BE49-F238E27FC236}">
+                <a16:creationId xmlns:a16="http://schemas.microsoft.com/office/drawing/2014/main" id="{DFD07C75-B29A-258E-0778-CB04418AF6DA}"/>
+              </a:ext>
+            </a:extLst>
+          </p:cNvPr>
+          <p:cNvSpPr/>
+          <p:nvPr/>
+        </p:nvSpPr>
+        <p:spPr>
+          <a:xfrm>
+            <a:off x="4541820" y="2175142"/>
+            <a:ext cx="1477224" cy="1609207"/>
+          </a:xfrm>
+          <a:prstGeom prst="roundRect">
+            <a:avLst/>
+          </a:prstGeom>
+          <a:noFill/>
+          <a:ln w="28575"/>
+        </p:spPr>
+        <p:style>
+          <a:lnRef idx="2">
+            <a:schemeClr val="accent1">
+              <a:shade val="15000"/>
+            </a:schemeClr>
+          </a:lnRef>
+          <a:fillRef idx="1">
+            <a:schemeClr val="accent1"/>
+          </a:fillRef>
+          <a:effectRef idx="0">
+            <a:schemeClr val="accent1"/>
+          </a:effectRef>
+          <a:fontRef idx="minor">
+            <a:schemeClr val="lt1"/>
+          </a:fontRef>
+        </p:style>
+        <p:txBody>
+          <a:bodyPr rtlCol="0" anchor="ctr"/>
+          <a:lstStyle/>
+          <a:p>
+            <a:pPr algn="ctr"/>
+            <a:endParaRPr lang="zh-TW" altLang="en-US">
+              <a:latin typeface="Times New Roman" panose="02020603050405020304" pitchFamily="18" charset="0"/>
+              <a:ea typeface="標楷體" panose="03000509000000000000" pitchFamily="65" charset="-120"/>
+            </a:endParaRPr>
+          </a:p>
+        </p:txBody>
+      </p:sp>
+      <p:sp>
+        <p:nvSpPr>
+          <p:cNvPr id="20" name="矩形: 圓角 19">
+            <a:extLst>
+              <a:ext uri="{FF2B5EF4-FFF2-40B4-BE49-F238E27FC236}">
+                <a16:creationId xmlns:a16="http://schemas.microsoft.com/office/drawing/2014/main" id="{1BC9DB19-64DF-D498-CDEA-865435CE3E34}"/>
+              </a:ext>
+            </a:extLst>
+          </p:cNvPr>
+          <p:cNvSpPr/>
+          <p:nvPr/>
+        </p:nvSpPr>
+        <p:spPr>
+          <a:xfrm>
+            <a:off x="8453672" y="2175141"/>
+            <a:ext cx="1477224" cy="1609207"/>
+          </a:xfrm>
+          <a:prstGeom prst="roundRect">
+            <a:avLst/>
+          </a:prstGeom>
+          <a:noFill/>
+          <a:ln w="28575"/>
+        </p:spPr>
+        <p:style>
+          <a:lnRef idx="2">
+            <a:schemeClr val="accent1">
+              <a:shade val="15000"/>
+            </a:schemeClr>
+          </a:lnRef>
+          <a:fillRef idx="1">
+            <a:schemeClr val="accent1"/>
+          </a:fillRef>
+          <a:effectRef idx="0">
+            <a:schemeClr val="accent1"/>
+          </a:effectRef>
+          <a:fontRef idx="minor">
+            <a:schemeClr val="lt1"/>
+          </a:fontRef>
+        </p:style>
+        <p:txBody>
+          <a:bodyPr rtlCol="0" anchor="ctr"/>
+          <a:lstStyle/>
+          <a:p>
+            <a:pPr algn="ctr"/>
+            <a:endParaRPr lang="zh-TW" altLang="en-US">
+              <a:latin typeface="Times New Roman" panose="02020603050405020304" pitchFamily="18" charset="0"/>
+              <a:ea typeface="標楷體" panose="03000509000000000000" pitchFamily="65" charset="-120"/>
+            </a:endParaRPr>
+          </a:p>
+        </p:txBody>
+      </p:sp>
+    </p:spTree>
+    <p:extLst>
+      <p:ext uri="{BB962C8B-B14F-4D97-AF65-F5344CB8AC3E}">
+        <p14:creationId xmlns:p14="http://schemas.microsoft.com/office/powerpoint/2010/main" val="44620632"/>
+      </p:ext>
+    </p:extLst>
+  </p:cSld>
+  <p:clrMapOvr>
+    <a:masterClrMapping/>
+  </p:clrMapOvr>
+</p:sld>
+</file>
+
+<file path=ppt/slides/slide4.xml><?xml version="1.0" encoding="utf-8"?>
+<p:sld xmlns:a="http://schemas.openxmlformats.org/drawingml/2006/main" xmlns:r="http://schemas.openxmlformats.org/officeDocument/2006/relationships" xmlns:p="http://schemas.openxmlformats.org/presentationml/2006/main">
+  <p:cSld>
+    <p:spTree>
+      <p:nvGrpSpPr>
+        <p:cNvPr id="1" name="">
+          <a:extLst>
+            <a:ext uri="{FF2B5EF4-FFF2-40B4-BE49-F238E27FC236}">
+              <a16:creationId xmlns:a16="http://schemas.microsoft.com/office/drawing/2014/main" id="{83F52020-36C5-5DA3-470D-70921ABD9E91}"/>
+            </a:ext>
+          </a:extLst>
+        </p:cNvPr>
+        <p:cNvGrpSpPr/>
+        <p:nvPr/>
+      </p:nvGrpSpPr>
+      <p:grpSpPr>
+        <a:xfrm>
+          <a:off x="0" y="0"/>
+          <a:ext cx="0" cy="0"/>
+          <a:chOff x="0" y="0"/>
+          <a:chExt cx="0" cy="0"/>
+        </a:xfrm>
+      </p:grpSpPr>
+      <p:graphicFrame>
+        <p:nvGraphicFramePr>
+          <p:cNvPr id="4" name="表格 3">
+            <a:extLst>
+              <a:ext uri="{FF2B5EF4-FFF2-40B4-BE49-F238E27FC236}">
+                <a16:creationId xmlns:a16="http://schemas.microsoft.com/office/drawing/2014/main" id="{347B603D-1C41-DC41-48C1-52AACB93EA97}"/>
+              </a:ext>
+            </a:extLst>
+          </p:cNvPr>
+          <p:cNvGraphicFramePr>
+            <a:graphicFrameLocks noGrp="1"/>
+          </p:cNvGraphicFramePr>
+          <p:nvPr>
+            <p:extLst>
+              <p:ext uri="{D42A27DB-BD31-4B8C-83A1-F6EECF244321}">
+                <p14:modId xmlns:p14="http://schemas.microsoft.com/office/powerpoint/2010/main" val="283443463"/>
+              </p:ext>
+            </p:extLst>
+          </p:nvPr>
+        </p:nvGraphicFramePr>
+        <p:xfrm>
+          <a:off x="1152808" y="1855959"/>
+          <a:ext cx="9886384" cy="4046899"/>
+        </p:xfrm>
+        <a:graphic>
+          <a:graphicData uri="http://schemas.openxmlformats.org/drawingml/2006/table">
+            <a:tbl>
+              <a:tblPr firstRow="1" bandRow="1">
+                <a:tableStyleId>{5C22544A-7EE6-4342-B048-85BDC9FD1C3A}</a:tableStyleId>
+              </a:tblPr>
+              <a:tblGrid>
+                <a:gridCol w="4943192">
+                  <a:extLst>
+                    <a:ext uri="{9D8B030D-6E8A-4147-A177-3AD203B41FA5}">
+                      <a16:colId xmlns:a16="http://schemas.microsoft.com/office/drawing/2014/main" val="2100658492"/>
+                    </a:ext>
+                  </a:extLst>
+                </a:gridCol>
+                <a:gridCol w="4943192">
+                  <a:extLst>
+                    <a:ext uri="{9D8B030D-6E8A-4147-A177-3AD203B41FA5}">
+                      <a16:colId xmlns:a16="http://schemas.microsoft.com/office/drawing/2014/main" val="571343273"/>
+                    </a:ext>
+                  </a:extLst>
+                </a:gridCol>
+              </a:tblGrid>
+              <a:tr h="1046050">
+                <a:tc>
+                  <a:txBody>
+                    <a:bodyPr/>
+                    <a:lstStyle/>
+                    <a:p>
+                      <a:pPr marL="0" marR="0" lvl="0" indent="0" algn="l" defTabSz="914400" rtl="0" eaLnBrk="1" fontAlgn="auto" latinLnBrk="0" hangingPunct="1">
+                        <a:lnSpc>
+                          <a:spcPct val="100000"/>
+                        </a:lnSpc>
+                        <a:spcBef>
+                          <a:spcPts val="0"/>
+                        </a:spcBef>
+                        <a:spcAft>
+                          <a:spcPts val="0"/>
+                        </a:spcAft>
+                        <a:buClrTx/>
+                        <a:buSzTx/>
+                        <a:buFontTx/>
+                        <a:buNone/>
+                        <a:tabLst/>
+                        <a:defRPr/>
+                      </a:pPr>
+                      <a:r>
+                        <a:rPr lang="en-US" altLang="zh-TW" sz="1800" b="0" kern="1200" dirty="0" err="1">
+                          <a:solidFill>
+                            <a:schemeClr val="lt1"/>
+                          </a:solidFill>
+                          <a:effectLst/>
+                          <a:latin typeface="+mn-lt"/>
+                          <a:ea typeface="+mn-ea"/>
+                          <a:cs typeface="+mn-cs"/>
+                        </a:rPr>
+                        <a:t>load_config</a:t>
+                      </a:r>
+                      <a:r>
+                        <a:rPr lang="en-US" altLang="zh-TW" sz="1800" b="0" kern="1200" dirty="0">
+                          <a:solidFill>
+                            <a:schemeClr val="lt1"/>
+                          </a:solidFill>
+                          <a:effectLst/>
+                          <a:latin typeface="+mn-lt"/>
+                          <a:ea typeface="+mn-ea"/>
+                          <a:cs typeface="+mn-cs"/>
+                        </a:rPr>
+                        <a:t>(</a:t>
+                      </a:r>
+                      <a:r>
+                        <a:rPr lang="en-US" altLang="zh-TW" sz="1800" b="0" kern="1200" dirty="0" err="1">
+                          <a:solidFill>
+                            <a:schemeClr val="lt1"/>
+                          </a:solidFill>
+                          <a:effectLst/>
+                          <a:latin typeface="+mn-lt"/>
+                          <a:ea typeface="+mn-ea"/>
+                          <a:cs typeface="+mn-cs"/>
+                        </a:rPr>
+                        <a:t>config_path</a:t>
+                      </a:r>
+                      <a:r>
+                        <a:rPr lang="en-US" altLang="zh-TW" sz="1800" b="0" kern="1200" dirty="0">
+                          <a:solidFill>
+                            <a:schemeClr val="lt1"/>
+                          </a:solidFill>
+                          <a:effectLst/>
+                          <a:latin typeface="+mn-lt"/>
+                          <a:ea typeface="+mn-ea"/>
+                          <a:cs typeface="+mn-cs"/>
+                        </a:rPr>
+                        <a:t>)</a:t>
+                      </a:r>
+                    </a:p>
+                    <a:p>
+                      <a:endParaRPr lang="en-US" altLang="zh-TW" sz="1800" b="0" kern="1200" dirty="0">
+                        <a:solidFill>
+                          <a:schemeClr val="lt1"/>
+                        </a:solidFill>
+                        <a:effectLst/>
+                        <a:latin typeface="標楷體" panose="03000509000000000000" pitchFamily="65" charset="-120"/>
+                        <a:ea typeface="標楷體" panose="03000509000000000000" pitchFamily="65" charset="-120"/>
+                        <a:cs typeface="+mn-cs"/>
+                      </a:endParaRPr>
+                    </a:p>
+                  </a:txBody>
+                  <a:tcPr/>
+                </a:tc>
+                <a:tc>
+                  <a:txBody>
+                    <a:bodyPr/>
+                    <a:lstStyle/>
+                    <a:p>
+                      <a:r>
+                        <a:rPr lang="zh-TW" altLang="en-US" dirty="0">
+                          <a:latin typeface="標楷體" panose="03000509000000000000" pitchFamily="65" charset="-120"/>
+                          <a:ea typeface="標楷體" panose="03000509000000000000" pitchFamily="65" charset="-120"/>
+                        </a:rPr>
+                        <a:t>功能：載入參數</a:t>
+                      </a:r>
+                    </a:p>
+                  </a:txBody>
+                  <a:tcPr/>
+                </a:tc>
+                <a:extLst>
+                  <a:ext uri="{0D108BD9-81ED-4DB2-BD59-A6C34878D82A}">
+                    <a16:rowId xmlns:a16="http://schemas.microsoft.com/office/drawing/2014/main" val="1988417968"/>
+                  </a:ext>
+                </a:extLst>
+              </a:tr>
+              <a:tr h="3000849">
+                <a:tc>
+                  <a:txBody>
+                    <a:bodyPr/>
+                    <a:lstStyle/>
+                    <a:p>
+                      <a:r>
+                        <a:rPr lang="zh-TW" altLang="en-US" dirty="0">
+                          <a:latin typeface="標楷體" panose="03000509000000000000" pitchFamily="65" charset="-120"/>
+                          <a:ea typeface="標楷體" panose="03000509000000000000" pitchFamily="65" charset="-120"/>
+                        </a:rPr>
+                        <a:t>輸入：檔案路徑</a:t>
+                      </a:r>
+                    </a:p>
+                  </a:txBody>
+                  <a:tcPr/>
+                </a:tc>
+                <a:tc>
+                  <a:txBody>
+                    <a:bodyPr/>
+                    <a:lstStyle/>
+                    <a:p>
+                      <a:r>
+                        <a:rPr lang="zh-TW" altLang="en-US" dirty="0">
+                          <a:latin typeface="標楷體" panose="03000509000000000000" pitchFamily="65" charset="-120"/>
+                          <a:ea typeface="標楷體" panose="03000509000000000000" pitchFamily="65" charset="-120"/>
+                        </a:rPr>
+                        <a:t>輸出：參數</a:t>
+                      </a:r>
+                    </a:p>
+                  </a:txBody>
+                  <a:tcPr/>
+                </a:tc>
+                <a:extLst>
+                  <a:ext uri="{0D108BD9-81ED-4DB2-BD59-A6C34878D82A}">
+                    <a16:rowId xmlns:a16="http://schemas.microsoft.com/office/drawing/2014/main" val="2492615710"/>
+                  </a:ext>
+                </a:extLst>
+              </a:tr>
+            </a:tbl>
+          </a:graphicData>
+        </a:graphic>
+      </p:graphicFrame>
+      <p:sp>
+        <p:nvSpPr>
+          <p:cNvPr id="5" name="文字方塊 4">
+            <a:extLst>
+              <a:ext uri="{FF2B5EF4-FFF2-40B4-BE49-F238E27FC236}">
+                <a16:creationId xmlns:a16="http://schemas.microsoft.com/office/drawing/2014/main" id="{71322499-8BD1-2C7A-5BB7-73052AABEBA1}"/>
+              </a:ext>
+            </a:extLst>
+          </p:cNvPr>
+          <p:cNvSpPr txBox="1"/>
+          <p:nvPr/>
+        </p:nvSpPr>
+        <p:spPr>
+          <a:xfrm>
+            <a:off x="1913299" y="244444"/>
+            <a:ext cx="8365402" cy="707886"/>
+          </a:xfrm>
+          <a:prstGeom prst="rect">
+            <a:avLst/>
+          </a:prstGeom>
+          <a:noFill/>
+        </p:spPr>
+        <p:txBody>
+          <a:bodyPr wrap="square" rtlCol="0">
+            <a:spAutoFit/>
+          </a:bodyPr>
+          <a:lstStyle/>
+          <a:p>
+            <a:pPr algn="ctr"/>
+            <a:r>
+              <a:rPr lang="en-US" altLang="zh-TW" sz="4000" dirty="0">
+                <a:latin typeface="Times New Roman" panose="02020603050405020304" pitchFamily="18" charset="0"/>
+              </a:rPr>
+              <a:t>API</a:t>
+            </a:r>
+            <a:endParaRPr lang="zh-TW" altLang="en-US" sz="4000" dirty="0">
+              <a:latin typeface="Times New Roman" panose="02020603050405020304" pitchFamily="18" charset="0"/>
+            </a:endParaRPr>
+          </a:p>
+        </p:txBody>
+      </p:sp>
+    </p:spTree>
+    <p:extLst>
+      <p:ext uri="{BB962C8B-B14F-4D97-AF65-F5344CB8AC3E}">
+        <p14:creationId xmlns:p14="http://schemas.microsoft.com/office/powerpoint/2010/main" val="4137893681"/>
+      </p:ext>
+    </p:extLst>
+  </p:cSld>
+  <p:clrMapOvr>
+    <a:masterClrMapping/>
+  </p:clrMapOvr>
+</p:sld>
+</file>
+
+<file path=ppt/slides/slide5.xml><?xml version="1.0" encoding="utf-8"?>
+<p:sld xmlns:a="http://schemas.openxmlformats.org/drawingml/2006/main" xmlns:r="http://schemas.openxmlformats.org/officeDocument/2006/relationships" xmlns:p="http://schemas.openxmlformats.org/presentationml/2006/main">
+  <p:cSld>
+    <p:spTree>
+      <p:nvGrpSpPr>
+        <p:cNvPr id="1" name="">
+          <a:extLst>
+            <a:ext uri="{FF2B5EF4-FFF2-40B4-BE49-F238E27FC236}">
+              <a16:creationId xmlns:a16="http://schemas.microsoft.com/office/drawing/2014/main" id="{6C46EA19-D9FB-6A2D-9BBF-F65B12D63E19}"/>
+            </a:ext>
+          </a:extLst>
+        </p:cNvPr>
+        <p:cNvGrpSpPr/>
+        <p:nvPr/>
+      </p:nvGrpSpPr>
+      <p:grpSpPr>
+        <a:xfrm>
+          <a:off x="0" y="0"/>
+          <a:ext cx="0" cy="0"/>
+          <a:chOff x="0" y="0"/>
+          <a:chExt cx="0" cy="0"/>
+        </a:xfrm>
+      </p:grpSpPr>
+      <p:graphicFrame>
+        <p:nvGraphicFramePr>
+          <p:cNvPr id="4" name="表格 3">
+            <a:extLst>
+              <a:ext uri="{FF2B5EF4-FFF2-40B4-BE49-F238E27FC236}">
+                <a16:creationId xmlns:a16="http://schemas.microsoft.com/office/drawing/2014/main" id="{575FDD9C-75FD-3794-3D34-CE23DC6B7562}"/>
+              </a:ext>
+            </a:extLst>
+          </p:cNvPr>
+          <p:cNvGraphicFramePr>
+            <a:graphicFrameLocks noGrp="1"/>
+          </p:cNvGraphicFramePr>
+          <p:nvPr>
+            <p:extLst>
+              <p:ext uri="{D42A27DB-BD31-4B8C-83A1-F6EECF244321}">
+                <p14:modId xmlns:p14="http://schemas.microsoft.com/office/powerpoint/2010/main" val="1348632691"/>
+              </p:ext>
+            </p:extLst>
+          </p:nvPr>
+        </p:nvGraphicFramePr>
+        <p:xfrm>
+          <a:off x="1152808" y="1855959"/>
+          <a:ext cx="9886384" cy="4046899"/>
+        </p:xfrm>
+        <a:graphic>
+          <a:graphicData uri="http://schemas.openxmlformats.org/drawingml/2006/table">
+            <a:tbl>
+              <a:tblPr firstRow="1" bandRow="1">
+                <a:tableStyleId>{5C22544A-7EE6-4342-B048-85BDC9FD1C3A}</a:tableStyleId>
+              </a:tblPr>
+              <a:tblGrid>
+                <a:gridCol w="4943192">
+                  <a:extLst>
+                    <a:ext uri="{9D8B030D-6E8A-4147-A177-3AD203B41FA5}">
+                      <a16:colId xmlns:a16="http://schemas.microsoft.com/office/drawing/2014/main" val="2100658492"/>
+                    </a:ext>
+                  </a:extLst>
+                </a:gridCol>
+                <a:gridCol w="4943192">
+                  <a:extLst>
+                    <a:ext uri="{9D8B030D-6E8A-4147-A177-3AD203B41FA5}">
+                      <a16:colId xmlns:a16="http://schemas.microsoft.com/office/drawing/2014/main" val="571343273"/>
+                    </a:ext>
+                  </a:extLst>
+                </a:gridCol>
+              </a:tblGrid>
+              <a:tr h="1046050">
+                <a:tc>
+                  <a:txBody>
+                    <a:bodyPr/>
+                    <a:lstStyle/>
+                    <a:p>
+                      <a:pPr marL="0" marR="0" lvl="0" indent="0" algn="l" defTabSz="914400" rtl="0" eaLnBrk="1" fontAlgn="auto" latinLnBrk="0" hangingPunct="1">
+                        <a:lnSpc>
+                          <a:spcPct val="100000"/>
+                        </a:lnSpc>
+                        <a:spcBef>
+                          <a:spcPts val="0"/>
+                        </a:spcBef>
+                        <a:spcAft>
+                          <a:spcPts val="0"/>
+                        </a:spcAft>
+                        <a:buClrTx/>
+                        <a:buSzTx/>
+                        <a:buFontTx/>
+                        <a:buNone/>
+                        <a:tabLst/>
+                        <a:defRPr/>
+                      </a:pPr>
+                      <a:r>
+                        <a:rPr lang="en-US" altLang="zh-TW" sz="1800" b="0" kern="1200" dirty="0" err="1">
+                          <a:solidFill>
+                            <a:schemeClr val="lt1"/>
+                          </a:solidFill>
+                          <a:effectLst/>
+                          <a:latin typeface="+mn-lt"/>
+                          <a:ea typeface="+mn-ea"/>
+                          <a:cs typeface="+mn-cs"/>
+                        </a:rPr>
+                        <a:t>load_image</a:t>
+                      </a:r>
+                      <a:r>
+                        <a:rPr lang="en-US" altLang="zh-TW" sz="1800" b="0" kern="1200" dirty="0">
+                          <a:solidFill>
+                            <a:schemeClr val="lt1"/>
+                          </a:solidFill>
+                          <a:effectLst/>
+                          <a:latin typeface="+mn-lt"/>
+                          <a:ea typeface="+mn-ea"/>
+                          <a:cs typeface="+mn-cs"/>
+                        </a:rPr>
+                        <a:t>(</a:t>
+                      </a:r>
+                      <a:r>
+                        <a:rPr lang="en-US" altLang="zh-TW" sz="1800" b="0" kern="1200" dirty="0" err="1">
+                          <a:solidFill>
+                            <a:schemeClr val="lt1"/>
+                          </a:solidFill>
+                          <a:effectLst/>
+                          <a:latin typeface="+mn-lt"/>
+                          <a:ea typeface="+mn-ea"/>
+                          <a:cs typeface="+mn-cs"/>
+                        </a:rPr>
+                        <a:t>filepath</a:t>
+                      </a:r>
+                      <a:r>
+                        <a:rPr lang="en-US" altLang="zh-TW" sz="1800" b="0" kern="1200" dirty="0">
+                          <a:solidFill>
+                            <a:schemeClr val="lt1"/>
+                          </a:solidFill>
+                          <a:effectLst/>
+                          <a:latin typeface="+mn-lt"/>
+                          <a:ea typeface="+mn-ea"/>
+                          <a:cs typeface="+mn-cs"/>
+                        </a:rPr>
+                        <a:t>)</a:t>
+                      </a:r>
+                    </a:p>
+                    <a:p>
+                      <a:endParaRPr lang="en-US" altLang="zh-TW" sz="1800" b="0" kern="1200" dirty="0">
+                        <a:solidFill>
+                          <a:schemeClr val="lt1"/>
+                        </a:solidFill>
+                        <a:effectLst/>
+                        <a:latin typeface="標楷體" panose="03000509000000000000" pitchFamily="65" charset="-120"/>
+                        <a:ea typeface="標楷體" panose="03000509000000000000" pitchFamily="65" charset="-120"/>
+                        <a:cs typeface="+mn-cs"/>
+                      </a:endParaRPr>
+                    </a:p>
+                  </a:txBody>
+                  <a:tcPr/>
+                </a:tc>
+                <a:tc>
+                  <a:txBody>
+                    <a:bodyPr/>
+                    <a:lstStyle/>
+                    <a:p>
+                      <a:r>
+                        <a:rPr lang="zh-TW" altLang="en-US" dirty="0">
+                          <a:latin typeface="標楷體" panose="03000509000000000000" pitchFamily="65" charset="-120"/>
+                          <a:ea typeface="標楷體" panose="03000509000000000000" pitchFamily="65" charset="-120"/>
+                        </a:rPr>
+                        <a:t>功能：載入圖片，並轉成灰階</a:t>
+                      </a:r>
+                    </a:p>
+                  </a:txBody>
+                  <a:tcPr/>
+                </a:tc>
+                <a:extLst>
+                  <a:ext uri="{0D108BD9-81ED-4DB2-BD59-A6C34878D82A}">
+                    <a16:rowId xmlns:a16="http://schemas.microsoft.com/office/drawing/2014/main" val="1988417968"/>
+                  </a:ext>
+                </a:extLst>
+              </a:tr>
+              <a:tr h="3000849">
+                <a:tc>
+                  <a:txBody>
+                    <a:bodyPr/>
+                    <a:lstStyle/>
+                    <a:p>
+                      <a:r>
+                        <a:rPr lang="zh-TW" altLang="en-US" dirty="0">
+                          <a:latin typeface="標楷體" panose="03000509000000000000" pitchFamily="65" charset="-120"/>
+                          <a:ea typeface="標楷體" panose="03000509000000000000" pitchFamily="65" charset="-120"/>
+                        </a:rPr>
+                        <a:t>輸入：圖片路徑</a:t>
+                      </a:r>
+                    </a:p>
+                  </a:txBody>
+                  <a:tcPr/>
+                </a:tc>
+                <a:tc>
+                  <a:txBody>
+                    <a:bodyPr/>
+                    <a:lstStyle/>
+                    <a:p>
+                      <a:r>
+                        <a:rPr lang="zh-TW" altLang="en-US" dirty="0">
+                          <a:latin typeface="標楷體" panose="03000509000000000000" pitchFamily="65" charset="-120"/>
+                          <a:ea typeface="標楷體" panose="03000509000000000000" pitchFamily="65" charset="-120"/>
+                        </a:rPr>
+                        <a:t>輸出：灰階圖片</a:t>
+                      </a:r>
+                    </a:p>
+                  </a:txBody>
+                  <a:tcPr/>
+                </a:tc>
+                <a:extLst>
+                  <a:ext uri="{0D108BD9-81ED-4DB2-BD59-A6C34878D82A}">
+                    <a16:rowId xmlns:a16="http://schemas.microsoft.com/office/drawing/2014/main" val="2492615710"/>
+                  </a:ext>
+                </a:extLst>
+              </a:tr>
+            </a:tbl>
+          </a:graphicData>
+        </a:graphic>
+      </p:graphicFrame>
+      <p:sp>
+        <p:nvSpPr>
+          <p:cNvPr id="5" name="文字方塊 4">
+            <a:extLst>
+              <a:ext uri="{FF2B5EF4-FFF2-40B4-BE49-F238E27FC236}">
+                <a16:creationId xmlns:a16="http://schemas.microsoft.com/office/drawing/2014/main" id="{8D6DE3B6-E6EF-AFE7-B15D-9696DEB75E58}"/>
+              </a:ext>
+            </a:extLst>
+          </p:cNvPr>
+          <p:cNvSpPr txBox="1"/>
+          <p:nvPr/>
+        </p:nvSpPr>
+        <p:spPr>
+          <a:xfrm>
+            <a:off x="1913299" y="244444"/>
+            <a:ext cx="8365402" cy="707886"/>
+          </a:xfrm>
+          <a:prstGeom prst="rect">
+            <a:avLst/>
+          </a:prstGeom>
+          <a:noFill/>
+        </p:spPr>
+        <p:txBody>
+          <a:bodyPr wrap="square" rtlCol="0">
+            <a:spAutoFit/>
+          </a:bodyPr>
+          <a:lstStyle/>
+          <a:p>
+            <a:pPr algn="ctr"/>
+            <a:r>
+              <a:rPr lang="en-US" altLang="zh-TW" sz="4000" dirty="0">
+                <a:latin typeface="Times New Roman" panose="02020603050405020304" pitchFamily="18" charset="0"/>
+              </a:rPr>
+              <a:t>API</a:t>
+            </a:r>
+            <a:endParaRPr lang="zh-TW" altLang="en-US" sz="4000" dirty="0">
+              <a:latin typeface="Times New Roman" panose="02020603050405020304" pitchFamily="18" charset="0"/>
+            </a:endParaRPr>
+          </a:p>
+        </p:txBody>
+      </p:sp>
+    </p:spTree>
+    <p:extLst>
+      <p:ext uri="{BB962C8B-B14F-4D97-AF65-F5344CB8AC3E}">
+        <p14:creationId xmlns:p14="http://schemas.microsoft.com/office/powerpoint/2010/main" val="2428247180"/>
+      </p:ext>
+    </p:extLst>
+  </p:cSld>
+  <p:clrMapOvr>
+    <a:masterClrMapping/>
+  </p:clrMapOvr>
+</p:sld>
+</file>
+
+<file path=ppt/slides/slide6.xml><?xml version="1.0" encoding="utf-8"?>
+<p:sld xmlns:a="http://schemas.openxmlformats.org/drawingml/2006/main" xmlns:r="http://schemas.openxmlformats.org/officeDocument/2006/relationships" xmlns:p="http://schemas.openxmlformats.org/presentationml/2006/main">
+  <p:cSld>
+    <p:spTree>
+      <p:nvGrpSpPr>
+        <p:cNvPr id="1" name="">
+          <a:extLst>
+            <a:ext uri="{FF2B5EF4-FFF2-40B4-BE49-F238E27FC236}">
+              <a16:creationId xmlns:a16="http://schemas.microsoft.com/office/drawing/2014/main" id="{E3783801-5915-C95C-3144-9166738A7BBC}"/>
+            </a:ext>
+          </a:extLst>
+        </p:cNvPr>
+        <p:cNvGrpSpPr/>
+        <p:nvPr/>
+      </p:nvGrpSpPr>
+      <p:grpSpPr>
+        <a:xfrm>
+          <a:off x="0" y="0"/>
+          <a:ext cx="0" cy="0"/>
+          <a:chOff x="0" y="0"/>
+          <a:chExt cx="0" cy="0"/>
+        </a:xfrm>
+      </p:grpSpPr>
+      <p:graphicFrame>
+        <p:nvGraphicFramePr>
+          <p:cNvPr id="4" name="表格 3">
+            <a:extLst>
+              <a:ext uri="{FF2B5EF4-FFF2-40B4-BE49-F238E27FC236}">
+                <a16:creationId xmlns:a16="http://schemas.microsoft.com/office/drawing/2014/main" id="{D3A524C4-EEF8-E3B4-9D73-6C7F4F5A762B}"/>
+              </a:ext>
+            </a:extLst>
+          </p:cNvPr>
+          <p:cNvGraphicFramePr>
+            <a:graphicFrameLocks noGrp="1"/>
+          </p:cNvGraphicFramePr>
+          <p:nvPr>
+            <p:extLst>
+              <p:ext uri="{D42A27DB-BD31-4B8C-83A1-F6EECF244321}">
+                <p14:modId xmlns:p14="http://schemas.microsoft.com/office/powerpoint/2010/main" val="2714487637"/>
+              </p:ext>
+            </p:extLst>
+          </p:nvPr>
+        </p:nvGraphicFramePr>
+        <p:xfrm>
+          <a:off x="1152808" y="1855959"/>
+          <a:ext cx="9886384" cy="4046899"/>
+        </p:xfrm>
+        <a:graphic>
+          <a:graphicData uri="http://schemas.openxmlformats.org/drawingml/2006/table">
+            <a:tbl>
+              <a:tblPr firstRow="1" bandRow="1">
+                <a:tableStyleId>{5C22544A-7EE6-4342-B048-85BDC9FD1C3A}</a:tableStyleId>
+              </a:tblPr>
+              <a:tblGrid>
+                <a:gridCol w="4943192">
+                  <a:extLst>
+                    <a:ext uri="{9D8B030D-6E8A-4147-A177-3AD203B41FA5}">
+                      <a16:colId xmlns:a16="http://schemas.microsoft.com/office/drawing/2014/main" val="2100658492"/>
+                    </a:ext>
+                  </a:extLst>
+                </a:gridCol>
+                <a:gridCol w="4943192">
+                  <a:extLst>
+                    <a:ext uri="{9D8B030D-6E8A-4147-A177-3AD203B41FA5}">
+                      <a16:colId xmlns:a16="http://schemas.microsoft.com/office/drawing/2014/main" val="571343273"/>
+                    </a:ext>
+                  </a:extLst>
+                </a:gridCol>
+              </a:tblGrid>
+              <a:tr h="1046050">
+                <a:tc>
+                  <a:txBody>
+                    <a:bodyPr/>
+                    <a:lstStyle/>
+                    <a:p>
+                      <a:pPr marL="0" marR="0" lvl="0" indent="0" algn="l" defTabSz="914400" rtl="0" eaLnBrk="1" fontAlgn="auto" latinLnBrk="0" hangingPunct="1">
+                        <a:lnSpc>
+                          <a:spcPct val="100000"/>
+                        </a:lnSpc>
+                        <a:spcBef>
+                          <a:spcPts val="0"/>
+                        </a:spcBef>
+                        <a:spcAft>
+                          <a:spcPts val="0"/>
+                        </a:spcAft>
+                        <a:buClrTx/>
+                        <a:buSzTx/>
+                        <a:buFontTx/>
+                        <a:buNone/>
+                        <a:tabLst/>
+                        <a:defRPr/>
+                      </a:pPr>
+                      <a:r>
+                        <a:rPr lang="en-US" altLang="zh-TW" sz="1800" b="0" kern="1200" dirty="0" err="1">
+                          <a:solidFill>
+                            <a:schemeClr val="lt1"/>
+                          </a:solidFill>
+                          <a:effectLst/>
+                          <a:latin typeface="+mn-lt"/>
+                          <a:ea typeface="+mn-ea"/>
+                          <a:cs typeface="+mn-cs"/>
+                        </a:rPr>
+                        <a:t>edge_detection</a:t>
+                      </a:r>
+                      <a:r>
+                        <a:rPr lang="en-US" altLang="zh-TW" sz="1800" b="0" kern="1200" dirty="0">
+                          <a:solidFill>
+                            <a:schemeClr val="lt1"/>
+                          </a:solidFill>
+                          <a:effectLst/>
+                          <a:latin typeface="+mn-lt"/>
+                          <a:ea typeface="+mn-ea"/>
+                          <a:cs typeface="+mn-cs"/>
+                        </a:rPr>
+                        <a:t>(</a:t>
+                      </a:r>
+                      <a:r>
+                        <a:rPr lang="en-US" altLang="zh-TW" sz="1800" b="0" kern="1200" dirty="0" err="1">
+                          <a:solidFill>
+                            <a:schemeClr val="lt1"/>
+                          </a:solidFill>
+                          <a:effectLst/>
+                          <a:latin typeface="+mn-lt"/>
+                          <a:ea typeface="+mn-ea"/>
+                          <a:cs typeface="+mn-cs"/>
+                        </a:rPr>
+                        <a:t>gray_image</a:t>
+                      </a:r>
+                      <a:r>
+                        <a:rPr lang="en-US" altLang="zh-TW" sz="1800" b="0" kern="1200" dirty="0">
+                          <a:solidFill>
+                            <a:schemeClr val="lt1"/>
+                          </a:solidFill>
+                          <a:effectLst/>
+                          <a:latin typeface="+mn-lt"/>
+                          <a:ea typeface="+mn-ea"/>
+                          <a:cs typeface="+mn-cs"/>
+                        </a:rPr>
+                        <a:t>)</a:t>
+                      </a:r>
+                    </a:p>
+                    <a:p>
+                      <a:endParaRPr lang="en-US" altLang="zh-TW" sz="1800" b="0" kern="1200" dirty="0">
+                        <a:solidFill>
+                          <a:schemeClr val="lt1"/>
+                        </a:solidFill>
+                        <a:effectLst/>
+                        <a:latin typeface="標楷體" panose="03000509000000000000" pitchFamily="65" charset="-120"/>
+                        <a:ea typeface="標楷體" panose="03000509000000000000" pitchFamily="65" charset="-120"/>
+                        <a:cs typeface="+mn-cs"/>
+                      </a:endParaRPr>
+                    </a:p>
+                  </a:txBody>
+                  <a:tcPr/>
+                </a:tc>
+                <a:tc>
+                  <a:txBody>
+                    <a:bodyPr/>
+                    <a:lstStyle/>
+                    <a:p>
+                      <a:r>
+                        <a:rPr lang="zh-TW" altLang="en-US" dirty="0">
+                          <a:latin typeface="標楷體" panose="03000509000000000000" pitchFamily="65" charset="-120"/>
+                          <a:ea typeface="標楷體" panose="03000509000000000000" pitchFamily="65" charset="-120"/>
+                        </a:rPr>
+                        <a:t>功能：</a:t>
+                      </a:r>
+                      <a:r>
+                        <a:rPr lang="en-US" altLang="zh-TW" dirty="0" err="1">
+                          <a:latin typeface="標楷體" panose="03000509000000000000" pitchFamily="65" charset="-120"/>
+                          <a:ea typeface="標楷體" panose="03000509000000000000" pitchFamily="65" charset="-120"/>
+                        </a:rPr>
+                        <a:t>sobel</a:t>
+                      </a:r>
+                      <a:r>
+                        <a:rPr lang="zh-TW" altLang="en-US" dirty="0">
+                          <a:latin typeface="標楷體" panose="03000509000000000000" pitchFamily="65" charset="-120"/>
+                          <a:ea typeface="標楷體" panose="03000509000000000000" pitchFamily="65" charset="-120"/>
+                        </a:rPr>
+                        <a:t>邊緣檢測</a:t>
+                      </a:r>
+                    </a:p>
+                  </a:txBody>
+                  <a:tcPr/>
+                </a:tc>
+                <a:extLst>
+                  <a:ext uri="{0D108BD9-81ED-4DB2-BD59-A6C34878D82A}">
+                    <a16:rowId xmlns:a16="http://schemas.microsoft.com/office/drawing/2014/main" val="1988417968"/>
+                  </a:ext>
+                </a:extLst>
+              </a:tr>
+              <a:tr h="3000849">
+                <a:tc>
+                  <a:txBody>
+                    <a:bodyPr/>
+                    <a:lstStyle/>
+                    <a:p>
+                      <a:r>
+                        <a:rPr lang="zh-TW" altLang="en-US" dirty="0">
+                          <a:latin typeface="標楷體" panose="03000509000000000000" pitchFamily="65" charset="-120"/>
+                          <a:ea typeface="標楷體" panose="03000509000000000000" pitchFamily="65" charset="-120"/>
+                        </a:rPr>
+                        <a:t>輸入：灰階圖片</a:t>
+                      </a:r>
+                    </a:p>
+                  </a:txBody>
+                  <a:tcPr/>
+                </a:tc>
+                <a:tc>
+                  <a:txBody>
+                    <a:bodyPr/>
+                    <a:lstStyle/>
+                    <a:p>
+                      <a:r>
+                        <a:rPr lang="zh-TW" altLang="en-US" dirty="0">
+                          <a:latin typeface="標楷體" panose="03000509000000000000" pitchFamily="65" charset="-120"/>
+                          <a:ea typeface="標楷體" panose="03000509000000000000" pitchFamily="65" charset="-120"/>
+                        </a:rPr>
+                        <a:t>輸出：</a:t>
+                      </a:r>
+                      <a:r>
+                        <a:rPr lang="zh-TW" altLang="en-US" sz="1800" kern="1200" dirty="0">
+                          <a:solidFill>
+                            <a:schemeClr val="dk1"/>
+                          </a:solidFill>
+                          <a:latin typeface="標楷體" panose="03000509000000000000" pitchFamily="65" charset="-120"/>
+                          <a:ea typeface="標楷體" panose="03000509000000000000" pitchFamily="65" charset="-120"/>
+                          <a:cs typeface="+mn-cs"/>
+                        </a:rPr>
+                        <a:t>經過 </a:t>
+                      </a:r>
+                      <a:r>
+                        <a:rPr lang="en-US" altLang="zh-TW" sz="1800" kern="1200" dirty="0">
+                          <a:solidFill>
+                            <a:schemeClr val="dk1"/>
+                          </a:solidFill>
+                          <a:latin typeface="標楷體" panose="03000509000000000000" pitchFamily="65" charset="-120"/>
+                          <a:ea typeface="標楷體" panose="03000509000000000000" pitchFamily="65" charset="-120"/>
+                          <a:cs typeface="+mn-cs"/>
+                        </a:rPr>
+                        <a:t>Sobel </a:t>
+                      </a:r>
+                      <a:r>
+                        <a:rPr lang="zh-TW" altLang="en-US" sz="1800" kern="1200" dirty="0">
+                          <a:solidFill>
+                            <a:schemeClr val="dk1"/>
+                          </a:solidFill>
+                          <a:latin typeface="標楷體" panose="03000509000000000000" pitchFamily="65" charset="-120"/>
+                          <a:ea typeface="標楷體" panose="03000509000000000000" pitchFamily="65" charset="-120"/>
+                          <a:cs typeface="+mn-cs"/>
+                        </a:rPr>
+                        <a:t>邊緣檢測的灰階影像，其中高亮的部分表示邊緣</a:t>
+                      </a:r>
+                    </a:p>
+                  </a:txBody>
+                  <a:tcPr/>
+                </a:tc>
+                <a:extLst>
+                  <a:ext uri="{0D108BD9-81ED-4DB2-BD59-A6C34878D82A}">
+                    <a16:rowId xmlns:a16="http://schemas.microsoft.com/office/drawing/2014/main" val="2492615710"/>
+                  </a:ext>
+                </a:extLst>
+              </a:tr>
+            </a:tbl>
+          </a:graphicData>
+        </a:graphic>
+      </p:graphicFrame>
+      <p:sp>
+        <p:nvSpPr>
+          <p:cNvPr id="5" name="文字方塊 4">
+            <a:extLst>
+              <a:ext uri="{FF2B5EF4-FFF2-40B4-BE49-F238E27FC236}">
+                <a16:creationId xmlns:a16="http://schemas.microsoft.com/office/drawing/2014/main" id="{BC0AF7F9-CBA5-67CD-3B3B-A6CF96ECB40E}"/>
+              </a:ext>
+            </a:extLst>
+          </p:cNvPr>
+          <p:cNvSpPr txBox="1"/>
+          <p:nvPr/>
+        </p:nvSpPr>
+        <p:spPr>
+          <a:xfrm>
+            <a:off x="1913299" y="244444"/>
+            <a:ext cx="8365402" cy="707886"/>
+          </a:xfrm>
+          <a:prstGeom prst="rect">
+            <a:avLst/>
+          </a:prstGeom>
+          <a:noFill/>
+        </p:spPr>
+        <p:txBody>
+          <a:bodyPr wrap="square" rtlCol="0">
+            <a:spAutoFit/>
+          </a:bodyPr>
+          <a:lstStyle/>
+          <a:p>
+            <a:pPr algn="ctr"/>
+            <a:r>
+              <a:rPr lang="en-US" altLang="zh-TW" sz="4000" dirty="0">
+                <a:latin typeface="Times New Roman" panose="02020603050405020304" pitchFamily="18" charset="0"/>
+              </a:rPr>
+              <a:t>API</a:t>
+            </a:r>
+            <a:endParaRPr lang="zh-TW" altLang="en-US" sz="4000" dirty="0">
+              <a:latin typeface="Times New Roman" panose="02020603050405020304" pitchFamily="18" charset="0"/>
+            </a:endParaRPr>
+          </a:p>
+        </p:txBody>
+      </p:sp>
+    </p:spTree>
+    <p:extLst>
+      <p:ext uri="{BB962C8B-B14F-4D97-AF65-F5344CB8AC3E}">
+        <p14:creationId xmlns:p14="http://schemas.microsoft.com/office/powerpoint/2010/main" val="1413025597"/>
+      </p:ext>
+    </p:extLst>
+  </p:cSld>
+  <p:clrMapOvr>
+    <a:masterClrMapping/>
+  </p:clrMapOvr>
+</p:sld>
+</file>
+
+<file path=ppt/slides/slide7.xml><?xml version="1.0" encoding="utf-8"?>
+<p:sld xmlns:a="http://schemas.openxmlformats.org/drawingml/2006/main" xmlns:r="http://schemas.openxmlformats.org/officeDocument/2006/relationships" xmlns:p="http://schemas.openxmlformats.org/presentationml/2006/main">
+  <p:cSld>
+    <p:spTree>
+      <p:nvGrpSpPr>
+        <p:cNvPr id="1" name="">
+          <a:extLst>
+            <a:ext uri="{FF2B5EF4-FFF2-40B4-BE49-F238E27FC236}">
+              <a16:creationId xmlns:a16="http://schemas.microsoft.com/office/drawing/2014/main" id="{1305BB65-F3FC-BB47-7147-78B788F21AC1}"/>
+            </a:ext>
+          </a:extLst>
+        </p:cNvPr>
+        <p:cNvGrpSpPr/>
+        <p:nvPr/>
+      </p:nvGrpSpPr>
+      <p:grpSpPr>
+        <a:xfrm>
+          <a:off x="0" y="0"/>
+          <a:ext cx="0" cy="0"/>
+          <a:chOff x="0" y="0"/>
+          <a:chExt cx="0" cy="0"/>
+        </a:xfrm>
+      </p:grpSpPr>
+      <p:graphicFrame>
+        <p:nvGraphicFramePr>
+          <p:cNvPr id="4" name="表格 3">
+            <a:extLst>
+              <a:ext uri="{FF2B5EF4-FFF2-40B4-BE49-F238E27FC236}">
+                <a16:creationId xmlns:a16="http://schemas.microsoft.com/office/drawing/2014/main" id="{CCBA47DB-BF25-9FE7-92C0-2FB8A3A47727}"/>
+              </a:ext>
+            </a:extLst>
+          </p:cNvPr>
+          <p:cNvGraphicFramePr>
+            <a:graphicFrameLocks noGrp="1"/>
+          </p:cNvGraphicFramePr>
+          <p:nvPr>
+            <p:extLst>
+              <p:ext uri="{D42A27DB-BD31-4B8C-83A1-F6EECF244321}">
+                <p14:modId xmlns:p14="http://schemas.microsoft.com/office/powerpoint/2010/main" val="1533648116"/>
+              </p:ext>
+            </p:extLst>
+          </p:nvPr>
+        </p:nvGraphicFramePr>
+        <p:xfrm>
+          <a:off x="1152808" y="1855959"/>
+          <a:ext cx="9886384" cy="4046899"/>
+        </p:xfrm>
+        <a:graphic>
+          <a:graphicData uri="http://schemas.openxmlformats.org/drawingml/2006/table">
+            <a:tbl>
+              <a:tblPr firstRow="1" bandRow="1">
+                <a:tableStyleId>{5C22544A-7EE6-4342-B048-85BDC9FD1C3A}</a:tableStyleId>
+              </a:tblPr>
+              <a:tblGrid>
+                <a:gridCol w="4943192">
+                  <a:extLst>
+                    <a:ext uri="{9D8B030D-6E8A-4147-A177-3AD203B41FA5}">
+                      <a16:colId xmlns:a16="http://schemas.microsoft.com/office/drawing/2014/main" val="2100658492"/>
+                    </a:ext>
+                  </a:extLst>
+                </a:gridCol>
+                <a:gridCol w="4943192">
+                  <a:extLst>
+                    <a:ext uri="{9D8B030D-6E8A-4147-A177-3AD203B41FA5}">
+                      <a16:colId xmlns:a16="http://schemas.microsoft.com/office/drawing/2014/main" val="571343273"/>
+                    </a:ext>
+                  </a:extLst>
+                </a:gridCol>
+              </a:tblGrid>
+              <a:tr h="1046050">
+                <a:tc>
+                  <a:txBody>
+                    <a:bodyPr/>
+                    <a:lstStyle/>
+                    <a:p>
+                      <a:pPr marL="0" marR="0" lvl="0" indent="0" algn="l" defTabSz="914400" rtl="0" eaLnBrk="1" fontAlgn="auto" latinLnBrk="0" hangingPunct="1">
+                        <a:lnSpc>
+                          <a:spcPct val="100000"/>
+                        </a:lnSpc>
+                        <a:spcBef>
+                          <a:spcPts val="0"/>
+                        </a:spcBef>
+                        <a:spcAft>
+                          <a:spcPts val="0"/>
+                        </a:spcAft>
+                        <a:buClrTx/>
+                        <a:buSzTx/>
+                        <a:buFontTx/>
+                        <a:buNone/>
+                        <a:tabLst/>
+                        <a:defRPr/>
+                      </a:pPr>
+                      <a:r>
+                        <a:rPr lang="en-US" altLang="zh-TW" sz="1800" b="0" kern="1200" dirty="0" err="1">
+                          <a:solidFill>
+                            <a:schemeClr val="lt1"/>
+                          </a:solidFill>
+                          <a:effectLst/>
+                          <a:latin typeface="+mn-lt"/>
+                          <a:ea typeface="+mn-ea"/>
+                          <a:cs typeface="+mn-cs"/>
+                        </a:rPr>
+                        <a:t>compute_lbp</a:t>
+                      </a:r>
+                      <a:r>
+                        <a:rPr lang="en-US" altLang="zh-TW" sz="1800" b="0" kern="1200" dirty="0">
+                          <a:solidFill>
+                            <a:schemeClr val="lt1"/>
+                          </a:solidFill>
+                          <a:effectLst/>
+                          <a:latin typeface="+mn-lt"/>
+                          <a:ea typeface="+mn-ea"/>
+                          <a:cs typeface="+mn-cs"/>
+                        </a:rPr>
+                        <a:t>(</a:t>
+                      </a:r>
+                      <a:r>
+                        <a:rPr lang="en-US" altLang="zh-TW" sz="1800" b="0" kern="1200" dirty="0" err="1">
+                          <a:solidFill>
+                            <a:schemeClr val="lt1"/>
+                          </a:solidFill>
+                          <a:effectLst/>
+                          <a:latin typeface="+mn-lt"/>
+                          <a:ea typeface="+mn-ea"/>
+                          <a:cs typeface="+mn-cs"/>
+                        </a:rPr>
+                        <a:t>gray_image</a:t>
+                      </a:r>
+                      <a:r>
+                        <a:rPr lang="en-US" altLang="zh-TW" sz="1800" b="0" kern="1200" dirty="0">
+                          <a:solidFill>
+                            <a:schemeClr val="lt1"/>
+                          </a:solidFill>
+                          <a:effectLst/>
+                          <a:latin typeface="+mn-lt"/>
+                          <a:ea typeface="+mn-ea"/>
+                          <a:cs typeface="+mn-cs"/>
+                        </a:rPr>
+                        <a:t>, N, LBP_RADIUS, LBP_METHOD)</a:t>
+                      </a:r>
+                    </a:p>
+                  </a:txBody>
+                  <a:tcPr/>
+                </a:tc>
+                <a:tc>
+                  <a:txBody>
+                    <a:bodyPr/>
+                    <a:lstStyle/>
+                    <a:p>
+                      <a:r>
+                        <a:rPr lang="zh-TW" altLang="en-US" dirty="0">
+                          <a:latin typeface="標楷體" panose="03000509000000000000" pitchFamily="65" charset="-120"/>
+                          <a:ea typeface="標楷體" panose="03000509000000000000" pitchFamily="65" charset="-120"/>
+                        </a:rPr>
+                        <a:t>功能：計算圖片的</a:t>
+                      </a:r>
+                      <a:r>
+                        <a:rPr lang="en-US" altLang="zh-TW" dirty="0">
+                          <a:latin typeface="標楷體" panose="03000509000000000000" pitchFamily="65" charset="-120"/>
+                          <a:ea typeface="標楷體" panose="03000509000000000000" pitchFamily="65" charset="-120"/>
+                        </a:rPr>
+                        <a:t>LBP</a:t>
+                      </a:r>
+                      <a:r>
+                        <a:rPr lang="zh-TW" altLang="en-US" dirty="0">
+                          <a:latin typeface="標楷體" panose="03000509000000000000" pitchFamily="65" charset="-120"/>
+                          <a:ea typeface="標楷體" panose="03000509000000000000" pitchFamily="65" charset="-120"/>
+                        </a:rPr>
+                        <a:t>紋理特徵</a:t>
+                      </a:r>
+                    </a:p>
+                  </a:txBody>
+                  <a:tcPr/>
+                </a:tc>
+                <a:extLst>
+                  <a:ext uri="{0D108BD9-81ED-4DB2-BD59-A6C34878D82A}">
+                    <a16:rowId xmlns:a16="http://schemas.microsoft.com/office/drawing/2014/main" val="1988417968"/>
+                  </a:ext>
+                </a:extLst>
+              </a:tr>
+              <a:tr h="3000849">
+                <a:tc>
+                  <a:txBody>
+                    <a:bodyPr/>
+                    <a:lstStyle/>
+                    <a:p>
+                      <a:r>
+                        <a:rPr lang="zh-TW" altLang="en-US" dirty="0">
+                          <a:latin typeface="標楷體" panose="03000509000000000000" pitchFamily="65" charset="-120"/>
+                          <a:ea typeface="標楷體" panose="03000509000000000000" pitchFamily="65" charset="-120"/>
+                        </a:rPr>
+                        <a:t>輸入：灰階圖片、</a:t>
+                      </a:r>
+                      <a:r>
+                        <a:rPr lang="en-US" altLang="zh-TW" dirty="0">
+                          <a:latin typeface="標楷體" panose="03000509000000000000" pitchFamily="65" charset="-120"/>
+                          <a:ea typeface="標楷體" panose="03000509000000000000" pitchFamily="65" charset="-120"/>
+                        </a:rPr>
+                        <a:t>N</a:t>
+                      </a:r>
+                      <a:r>
+                        <a:rPr lang="zh-TW" altLang="en-US" dirty="0">
+                          <a:latin typeface="標楷體" panose="03000509000000000000" pitchFamily="65" charset="-120"/>
+                          <a:ea typeface="標楷體" panose="03000509000000000000" pitchFamily="65" charset="-120"/>
+                        </a:rPr>
+                        <a:t>、</a:t>
+                      </a:r>
+                      <a:r>
+                        <a:rPr lang="en-US" altLang="zh-TW" dirty="0">
+                          <a:latin typeface="標楷體" panose="03000509000000000000" pitchFamily="65" charset="-120"/>
+                          <a:ea typeface="標楷體" panose="03000509000000000000" pitchFamily="65" charset="-120"/>
+                        </a:rPr>
+                        <a:t>LBP</a:t>
+                      </a:r>
+                      <a:r>
+                        <a:rPr lang="zh-TW" altLang="en-US" dirty="0">
+                          <a:latin typeface="標楷體" panose="03000509000000000000" pitchFamily="65" charset="-120"/>
+                          <a:ea typeface="標楷體" panose="03000509000000000000" pitchFamily="65" charset="-120"/>
+                        </a:rPr>
+                        <a:t>半徑、</a:t>
+                      </a:r>
+                      <a:r>
+                        <a:rPr lang="en-US" altLang="zh-TW" dirty="0">
+                          <a:latin typeface="標楷體" panose="03000509000000000000" pitchFamily="65" charset="-120"/>
+                          <a:ea typeface="標楷體" panose="03000509000000000000" pitchFamily="65" charset="-120"/>
+                        </a:rPr>
+                        <a:t>LBP</a:t>
+                      </a:r>
+                      <a:r>
+                        <a:rPr lang="zh-TW" altLang="en-US" dirty="0">
+                          <a:latin typeface="標楷體" panose="03000509000000000000" pitchFamily="65" charset="-120"/>
+                          <a:ea typeface="標楷體" panose="03000509000000000000" pitchFamily="65" charset="-120"/>
+                        </a:rPr>
+                        <a:t>方法</a:t>
+                      </a:r>
+                    </a:p>
+                  </a:txBody>
+                  <a:tcPr/>
+                </a:tc>
+                <a:tc>
+                  <a:txBody>
+                    <a:bodyPr/>
+                    <a:lstStyle/>
+                    <a:p>
+                      <a:r>
+                        <a:rPr lang="zh-TW" altLang="en-US" dirty="0">
+                          <a:latin typeface="標楷體" panose="03000509000000000000" pitchFamily="65" charset="-120"/>
+                          <a:ea typeface="標楷體" panose="03000509000000000000" pitchFamily="65" charset="-120"/>
+                        </a:rPr>
+                        <a:t>輸出：</a:t>
+                      </a:r>
+                      <a:r>
+                        <a:rPr lang="en-US" altLang="zh-TW" dirty="0">
+                          <a:latin typeface="標楷體" panose="03000509000000000000" pitchFamily="65" charset="-120"/>
+                          <a:ea typeface="標楷體" panose="03000509000000000000" pitchFamily="65" charset="-120"/>
+                        </a:rPr>
+                        <a:t>LBP</a:t>
+                      </a:r>
+                      <a:r>
+                        <a:rPr lang="zh-TW" altLang="en-US" dirty="0">
+                          <a:latin typeface="標楷體" panose="03000509000000000000" pitchFamily="65" charset="-120"/>
+                          <a:ea typeface="標楷體" panose="03000509000000000000" pitchFamily="65" charset="-120"/>
+                        </a:rPr>
+                        <a:t>特徵圖、均質化</a:t>
+                      </a:r>
+                      <a:r>
+                        <a:rPr lang="en-US" altLang="zh-TW" dirty="0">
+                          <a:latin typeface="標楷體" panose="03000509000000000000" pitchFamily="65" charset="-120"/>
+                          <a:ea typeface="標楷體" panose="03000509000000000000" pitchFamily="65" charset="-120"/>
+                        </a:rPr>
+                        <a:t>LBP</a:t>
+                      </a:r>
+                      <a:r>
+                        <a:rPr lang="zh-TW" altLang="en-US" dirty="0">
+                          <a:latin typeface="標楷體" panose="03000509000000000000" pitchFamily="65" charset="-120"/>
+                          <a:ea typeface="標楷體" panose="03000509000000000000" pitchFamily="65" charset="-120"/>
+                        </a:rPr>
+                        <a:t>特徵圖</a:t>
+                      </a:r>
+                    </a:p>
+                  </a:txBody>
+                  <a:tcPr/>
+                </a:tc>
+                <a:extLst>
+                  <a:ext uri="{0D108BD9-81ED-4DB2-BD59-A6C34878D82A}">
+                    <a16:rowId xmlns:a16="http://schemas.microsoft.com/office/drawing/2014/main" val="2492615710"/>
+                  </a:ext>
+                </a:extLst>
+              </a:tr>
+            </a:tbl>
+          </a:graphicData>
+        </a:graphic>
+      </p:graphicFrame>
+      <p:sp>
+        <p:nvSpPr>
+          <p:cNvPr id="5" name="文字方塊 4">
+            <a:extLst>
+              <a:ext uri="{FF2B5EF4-FFF2-40B4-BE49-F238E27FC236}">
+                <a16:creationId xmlns:a16="http://schemas.microsoft.com/office/drawing/2014/main" id="{AA4395FE-FF5A-8FFC-57D8-EB2286EA3D6C}"/>
+              </a:ext>
+            </a:extLst>
+          </p:cNvPr>
+          <p:cNvSpPr txBox="1"/>
+          <p:nvPr/>
+        </p:nvSpPr>
+        <p:spPr>
+          <a:xfrm>
+            <a:off x="1913299" y="244444"/>
+            <a:ext cx="8365402" cy="707886"/>
+          </a:xfrm>
+          <a:prstGeom prst="rect">
+            <a:avLst/>
+          </a:prstGeom>
+          <a:noFill/>
+        </p:spPr>
+        <p:txBody>
+          <a:bodyPr wrap="square" rtlCol="0">
+            <a:spAutoFit/>
+          </a:bodyPr>
+          <a:lstStyle/>
+          <a:p>
+            <a:pPr algn="ctr"/>
+            <a:r>
+              <a:rPr lang="en-US" altLang="zh-TW" sz="4000" dirty="0">
+                <a:latin typeface="Times New Roman" panose="02020603050405020304" pitchFamily="18" charset="0"/>
+              </a:rPr>
+              <a:t>API</a:t>
+            </a:r>
+            <a:endParaRPr lang="zh-TW" altLang="en-US" sz="4000" dirty="0">
+              <a:latin typeface="Times New Roman" panose="02020603050405020304" pitchFamily="18" charset="0"/>
+            </a:endParaRPr>
+          </a:p>
+        </p:txBody>
+      </p:sp>
+    </p:spTree>
+    <p:extLst>
+      <p:ext uri="{BB962C8B-B14F-4D97-AF65-F5344CB8AC3E}">
+        <p14:creationId xmlns:p14="http://schemas.microsoft.com/office/powerpoint/2010/main" val="2090283725"/>
+      </p:ext>
+    </p:extLst>
+  </p:cSld>
+  <p:clrMapOvr>
+    <a:masterClrMapping/>
+  </p:clrMapOvr>
+</p:sld>
+</file>
+
+<file path=ppt/slides/slide8.xml><?xml version="1.0" encoding="utf-8"?>
+<p:sld xmlns:a="http://schemas.openxmlformats.org/drawingml/2006/main" xmlns:r="http://schemas.openxmlformats.org/officeDocument/2006/relationships" xmlns:p="http://schemas.openxmlformats.org/presentationml/2006/main">
+  <p:cSld>
+    <p:spTree>
+      <p:nvGrpSpPr>
+        <p:cNvPr id="1" name="">
+          <a:extLst>
+            <a:ext uri="{FF2B5EF4-FFF2-40B4-BE49-F238E27FC236}">
+              <a16:creationId xmlns:a16="http://schemas.microsoft.com/office/drawing/2014/main" id="{C9FDFCAF-2EB8-4180-A748-CAF3A9D0A4BD}"/>
+            </a:ext>
+          </a:extLst>
+        </p:cNvPr>
+        <p:cNvGrpSpPr/>
+        <p:nvPr/>
+      </p:nvGrpSpPr>
+      <p:grpSpPr>
+        <a:xfrm>
+          <a:off x="0" y="0"/>
+          <a:ext cx="0" cy="0"/>
+          <a:chOff x="0" y="0"/>
+          <a:chExt cx="0" cy="0"/>
+        </a:xfrm>
+      </p:grpSpPr>
+      <p:graphicFrame>
+        <p:nvGraphicFramePr>
+          <p:cNvPr id="4" name="表格 3">
+            <a:extLst>
+              <a:ext uri="{FF2B5EF4-FFF2-40B4-BE49-F238E27FC236}">
+                <a16:creationId xmlns:a16="http://schemas.microsoft.com/office/drawing/2014/main" id="{1DB9E607-EBFD-B8E3-D607-6DDA6591D5C6}"/>
+              </a:ext>
+            </a:extLst>
+          </p:cNvPr>
+          <p:cNvGraphicFramePr>
+            <a:graphicFrameLocks noGrp="1"/>
+          </p:cNvGraphicFramePr>
+          <p:nvPr>
+            <p:extLst>
+              <p:ext uri="{D42A27DB-BD31-4B8C-83A1-F6EECF244321}">
+                <p14:modId xmlns:p14="http://schemas.microsoft.com/office/powerpoint/2010/main" val="2593190769"/>
+              </p:ext>
+            </p:extLst>
+          </p:nvPr>
+        </p:nvGraphicFramePr>
+        <p:xfrm>
+          <a:off x="1152808" y="1855959"/>
+          <a:ext cx="9886384" cy="4046899"/>
+        </p:xfrm>
+        <a:graphic>
+          <a:graphicData uri="http://schemas.openxmlformats.org/drawingml/2006/table">
+            <a:tbl>
+              <a:tblPr firstRow="1" bandRow="1">
+                <a:tableStyleId>{5C22544A-7EE6-4342-B048-85BDC9FD1C3A}</a:tableStyleId>
+              </a:tblPr>
+              <a:tblGrid>
+                <a:gridCol w="4943192">
+                  <a:extLst>
+                    <a:ext uri="{9D8B030D-6E8A-4147-A177-3AD203B41FA5}">
+                      <a16:colId xmlns:a16="http://schemas.microsoft.com/office/drawing/2014/main" val="2100658492"/>
+                    </a:ext>
+                  </a:extLst>
+                </a:gridCol>
+                <a:gridCol w="4943192">
+                  <a:extLst>
+                    <a:ext uri="{9D8B030D-6E8A-4147-A177-3AD203B41FA5}">
+                      <a16:colId xmlns:a16="http://schemas.microsoft.com/office/drawing/2014/main" val="571343273"/>
+                    </a:ext>
+                  </a:extLst>
+                </a:gridCol>
+              </a:tblGrid>
+              <a:tr h="1046050">
+                <a:tc>
+                  <a:txBody>
+                    <a:bodyPr/>
+                    <a:lstStyle/>
+                    <a:p>
+                      <a:pPr marL="0" marR="0" lvl="0" indent="0" algn="l" defTabSz="914400" rtl="0" eaLnBrk="1" fontAlgn="auto" latinLnBrk="0" hangingPunct="1">
+                        <a:lnSpc>
+                          <a:spcPct val="100000"/>
+                        </a:lnSpc>
+                        <a:spcBef>
+                          <a:spcPts val="0"/>
+                        </a:spcBef>
+                        <a:spcAft>
+                          <a:spcPts val="0"/>
+                        </a:spcAft>
+                        <a:buClrTx/>
+                        <a:buSzTx/>
+                        <a:buFontTx/>
+                        <a:buNone/>
+                        <a:tabLst/>
+                        <a:defRPr/>
+                      </a:pPr>
+                      <a:r>
+                        <a:rPr lang="en-US" altLang="zh-TW" sz="1800" b="0" kern="1200" dirty="0" err="1">
+                          <a:solidFill>
+                            <a:schemeClr val="lt1"/>
+                          </a:solidFill>
+                          <a:effectLst/>
+                          <a:latin typeface="+mn-lt"/>
+                          <a:ea typeface="+mn-ea"/>
+                          <a:cs typeface="+mn-cs"/>
+                        </a:rPr>
+                        <a:t>compute_histogram</a:t>
+                      </a:r>
+                      <a:r>
+                        <a:rPr lang="en-US" altLang="zh-TW" sz="1800" b="0" kern="1200" dirty="0">
+                          <a:solidFill>
+                            <a:schemeClr val="lt1"/>
+                          </a:solidFill>
+                          <a:effectLst/>
+                          <a:latin typeface="+mn-lt"/>
+                          <a:ea typeface="+mn-ea"/>
+                          <a:cs typeface="+mn-cs"/>
+                        </a:rPr>
+                        <a:t>(patch)</a:t>
+                      </a:r>
+                    </a:p>
+                    <a:p>
+                      <a:endParaRPr lang="en-US" altLang="zh-TW" sz="1800" b="0" kern="1200" dirty="0">
+                        <a:solidFill>
+                          <a:schemeClr val="lt1"/>
+                        </a:solidFill>
+                        <a:effectLst/>
+                        <a:latin typeface="標楷體" panose="03000509000000000000" pitchFamily="65" charset="-120"/>
+                        <a:ea typeface="標楷體" panose="03000509000000000000" pitchFamily="65" charset="-120"/>
+                        <a:cs typeface="+mn-cs"/>
+                      </a:endParaRPr>
+                    </a:p>
+                  </a:txBody>
+                  <a:tcPr/>
+                </a:tc>
+                <a:tc>
+                  <a:txBody>
+                    <a:bodyPr/>
+                    <a:lstStyle/>
+                    <a:p>
+                      <a:r>
+                        <a:rPr lang="zh-TW" altLang="en-US" dirty="0">
+                          <a:latin typeface="標楷體" panose="03000509000000000000" pitchFamily="65" charset="-120"/>
+                          <a:ea typeface="標楷體" panose="03000509000000000000" pitchFamily="65" charset="-120"/>
+                        </a:rPr>
+                        <a:t>功能：</a:t>
+                      </a:r>
+                      <a:r>
+                        <a:rPr lang="zh-TW" altLang="en-US" sz="1800" b="1" kern="1200" dirty="0">
+                          <a:solidFill>
+                            <a:schemeClr val="lt1"/>
+                          </a:solidFill>
+                          <a:latin typeface="標楷體" panose="03000509000000000000" pitchFamily="65" charset="-120"/>
+                          <a:ea typeface="標楷體" panose="03000509000000000000" pitchFamily="65" charset="-120"/>
+                          <a:cs typeface="+mn-cs"/>
+                        </a:rPr>
+                        <a:t>計算給定影像區域（</a:t>
+                      </a:r>
+                      <a:r>
+                        <a:rPr lang="en-US" altLang="zh-TW" sz="1800" b="1" kern="1200" dirty="0">
+                          <a:solidFill>
+                            <a:schemeClr val="lt1"/>
+                          </a:solidFill>
+                          <a:latin typeface="標楷體" panose="03000509000000000000" pitchFamily="65" charset="-120"/>
+                          <a:ea typeface="標楷體" panose="03000509000000000000" pitchFamily="65" charset="-120"/>
+                          <a:cs typeface="+mn-cs"/>
+                        </a:rPr>
+                        <a:t>patch</a:t>
+                      </a:r>
+                      <a:r>
+                        <a:rPr lang="zh-TW" altLang="en-US" sz="1800" b="1" kern="1200" dirty="0">
+                          <a:solidFill>
+                            <a:schemeClr val="lt1"/>
+                          </a:solidFill>
+                          <a:latin typeface="標楷體" panose="03000509000000000000" pitchFamily="65" charset="-120"/>
+                          <a:ea typeface="標楷體" panose="03000509000000000000" pitchFamily="65" charset="-120"/>
+                          <a:cs typeface="+mn-cs"/>
+                        </a:rPr>
+                        <a:t>）的直方圖，用於進行紋理比對。</a:t>
+                      </a:r>
+                    </a:p>
+                  </a:txBody>
+                  <a:tcPr/>
+                </a:tc>
+                <a:extLst>
+                  <a:ext uri="{0D108BD9-81ED-4DB2-BD59-A6C34878D82A}">
+                    <a16:rowId xmlns:a16="http://schemas.microsoft.com/office/drawing/2014/main" val="1988417968"/>
+                  </a:ext>
+                </a:extLst>
+              </a:tr>
+              <a:tr h="3000849">
+                <a:tc>
+                  <a:txBody>
+                    <a:bodyPr/>
+                    <a:lstStyle/>
+                    <a:p>
+                      <a:r>
+                        <a:rPr lang="zh-TW" altLang="en-US" dirty="0">
+                          <a:latin typeface="標楷體" panose="03000509000000000000" pitchFamily="65" charset="-120"/>
+                          <a:ea typeface="標楷體" panose="03000509000000000000" pitchFamily="65" charset="-120"/>
+                        </a:rPr>
+                        <a:t>輸入：灰階或二值化圖片</a:t>
+                      </a:r>
+                    </a:p>
+                  </a:txBody>
+                  <a:tcPr/>
+                </a:tc>
+                <a:tc>
+                  <a:txBody>
+                    <a:bodyPr/>
+                    <a:lstStyle/>
+                    <a:p>
+                      <a:r>
+                        <a:rPr lang="zh-TW" altLang="en-US" dirty="0">
+                          <a:latin typeface="標楷體" panose="03000509000000000000" pitchFamily="65" charset="-120"/>
+                          <a:ea typeface="標楷體" panose="03000509000000000000" pitchFamily="65" charset="-120"/>
+                        </a:rPr>
+                        <a:t>輸出：圖片像素分布數據</a:t>
+                      </a:r>
+                    </a:p>
+                  </a:txBody>
+                  <a:tcPr/>
+                </a:tc>
+                <a:extLst>
+                  <a:ext uri="{0D108BD9-81ED-4DB2-BD59-A6C34878D82A}">
+                    <a16:rowId xmlns:a16="http://schemas.microsoft.com/office/drawing/2014/main" val="2492615710"/>
+                  </a:ext>
+                </a:extLst>
+              </a:tr>
+            </a:tbl>
+          </a:graphicData>
+        </a:graphic>
+      </p:graphicFrame>
+      <p:sp>
+        <p:nvSpPr>
+          <p:cNvPr id="5" name="文字方塊 4">
+            <a:extLst>
+              <a:ext uri="{FF2B5EF4-FFF2-40B4-BE49-F238E27FC236}">
+                <a16:creationId xmlns:a16="http://schemas.microsoft.com/office/drawing/2014/main" id="{6F4B1790-8357-A16E-1960-BCDA0526BE5B}"/>
+              </a:ext>
+            </a:extLst>
+          </p:cNvPr>
+          <p:cNvSpPr txBox="1"/>
+          <p:nvPr/>
+        </p:nvSpPr>
+        <p:spPr>
+          <a:xfrm>
+            <a:off x="1913299" y="244444"/>
+            <a:ext cx="8365402" cy="707886"/>
+          </a:xfrm>
+          <a:prstGeom prst="rect">
+            <a:avLst/>
+          </a:prstGeom>
+          <a:noFill/>
+        </p:spPr>
+        <p:txBody>
+          <a:bodyPr wrap="square" rtlCol="0">
+            <a:spAutoFit/>
+          </a:bodyPr>
+          <a:lstStyle/>
+          <a:p>
+            <a:pPr algn="ctr"/>
+            <a:r>
+              <a:rPr lang="en-US" altLang="zh-TW" sz="4000" dirty="0">
+                <a:latin typeface="Times New Roman" panose="02020603050405020304" pitchFamily="18" charset="0"/>
+              </a:rPr>
+              <a:t>API</a:t>
+            </a:r>
+            <a:endParaRPr lang="zh-TW" altLang="en-US" sz="4000" dirty="0">
+              <a:latin typeface="Times New Roman" panose="02020603050405020304" pitchFamily="18" charset="0"/>
+            </a:endParaRPr>
+          </a:p>
+        </p:txBody>
+      </p:sp>
+    </p:spTree>
+    <p:extLst>
+      <p:ext uri="{BB962C8B-B14F-4D97-AF65-F5344CB8AC3E}">
+        <p14:creationId xmlns:p14="http://schemas.microsoft.com/office/powerpoint/2010/main" val="109970137"/>
+      </p:ext>
+    </p:extLst>
+  </p:cSld>
+  <p:clrMapOvr>
+    <a:masterClrMapping/>
+  </p:clrMapOvr>
+</p:sld>
+</file>
+
+<file path=ppt/slides/slide9.xml><?xml version="1.0" encoding="utf-8"?>
+<p:sld xmlns:a="http://schemas.openxmlformats.org/drawingml/2006/main" xmlns:r="http://schemas.openxmlformats.org/officeDocument/2006/relationships" xmlns:p="http://schemas.openxmlformats.org/presentationml/2006/main">
+  <p:cSld>
+    <p:spTree>
+      <p:nvGrpSpPr>
+        <p:cNvPr id="1" name="">
+          <a:extLst>
+            <a:ext uri="{FF2B5EF4-FFF2-40B4-BE49-F238E27FC236}">
+              <a16:creationId xmlns:a16="http://schemas.microsoft.com/office/drawing/2014/main" id="{63D547FC-0DF6-CDE5-3924-ED9F37BA820D}"/>
+            </a:ext>
+          </a:extLst>
+        </p:cNvPr>
+        <p:cNvGrpSpPr/>
+        <p:nvPr/>
+      </p:nvGrpSpPr>
+      <p:grpSpPr>
+        <a:xfrm>
+          <a:off x="0" y="0"/>
+          <a:ext cx="0" cy="0"/>
+          <a:chOff x="0" y="0"/>
+          <a:chExt cx="0" cy="0"/>
+        </a:xfrm>
+      </p:grpSpPr>
+      <p:graphicFrame>
+        <p:nvGraphicFramePr>
+          <p:cNvPr id="4" name="表格 3">
+            <a:extLst>
+              <a:ext uri="{FF2B5EF4-FFF2-40B4-BE49-F238E27FC236}">
+                <a16:creationId xmlns:a16="http://schemas.microsoft.com/office/drawing/2014/main" id="{8C0E4E6C-2A35-97FB-2BA8-9BD77E28E9CA}"/>
+              </a:ext>
+            </a:extLst>
+          </p:cNvPr>
+          <p:cNvGraphicFramePr>
+            <a:graphicFrameLocks noGrp="1"/>
+          </p:cNvGraphicFramePr>
+          <p:nvPr>
+            <p:extLst>
+              <p:ext uri="{D42A27DB-BD31-4B8C-83A1-F6EECF244321}">
+                <p14:modId xmlns:p14="http://schemas.microsoft.com/office/powerpoint/2010/main" val="2671243723"/>
+              </p:ext>
+            </p:extLst>
+          </p:nvPr>
+        </p:nvGraphicFramePr>
+        <p:xfrm>
+          <a:off x="1152808" y="1855959"/>
+          <a:ext cx="9886384" cy="4046899"/>
+        </p:xfrm>
+        <a:graphic>
+          <a:graphicData uri="http://schemas.openxmlformats.org/drawingml/2006/table">
+            <a:tbl>
+              <a:tblPr firstRow="1" bandRow="1">
+                <a:tableStyleId>{5C22544A-7EE6-4342-B048-85BDC9FD1C3A}</a:tableStyleId>
+              </a:tblPr>
+              <a:tblGrid>
+                <a:gridCol w="4943192">
+                  <a:extLst>
+                    <a:ext uri="{9D8B030D-6E8A-4147-A177-3AD203B41FA5}">
+                      <a16:colId xmlns:a16="http://schemas.microsoft.com/office/drawing/2014/main" val="2100658492"/>
+                    </a:ext>
+                  </a:extLst>
+                </a:gridCol>
+                <a:gridCol w="4943192">
+                  <a:extLst>
+                    <a:ext uri="{9D8B030D-6E8A-4147-A177-3AD203B41FA5}">
+                      <a16:colId xmlns:a16="http://schemas.microsoft.com/office/drawing/2014/main" val="571343273"/>
+                    </a:ext>
+                  </a:extLst>
+                </a:gridCol>
+              </a:tblGrid>
+              <a:tr h="1046050">
+                <a:tc>
+                  <a:txBody>
+                    <a:bodyPr/>
+                    <a:lstStyle/>
+                    <a:p>
+                      <a:pPr marL="0" marR="0" lvl="0" indent="0" algn="l" defTabSz="914400" rtl="0" eaLnBrk="1" fontAlgn="auto" latinLnBrk="0" hangingPunct="1">
+                        <a:lnSpc>
+                          <a:spcPct val="100000"/>
+                        </a:lnSpc>
+                        <a:spcBef>
+                          <a:spcPts val="0"/>
+                        </a:spcBef>
+                        <a:spcAft>
+                          <a:spcPts val="0"/>
+                        </a:spcAft>
+                        <a:buClrTx/>
+                        <a:buSzTx/>
+                        <a:buFontTx/>
+                        <a:buNone/>
+                        <a:tabLst/>
+                        <a:defRPr/>
+                      </a:pPr>
+                      <a:r>
+                        <a:rPr lang="en-US" altLang="zh-TW" sz="1800" b="0" kern="1200" dirty="0" err="1">
+                          <a:solidFill>
+                            <a:schemeClr val="lt1"/>
+                          </a:solidFill>
+                          <a:effectLst/>
+                          <a:latin typeface="+mn-lt"/>
+                          <a:ea typeface="+mn-ea"/>
+                          <a:cs typeface="+mn-cs"/>
+                        </a:rPr>
+                        <a:t>find_similar_regions</a:t>
+                      </a:r>
+                      <a:r>
+                        <a:rPr lang="en-US" altLang="zh-TW" sz="1800" b="0" kern="1200" dirty="0">
+                          <a:solidFill>
+                            <a:schemeClr val="lt1"/>
+                          </a:solidFill>
+                          <a:effectLst/>
+                          <a:latin typeface="+mn-lt"/>
+                          <a:ea typeface="+mn-ea"/>
+                          <a:cs typeface="+mn-cs"/>
+                        </a:rPr>
+                        <a:t>(</a:t>
+                      </a:r>
+                      <a:r>
+                        <a:rPr lang="en-US" altLang="zh-TW" sz="1800" b="0" kern="1200" dirty="0" err="1">
+                          <a:solidFill>
+                            <a:schemeClr val="lt1"/>
+                          </a:solidFill>
+                          <a:effectLst/>
+                          <a:latin typeface="+mn-lt"/>
+                          <a:ea typeface="+mn-ea"/>
+                          <a:cs typeface="+mn-cs"/>
+                        </a:rPr>
+                        <a:t>lbp</a:t>
+                      </a:r>
+                      <a:r>
+                        <a:rPr lang="en-US" altLang="zh-TW" sz="1800" b="0" kern="1200" dirty="0">
+                          <a:solidFill>
+                            <a:schemeClr val="lt1"/>
+                          </a:solidFill>
+                          <a:effectLst/>
+                          <a:latin typeface="+mn-lt"/>
+                          <a:ea typeface="+mn-ea"/>
+                          <a:cs typeface="+mn-cs"/>
+                        </a:rPr>
+                        <a:t>, </a:t>
+                      </a:r>
+                      <a:r>
+                        <a:rPr lang="en-US" altLang="zh-TW" sz="1800" b="0" kern="1200" dirty="0" err="1">
+                          <a:solidFill>
+                            <a:schemeClr val="lt1"/>
+                          </a:solidFill>
+                          <a:effectLst/>
+                          <a:latin typeface="+mn-lt"/>
+                          <a:ea typeface="+mn-ea"/>
+                          <a:cs typeface="+mn-cs"/>
+                        </a:rPr>
+                        <a:t>road_hist</a:t>
+                      </a:r>
+                      <a:r>
+                        <a:rPr lang="en-US" altLang="zh-TW" sz="1800" b="0" kern="1200" dirty="0">
+                          <a:solidFill>
+                            <a:schemeClr val="lt1"/>
+                          </a:solidFill>
+                          <a:effectLst/>
+                          <a:latin typeface="+mn-lt"/>
+                          <a:ea typeface="+mn-ea"/>
+                          <a:cs typeface="+mn-cs"/>
+                        </a:rPr>
+                        <a:t>, stride, </a:t>
+                      </a:r>
+                      <a:r>
+                        <a:rPr lang="en-US" altLang="zh-TW" sz="1800" b="0" kern="1200" dirty="0" err="1">
+                          <a:solidFill>
+                            <a:schemeClr val="lt1"/>
+                          </a:solidFill>
+                          <a:effectLst/>
+                          <a:latin typeface="+mn-lt"/>
+                          <a:ea typeface="+mn-ea"/>
+                          <a:cs typeface="+mn-cs"/>
+                        </a:rPr>
+                        <a:t>similarity_threshold</a:t>
+                      </a:r>
+                      <a:r>
+                        <a:rPr lang="en-US" altLang="zh-TW" sz="1800" b="0" kern="1200" dirty="0">
+                          <a:solidFill>
+                            <a:schemeClr val="lt1"/>
+                          </a:solidFill>
+                          <a:effectLst/>
+                          <a:latin typeface="+mn-lt"/>
+                          <a:ea typeface="+mn-ea"/>
+                          <a:cs typeface="+mn-cs"/>
+                        </a:rPr>
+                        <a:t>)</a:t>
+                      </a:r>
+                    </a:p>
+                    <a:p>
+                      <a:endParaRPr lang="en-US" altLang="zh-TW" sz="1800" b="0" kern="1200" dirty="0">
+                        <a:solidFill>
+                          <a:schemeClr val="lt1"/>
+                        </a:solidFill>
+                        <a:effectLst/>
+                        <a:latin typeface="標楷體" panose="03000509000000000000" pitchFamily="65" charset="-120"/>
+                        <a:ea typeface="標楷體" panose="03000509000000000000" pitchFamily="65" charset="-120"/>
+                        <a:cs typeface="+mn-cs"/>
+                      </a:endParaRPr>
+                    </a:p>
+                  </a:txBody>
+                  <a:tcPr/>
+                </a:tc>
+                <a:tc>
+                  <a:txBody>
+                    <a:bodyPr/>
+                    <a:lstStyle/>
+                    <a:p>
+                      <a:r>
+                        <a:rPr lang="zh-TW" altLang="en-US" dirty="0">
+                          <a:latin typeface="標楷體" panose="03000509000000000000" pitchFamily="65" charset="-120"/>
+                          <a:ea typeface="標楷體" panose="03000509000000000000" pitchFamily="65" charset="-120"/>
+                        </a:rPr>
+                        <a:t>功能：</a:t>
+                      </a:r>
+                      <a:r>
+                        <a:rPr lang="zh-TW" altLang="en-US" dirty="0"/>
+                        <a:t>在 </a:t>
+                      </a:r>
+                      <a:r>
+                        <a:rPr lang="en-US" altLang="zh-TW" dirty="0"/>
+                        <a:t>LBP </a:t>
+                      </a:r>
+                      <a:r>
+                        <a:rPr lang="zh-TW" altLang="en-US" dirty="0"/>
+                        <a:t>特徵圖中搜尋與道路區域相似的區域。</a:t>
+                      </a:r>
+                      <a:endParaRPr lang="zh-TW" altLang="en-US" dirty="0">
+                        <a:latin typeface="標楷體" panose="03000509000000000000" pitchFamily="65" charset="-120"/>
+                        <a:ea typeface="標楷體" panose="03000509000000000000" pitchFamily="65" charset="-120"/>
+                      </a:endParaRPr>
+                    </a:p>
+                  </a:txBody>
+                  <a:tcPr/>
+                </a:tc>
+                <a:extLst>
+                  <a:ext uri="{0D108BD9-81ED-4DB2-BD59-A6C34878D82A}">
+                    <a16:rowId xmlns:a16="http://schemas.microsoft.com/office/drawing/2014/main" val="1988417968"/>
+                  </a:ext>
+                </a:extLst>
+              </a:tr>
+              <a:tr h="3000849">
+                <a:tc>
+                  <a:txBody>
+                    <a:bodyPr/>
+                    <a:lstStyle/>
+                    <a:p>
+                      <a:r>
+                        <a:rPr lang="zh-TW" altLang="en-US" dirty="0">
+                          <a:latin typeface="標楷體" panose="03000509000000000000" pitchFamily="65" charset="-120"/>
+                          <a:ea typeface="標楷體" panose="03000509000000000000" pitchFamily="65" charset="-120"/>
+                        </a:rPr>
+                        <a:t>輸入：</a:t>
+                      </a:r>
+                      <a:r>
+                        <a:rPr lang="en-US" altLang="zh-TW" dirty="0">
+                          <a:latin typeface="標楷體" panose="03000509000000000000" pitchFamily="65" charset="-120"/>
+                          <a:ea typeface="標楷體" panose="03000509000000000000" pitchFamily="65" charset="-120"/>
+                        </a:rPr>
+                        <a:t>LBP</a:t>
+                      </a:r>
+                      <a:r>
+                        <a:rPr lang="zh-TW" altLang="en-US" dirty="0">
+                          <a:latin typeface="標楷體" panose="03000509000000000000" pitchFamily="65" charset="-120"/>
+                          <a:ea typeface="標楷體" panose="03000509000000000000" pitchFamily="65" charset="-120"/>
+                        </a:rPr>
+                        <a:t>特徵圖、</a:t>
+                      </a:r>
+                      <a:r>
+                        <a:rPr lang="en-US" altLang="zh-TW" dirty="0">
+                          <a:latin typeface="標楷體" panose="03000509000000000000" pitchFamily="65" charset="-120"/>
+                          <a:ea typeface="標楷體" panose="03000509000000000000" pitchFamily="65" charset="-120"/>
+                        </a:rPr>
+                        <a:t>LBP</a:t>
+                      </a:r>
+                      <a:r>
+                        <a:rPr lang="zh-TW" altLang="en-US" dirty="0">
+                          <a:latin typeface="標楷體" panose="03000509000000000000" pitchFamily="65" charset="-120"/>
+                          <a:ea typeface="標楷體" panose="03000509000000000000" pitchFamily="65" charset="-120"/>
+                        </a:rPr>
+                        <a:t>直方圖、</a:t>
+                      </a:r>
+                      <a:r>
+                        <a:rPr lang="en-US" altLang="zh-TW" dirty="0">
+                          <a:latin typeface="標楷體" panose="03000509000000000000" pitchFamily="65" charset="-120"/>
+                          <a:ea typeface="標楷體" panose="03000509000000000000" pitchFamily="65" charset="-120"/>
+                        </a:rPr>
+                        <a:t>stride</a:t>
+                      </a:r>
+                      <a:r>
+                        <a:rPr lang="zh-TW" altLang="en-US" dirty="0">
+                          <a:latin typeface="標楷體" panose="03000509000000000000" pitchFamily="65" charset="-120"/>
+                          <a:ea typeface="標楷體" panose="03000509000000000000" pitchFamily="65" charset="-120"/>
+                        </a:rPr>
+                        <a:t>、相似度</a:t>
+                      </a:r>
+                      <a:r>
+                        <a:rPr lang="zh-TW" altLang="en-US" sz="1800" kern="1200" dirty="0">
+                          <a:solidFill>
+                            <a:schemeClr val="dk1"/>
+                          </a:solidFill>
+                          <a:latin typeface="標楷體" panose="03000509000000000000" pitchFamily="65" charset="-120"/>
+                          <a:ea typeface="標楷體" panose="03000509000000000000" pitchFamily="65" charset="-120"/>
+                          <a:cs typeface="+mn-cs"/>
+                        </a:rPr>
+                        <a:t>閾值</a:t>
+                      </a:r>
+                    </a:p>
+                  </a:txBody>
+                  <a:tcPr/>
+                </a:tc>
+                <a:tc>
+                  <a:txBody>
+                    <a:bodyPr/>
+                    <a:lstStyle/>
+                    <a:p>
+                      <a:r>
+                        <a:rPr lang="zh-TW" altLang="en-US" dirty="0">
+                          <a:latin typeface="標楷體" panose="03000509000000000000" pitchFamily="65" charset="-120"/>
+                          <a:ea typeface="標楷體" panose="03000509000000000000" pitchFamily="65" charset="-120"/>
+                        </a:rPr>
+                        <a:t>輸出：道路相似度二值化</a:t>
+                      </a:r>
+                    </a:p>
+                  </a:txBody>
+                  <a:tcPr/>
+                </a:tc>
+                <a:extLst>
+                  <a:ext uri="{0D108BD9-81ED-4DB2-BD59-A6C34878D82A}">
+                    <a16:rowId xmlns:a16="http://schemas.microsoft.com/office/drawing/2014/main" val="2492615710"/>
+                  </a:ext>
+                </a:extLst>
+              </a:tr>
+            </a:tbl>
+          </a:graphicData>
+        </a:graphic>
+      </p:graphicFrame>
+      <p:sp>
+        <p:nvSpPr>
+          <p:cNvPr id="5" name="文字方塊 4">
+            <a:extLst>
+              <a:ext uri="{FF2B5EF4-FFF2-40B4-BE49-F238E27FC236}">
+                <a16:creationId xmlns:a16="http://schemas.microsoft.com/office/drawing/2014/main" id="{D9A5D93C-D43F-75B1-7196-9C73383198D9}"/>
+              </a:ext>
+            </a:extLst>
+          </p:cNvPr>
+          <p:cNvSpPr txBox="1"/>
+          <p:nvPr/>
+        </p:nvSpPr>
+        <p:spPr>
+          <a:xfrm>
+            <a:off x="1913299" y="244444"/>
+            <a:ext cx="8365402" cy="707886"/>
+          </a:xfrm>
+          <a:prstGeom prst="rect">
+            <a:avLst/>
+          </a:prstGeom>
+          <a:noFill/>
+        </p:spPr>
+        <p:txBody>
+          <a:bodyPr wrap="square" rtlCol="0">
+            <a:spAutoFit/>
+          </a:bodyPr>
+          <a:lstStyle/>
+          <a:p>
+            <a:pPr algn="ctr"/>
+            <a:r>
+              <a:rPr lang="en-US" altLang="zh-TW" sz="4000" dirty="0">
+                <a:latin typeface="Times New Roman" panose="02020603050405020304" pitchFamily="18" charset="0"/>
+              </a:rPr>
+              <a:t>API</a:t>
+            </a:r>
+            <a:endParaRPr lang="zh-TW" altLang="en-US" sz="4000" dirty="0">
+              <a:latin typeface="Times New Roman" panose="02020603050405020304" pitchFamily="18" charset="0"/>
+            </a:endParaRPr>
+          </a:p>
+        </p:txBody>
+      </p:sp>
+    </p:spTree>
+    <p:extLst>
+      <p:ext uri="{BB962C8B-B14F-4D97-AF65-F5344CB8AC3E}">
+        <p14:creationId xmlns:p14="http://schemas.microsoft.com/office/powerpoint/2010/main" val="3191760096"/>
       </p:ext>
     </p:extLst>
   </p:cSld>

--- a/嵌入式影像處理.pptx
+++ b/嵌入式影像處理.pptx
@@ -271,7 +271,7 @@
           <a:p>
             <a:fld id="{42F83334-EAA0-449A-A1BA-4B70EC961B71}" type="datetimeFigureOut">
               <a:rPr lang="zh-TW" altLang="en-US" smtClean="0"/>
-              <a:t>2024/11/7</a:t>
+              <a:t>2024/11/14</a:t>
             </a:fld>
             <a:endParaRPr lang="zh-TW" altLang="en-US"/>
           </a:p>
@@ -469,7 +469,7 @@
           <a:p>
             <a:fld id="{42F83334-EAA0-449A-A1BA-4B70EC961B71}" type="datetimeFigureOut">
               <a:rPr lang="zh-TW" altLang="en-US" smtClean="0"/>
-              <a:t>2024/11/7</a:t>
+              <a:t>2024/11/14</a:t>
             </a:fld>
             <a:endParaRPr lang="zh-TW" altLang="en-US"/>
           </a:p>
@@ -677,7 +677,7 @@
           <a:p>
             <a:fld id="{42F83334-EAA0-449A-A1BA-4B70EC961B71}" type="datetimeFigureOut">
               <a:rPr lang="zh-TW" altLang="en-US" smtClean="0"/>
-              <a:t>2024/11/7</a:t>
+              <a:t>2024/11/14</a:t>
             </a:fld>
             <a:endParaRPr lang="zh-TW" altLang="en-US"/>
           </a:p>
@@ -875,7 +875,7 @@
           <a:p>
             <a:fld id="{42F83334-EAA0-449A-A1BA-4B70EC961B71}" type="datetimeFigureOut">
               <a:rPr lang="zh-TW" altLang="en-US" smtClean="0"/>
-              <a:t>2024/11/7</a:t>
+              <a:t>2024/11/14</a:t>
             </a:fld>
             <a:endParaRPr lang="zh-TW" altLang="en-US"/>
           </a:p>
@@ -1150,7 +1150,7 @@
           <a:p>
             <a:fld id="{42F83334-EAA0-449A-A1BA-4B70EC961B71}" type="datetimeFigureOut">
               <a:rPr lang="zh-TW" altLang="en-US" smtClean="0"/>
-              <a:t>2024/11/7</a:t>
+              <a:t>2024/11/14</a:t>
             </a:fld>
             <a:endParaRPr lang="zh-TW" altLang="en-US"/>
           </a:p>
@@ -1415,7 +1415,7 @@
           <a:p>
             <a:fld id="{42F83334-EAA0-449A-A1BA-4B70EC961B71}" type="datetimeFigureOut">
               <a:rPr lang="zh-TW" altLang="en-US" smtClean="0"/>
-              <a:t>2024/11/7</a:t>
+              <a:t>2024/11/14</a:t>
             </a:fld>
             <a:endParaRPr lang="zh-TW" altLang="en-US"/>
           </a:p>
@@ -1827,7 +1827,7 @@
           <a:p>
             <a:fld id="{42F83334-EAA0-449A-A1BA-4B70EC961B71}" type="datetimeFigureOut">
               <a:rPr lang="zh-TW" altLang="en-US" smtClean="0"/>
-              <a:t>2024/11/7</a:t>
+              <a:t>2024/11/14</a:t>
             </a:fld>
             <a:endParaRPr lang="zh-TW" altLang="en-US"/>
           </a:p>
@@ -1968,7 +1968,7 @@
           <a:p>
             <a:fld id="{42F83334-EAA0-449A-A1BA-4B70EC961B71}" type="datetimeFigureOut">
               <a:rPr lang="zh-TW" altLang="en-US" smtClean="0"/>
-              <a:t>2024/11/7</a:t>
+              <a:t>2024/11/14</a:t>
             </a:fld>
             <a:endParaRPr lang="zh-TW" altLang="en-US"/>
           </a:p>
@@ -2081,7 +2081,7 @@
           <a:p>
             <a:fld id="{42F83334-EAA0-449A-A1BA-4B70EC961B71}" type="datetimeFigureOut">
               <a:rPr lang="zh-TW" altLang="en-US" smtClean="0"/>
-              <a:t>2024/11/7</a:t>
+              <a:t>2024/11/14</a:t>
             </a:fld>
             <a:endParaRPr lang="zh-TW" altLang="en-US"/>
           </a:p>
@@ -2392,7 +2392,7 @@
           <a:p>
             <a:fld id="{42F83334-EAA0-449A-A1BA-4B70EC961B71}" type="datetimeFigureOut">
               <a:rPr lang="zh-TW" altLang="en-US" smtClean="0"/>
-              <a:t>2024/11/7</a:t>
+              <a:t>2024/11/14</a:t>
             </a:fld>
             <a:endParaRPr lang="zh-TW" altLang="en-US"/>
           </a:p>
@@ -2680,7 +2680,7 @@
           <a:p>
             <a:fld id="{42F83334-EAA0-449A-A1BA-4B70EC961B71}" type="datetimeFigureOut">
               <a:rPr lang="zh-TW" altLang="en-US" smtClean="0"/>
-              <a:t>2024/11/7</a:t>
+              <a:t>2024/11/14</a:t>
             </a:fld>
             <a:endParaRPr lang="zh-TW" altLang="en-US"/>
           </a:p>
@@ -2921,7 +2921,7 @@
           <a:p>
             <a:fld id="{42F83334-EAA0-449A-A1BA-4B70EC961B71}" type="datetimeFigureOut">
               <a:rPr lang="zh-TW" altLang="en-US" smtClean="0"/>
-              <a:t>2024/11/7</a:t>
+              <a:t>2024/11/14</a:t>
             </a:fld>
             <a:endParaRPr lang="zh-TW" altLang="en-US"/>
           </a:p>
@@ -3449,7 +3449,7 @@
           <p:nvPr>
             <p:extLst>
               <p:ext uri="{D42A27DB-BD31-4B8C-83A1-F6EECF244321}">
-                <p14:modId xmlns:p14="http://schemas.microsoft.com/office/powerpoint/2010/main" val="2853567804"/>
+                <p14:modId xmlns:p14="http://schemas.microsoft.com/office/powerpoint/2010/main" val="145204548"/>
               </p:ext>
             </p:extLst>
           </p:nvPr>
@@ -3577,6 +3577,70 @@
                         </a:rPr>
                         <a:t>輸入：原始圖片、二值化數據</a:t>
                       </a:r>
+                      <a:endParaRPr lang="en-US" altLang="zh-TW" dirty="0">
+                        <a:latin typeface="標楷體" panose="03000509000000000000" pitchFamily="65" charset="-120"/>
+                        <a:ea typeface="標楷體" panose="03000509000000000000" pitchFamily="65" charset="-120"/>
+                      </a:endParaRPr>
+                    </a:p>
+                    <a:p>
+                      <a:endParaRPr lang="en-US" altLang="zh-TW" dirty="0">
+                        <a:latin typeface="標楷體" panose="03000509000000000000" pitchFamily="65" charset="-120"/>
+                        <a:ea typeface="標楷體" panose="03000509000000000000" pitchFamily="65" charset="-120"/>
+                      </a:endParaRPr>
+                    </a:p>
+                    <a:p>
+                      <a:r>
+                        <a:rPr lang="en-US" altLang="zh-TW" dirty="0"/>
+                        <a:t>image</a:t>
+                      </a:r>
+                      <a:r>
+                        <a:rPr lang="zh-TW" altLang="en-US" dirty="0"/>
+                        <a:t>：</a:t>
+                      </a:r>
+                      <a:r>
+                        <a:rPr lang="en-US" altLang="zh-TW" dirty="0" err="1"/>
+                        <a:t>np.ndarray</a:t>
+                      </a:r>
+                      <a:r>
+                        <a:rPr lang="zh-TW" altLang="en-US" dirty="0"/>
+                        <a:t>，原始彩色影像。</a:t>
+                      </a:r>
+                      <a:r>
+                        <a:rPr lang="en-US" altLang="zh-TW" dirty="0"/>
+                        <a:t>mask</a:t>
+                      </a:r>
+                      <a:r>
+                        <a:rPr lang="zh-TW" altLang="en-US" dirty="0"/>
+                        <a:t>：</a:t>
+                      </a:r>
+                      <a:r>
+                        <a:rPr lang="en-US" altLang="zh-TW" dirty="0" err="1"/>
+                        <a:t>np.ndarray</a:t>
+                      </a:r>
+                      <a:r>
+                        <a:rPr lang="zh-TW" altLang="en-US" dirty="0"/>
+                        <a:t>，二值化的掩膜，</a:t>
+                      </a:r>
+                      <a:r>
+                        <a:rPr lang="en-US" altLang="zh-TW" dirty="0"/>
+                        <a:t>1 </a:t>
+                      </a:r>
+                      <a:r>
+                        <a:rPr lang="zh-TW" altLang="en-US" dirty="0"/>
+                        <a:t>表示要填色的區域，</a:t>
+                      </a:r>
+                      <a:r>
+                        <a:rPr lang="en-US" altLang="zh-TW" dirty="0"/>
+                        <a:t>0 </a:t>
+                      </a:r>
+                      <a:r>
+                        <a:rPr lang="zh-TW" altLang="en-US" dirty="0"/>
+                        <a:t>表示保留原影像。</a:t>
+                      </a:r>
+                      <a:endParaRPr lang="zh-TW" altLang="en-US" dirty="0">
+                        <a:latin typeface="標楷體" panose="03000509000000000000" pitchFamily="65" charset="-120"/>
+                        <a:ea typeface="標楷體" panose="03000509000000000000" pitchFamily="65" charset="-120"/>
+                      </a:endParaRPr>
                     </a:p>
                   </a:txBody>
                   <a:tcPr/>
@@ -3593,6 +3657,38 @@
                         </a:rPr>
                         <a:t>輸出：塗色後的圖片</a:t>
                       </a:r>
+                      <a:endParaRPr lang="en-US" altLang="zh-TW" dirty="0">
+                        <a:latin typeface="標楷體" panose="03000509000000000000" pitchFamily="65" charset="-120"/>
+                        <a:ea typeface="標楷體" panose="03000509000000000000" pitchFamily="65" charset="-120"/>
+                      </a:endParaRPr>
+                    </a:p>
+                    <a:p>
+                      <a:endParaRPr lang="en-US" altLang="zh-TW" dirty="0">
+                        <a:latin typeface="標楷體" panose="03000509000000000000" pitchFamily="65" charset="-120"/>
+                        <a:ea typeface="標楷體" panose="03000509000000000000" pitchFamily="65" charset="-120"/>
+                      </a:endParaRPr>
+                    </a:p>
+                    <a:p>
+                      <a:r>
+                        <a:rPr lang="en-US" altLang="zh-TW" dirty="0" err="1"/>
+                        <a:t>output_image</a:t>
+                      </a:r>
+                      <a:r>
+                        <a:rPr lang="zh-TW" altLang="en-US" dirty="0"/>
+                        <a:t>：</a:t>
+                      </a:r>
+                      <a:r>
+                        <a:rPr lang="en-US" altLang="zh-TW" dirty="0" err="1"/>
+                        <a:t>np.ndarray</a:t>
+                      </a:r>
+                      <a:r>
+                        <a:rPr lang="zh-TW" altLang="en-US" dirty="0"/>
+                        <a:t>，填色後的影像，只在掩膜區域上應用填色。</a:t>
+                      </a:r>
+                      <a:endParaRPr lang="zh-TW" altLang="en-US" dirty="0">
+                        <a:latin typeface="標楷體" panose="03000509000000000000" pitchFamily="65" charset="-120"/>
+                        <a:ea typeface="標楷體" panose="03000509000000000000" pitchFamily="65" charset="-120"/>
+                      </a:endParaRPr>
                     </a:p>
                   </a:txBody>
                   <a:tcPr/>
@@ -3699,7 +3795,7 @@
           <p:nvPr>
             <p:extLst>
               <p:ext uri="{D42A27DB-BD31-4B8C-83A1-F6EECF244321}">
-                <p14:modId xmlns:p14="http://schemas.microsoft.com/office/powerpoint/2010/main" val="1205952275"/>
+                <p14:modId xmlns:p14="http://schemas.microsoft.com/office/powerpoint/2010/main" val="4182391069"/>
               </p:ext>
             </p:extLst>
           </p:nvPr>
@@ -3855,6 +3951,61 @@
                         </a:rPr>
                         <a:t>、圖片標題陣列</a:t>
                       </a:r>
+                      <a:endParaRPr lang="en-US" altLang="zh-TW" dirty="0">
+                        <a:latin typeface="標楷體" panose="03000509000000000000" pitchFamily="65" charset="-120"/>
+                        <a:ea typeface="標楷體" panose="03000509000000000000" pitchFamily="65" charset="-120"/>
+                      </a:endParaRPr>
+                    </a:p>
+                    <a:p>
+                      <a:endParaRPr lang="en-US" altLang="zh-TW" dirty="0">
+                        <a:latin typeface="標楷體" panose="03000509000000000000" pitchFamily="65" charset="-120"/>
+                        <a:ea typeface="標楷體" panose="03000509000000000000" pitchFamily="65" charset="-120"/>
+                      </a:endParaRPr>
+                    </a:p>
+                    <a:p>
+                      <a:r>
+                        <a:rPr lang="en-US" altLang="zh-TW" dirty="0"/>
+                        <a:t>images</a:t>
+                      </a:r>
+                      <a:r>
+                        <a:rPr lang="zh-TW" altLang="en-US" dirty="0"/>
+                        <a:t>：</a:t>
+                      </a:r>
+                      <a:r>
+                        <a:rPr lang="en-US" altLang="zh-TW" dirty="0"/>
+                        <a:t>list of </a:t>
+                      </a:r>
+                      <a:r>
+                        <a:rPr lang="en-US" altLang="zh-TW" dirty="0" err="1"/>
+                        <a:t>np.ndarray</a:t>
+                      </a:r>
+                      <a:r>
+                        <a:rPr lang="zh-TW" altLang="en-US" dirty="0"/>
+                        <a:t>，包含要顯示的影像。</a:t>
+                      </a:r>
+                      <a:endParaRPr lang="en-US" altLang="zh-TW" dirty="0"/>
+                    </a:p>
+                    <a:p>
+                      <a:r>
+                        <a:rPr lang="en-US" altLang="zh-TW" dirty="0"/>
+                        <a:t>titles</a:t>
+                      </a:r>
+                      <a:r>
+                        <a:rPr lang="zh-TW" altLang="en-US" dirty="0"/>
+                        <a:t>：</a:t>
+                      </a:r>
+                      <a:r>
+                        <a:rPr lang="en-US" altLang="zh-TW" dirty="0"/>
+                        <a:t>list of str</a:t>
+                      </a:r>
+                      <a:r>
+                        <a:rPr lang="zh-TW" altLang="en-US" dirty="0"/>
+                        <a:t>，每張影像的標題。</a:t>
+                      </a:r>
+                      <a:endParaRPr lang="zh-TW" altLang="en-US" dirty="0">
+                        <a:latin typeface="標楷體" panose="03000509000000000000" pitchFamily="65" charset="-120"/>
+                        <a:ea typeface="標楷體" panose="03000509000000000000" pitchFamily="65" charset="-120"/>
+                      </a:endParaRPr>
                     </a:p>
                   </a:txBody>
                   <a:tcPr/>
@@ -3977,7 +4128,7 @@
           <p:nvPr>
             <p:extLst>
               <p:ext uri="{D42A27DB-BD31-4B8C-83A1-F6EECF244321}">
-                <p14:modId xmlns:p14="http://schemas.microsoft.com/office/powerpoint/2010/main" val="1961746287"/>
+                <p14:modId xmlns:p14="http://schemas.microsoft.com/office/powerpoint/2010/main" val="1274256491"/>
               </p:ext>
             </p:extLst>
           </p:nvPr>
@@ -4143,6 +4294,62 @@
                         </a:rPr>
                         <a:t>特徵圖、參數</a:t>
                       </a:r>
+                      <a:endParaRPr lang="en-US" altLang="zh-TW" dirty="0">
+                        <a:latin typeface="標楷體" panose="03000509000000000000" pitchFamily="65" charset="-120"/>
+                        <a:ea typeface="標楷體" panose="03000509000000000000" pitchFamily="65" charset="-120"/>
+                      </a:endParaRPr>
+                    </a:p>
+                    <a:p>
+                      <a:endParaRPr lang="en-US" altLang="zh-TW" dirty="0">
+                        <a:latin typeface="標楷體" panose="03000509000000000000" pitchFamily="65" charset="-120"/>
+                        <a:ea typeface="標楷體" panose="03000509000000000000" pitchFamily="65" charset="-120"/>
+                      </a:endParaRPr>
+                    </a:p>
+                    <a:p>
+                      <a:r>
+                        <a:rPr lang="en-US" altLang="zh-TW" dirty="0" err="1"/>
+                        <a:t>lbp</a:t>
+                      </a:r>
+                      <a:r>
+                        <a:rPr lang="zh-TW" altLang="en-US" dirty="0"/>
+                        <a:t>：</a:t>
+                      </a:r>
+                      <a:r>
+                        <a:rPr lang="en-US" altLang="zh-TW" dirty="0" err="1"/>
+                        <a:t>np.ndarray</a:t>
+                      </a:r>
+                      <a:r>
+                        <a:rPr lang="zh-TW" altLang="en-US" dirty="0"/>
+                        <a:t>，整張影像的 </a:t>
+                      </a:r>
+                      <a:r>
+                        <a:rPr lang="en-US" altLang="zh-TW" dirty="0"/>
+                        <a:t>LBP </a:t>
+                      </a:r>
+                      <a:r>
+                        <a:rPr lang="zh-TW" altLang="en-US" dirty="0"/>
+                        <a:t>特徵圖。</a:t>
+                      </a:r>
+                      <a:r>
+                        <a:rPr lang="en-US" altLang="zh-TW" dirty="0"/>
+                        <a:t>config</a:t>
+                      </a:r>
+                      <a:r>
+                        <a:rPr lang="zh-TW" altLang="en-US" dirty="0"/>
+                        <a:t>：</a:t>
+                      </a:r>
+                      <a:r>
+                        <a:rPr lang="en-US" altLang="zh-TW" dirty="0" err="1"/>
+                        <a:t>dict</a:t>
+                      </a:r>
+                      <a:r>
+                        <a:rPr lang="zh-TW" altLang="en-US" dirty="0"/>
+                        <a:t>，包含各項設定參數的字典。</a:t>
+                      </a:r>
+                      <a:endParaRPr lang="zh-TW" altLang="en-US" dirty="0">
+                        <a:latin typeface="標楷體" panose="03000509000000000000" pitchFamily="65" charset="-120"/>
+                        <a:ea typeface="標楷體" panose="03000509000000000000" pitchFamily="65" charset="-120"/>
+                      </a:endParaRPr>
                     </a:p>
                   </a:txBody>
                   <a:tcPr/>
@@ -4173,6 +4380,46 @@
                         </a:rPr>
                         <a:t>直方圖，用於相似度比對</a:t>
                       </a:r>
+                      <a:endParaRPr lang="en-US" altLang="zh-TW" dirty="0">
+                        <a:latin typeface="標楷體" panose="03000509000000000000" pitchFamily="65" charset="-120"/>
+                        <a:ea typeface="標楷體" panose="03000509000000000000" pitchFamily="65" charset="-120"/>
+                      </a:endParaRPr>
+                    </a:p>
+                    <a:p>
+                      <a:endParaRPr lang="en-US" altLang="zh-TW" dirty="0">
+                        <a:latin typeface="標楷體" panose="03000509000000000000" pitchFamily="65" charset="-120"/>
+                        <a:ea typeface="標楷體" panose="03000509000000000000" pitchFamily="65" charset="-120"/>
+                      </a:endParaRPr>
+                    </a:p>
+                    <a:p>
+                      <a:r>
+                        <a:rPr lang="en-US" altLang="zh-TW" dirty="0" err="1"/>
+                        <a:t>road_hist</a:t>
+                      </a:r>
+                      <a:r>
+                        <a:rPr lang="zh-TW" altLang="en-US" dirty="0"/>
+                        <a:t>：</a:t>
+                      </a:r>
+                      <a:r>
+                        <a:rPr lang="en-US" altLang="zh-TW" dirty="0" err="1"/>
+                        <a:t>np.ndarray</a:t>
+                      </a:r>
+                      <a:r>
+                        <a:rPr lang="zh-TW" altLang="en-US" dirty="0"/>
+                        <a:t>，道路區域的 </a:t>
+                      </a:r>
+                      <a:r>
+                        <a:rPr lang="en-US" altLang="zh-TW" dirty="0"/>
+                        <a:t>LBP </a:t>
+                      </a:r>
+                      <a:r>
+                        <a:rPr lang="zh-TW" altLang="en-US" dirty="0"/>
+                        <a:t>直方圖，用於後續相似度比對。</a:t>
+                      </a:r>
+                      <a:endParaRPr lang="zh-TW" altLang="en-US" dirty="0">
+                        <a:latin typeface="標楷體" panose="03000509000000000000" pitchFamily="65" charset="-120"/>
+                        <a:ea typeface="標楷體" panose="03000509000000000000" pitchFamily="65" charset="-120"/>
+                      </a:endParaRPr>
                     </a:p>
                   </a:txBody>
                   <a:tcPr/>
@@ -4279,7 +4526,7 @@
           <p:nvPr>
             <p:extLst>
               <p:ext uri="{D42A27DB-BD31-4B8C-83A1-F6EECF244321}">
-                <p14:modId xmlns:p14="http://schemas.microsoft.com/office/powerpoint/2010/main" val="1536378507"/>
+                <p14:modId xmlns:p14="http://schemas.microsoft.com/office/powerpoint/2010/main" val="2423568821"/>
               </p:ext>
             </p:extLst>
           </p:nvPr>
@@ -4384,6 +4631,57 @@
                         </a:rPr>
                         <a:t>輸入：圖片路徑、參數檔案路徑</a:t>
                       </a:r>
+                      <a:endParaRPr lang="en-US" altLang="zh-TW" dirty="0">
+                        <a:latin typeface="標楷體" panose="03000509000000000000" pitchFamily="65" charset="-120"/>
+                        <a:ea typeface="標楷體" panose="03000509000000000000" pitchFamily="65" charset="-120"/>
+                      </a:endParaRPr>
+                    </a:p>
+                    <a:p>
+                      <a:endParaRPr lang="en-US" altLang="zh-TW" dirty="0">
+                        <a:latin typeface="標楷體" panose="03000509000000000000" pitchFamily="65" charset="-120"/>
+                        <a:ea typeface="標楷體" panose="03000509000000000000" pitchFamily="65" charset="-120"/>
+                      </a:endParaRPr>
+                    </a:p>
+                    <a:p>
+                      <a:r>
+                        <a:rPr lang="en-US" altLang="zh-TW" dirty="0" err="1"/>
+                        <a:t>image_path</a:t>
+                      </a:r>
+                      <a:r>
+                        <a:rPr lang="zh-TW" altLang="en-US" dirty="0"/>
+                        <a:t>：</a:t>
+                      </a:r>
+                      <a:r>
+                        <a:rPr lang="en-US" altLang="zh-TW" dirty="0"/>
+                        <a:t>str</a:t>
+                      </a:r>
+                      <a:r>
+                        <a:rPr lang="zh-TW" altLang="en-US" dirty="0"/>
+                        <a:t>，影像檔案的路徑。</a:t>
+                      </a:r>
+                      <a:endParaRPr lang="en-US" altLang="zh-TW" dirty="0"/>
+                    </a:p>
+                    <a:p>
+                      <a:r>
+                        <a:rPr lang="en-US" altLang="zh-TW" dirty="0" err="1"/>
+                        <a:t>config_path</a:t>
+                      </a:r>
+                      <a:r>
+                        <a:rPr lang="zh-TW" altLang="en-US" dirty="0"/>
+                        <a:t>：</a:t>
+                      </a:r>
+                      <a:r>
+                        <a:rPr lang="en-US" altLang="zh-TW" dirty="0"/>
+                        <a:t>str</a:t>
+                      </a:r>
+                      <a:r>
+                        <a:rPr lang="zh-TW" altLang="en-US" dirty="0"/>
+                        <a:t>，配置檔案的路徑。</a:t>
+                      </a:r>
+                      <a:endParaRPr lang="zh-TW" altLang="en-US" dirty="0">
+                        <a:latin typeface="標楷體" panose="03000509000000000000" pitchFamily="65" charset="-120"/>
+                        <a:ea typeface="標楷體" panose="03000509000000000000" pitchFamily="65" charset="-120"/>
+                      </a:endParaRPr>
                     </a:p>
                   </a:txBody>
                   <a:tcPr/>
@@ -6524,7 +6822,7 @@
           <p:nvPr>
             <p:extLst>
               <p:ext uri="{D42A27DB-BD31-4B8C-83A1-F6EECF244321}">
-                <p14:modId xmlns:p14="http://schemas.microsoft.com/office/powerpoint/2010/main" val="283443463"/>
+                <p14:modId xmlns:p14="http://schemas.microsoft.com/office/powerpoint/2010/main" val="239848476"/>
               </p:ext>
             </p:extLst>
           </p:nvPr>
@@ -6676,6 +6974,46 @@
                         </a:rPr>
                         <a:t>輸入：檔案路徑</a:t>
                       </a:r>
+                      <a:endParaRPr lang="en-US" altLang="zh-TW" dirty="0">
+                        <a:latin typeface="標楷體" panose="03000509000000000000" pitchFamily="65" charset="-120"/>
+                        <a:ea typeface="標楷體" panose="03000509000000000000" pitchFamily="65" charset="-120"/>
+                      </a:endParaRPr>
+                    </a:p>
+                    <a:p>
+                      <a:endParaRPr lang="en-US" altLang="zh-TW" dirty="0">
+                        <a:latin typeface="標楷體" panose="03000509000000000000" pitchFamily="65" charset="-120"/>
+                        <a:ea typeface="標楷體" panose="03000509000000000000" pitchFamily="65" charset="-120"/>
+                      </a:endParaRPr>
+                    </a:p>
+                    <a:p>
+                      <a:r>
+                        <a:rPr lang="en-US" altLang="zh-TW" dirty="0" err="1"/>
+                        <a:t>config_path</a:t>
+                      </a:r>
+                      <a:r>
+                        <a:rPr lang="zh-TW" altLang="en-US" dirty="0"/>
+                        <a:t>：</a:t>
+                      </a:r>
+                      <a:r>
+                        <a:rPr lang="en-US" altLang="zh-TW" dirty="0"/>
+                        <a:t>str</a:t>
+                      </a:r>
+                      <a:r>
+                        <a:rPr lang="zh-TW" altLang="en-US" dirty="0"/>
+                        <a:t>，</a:t>
+                      </a:r>
+                      <a:r>
+                        <a:rPr lang="en-US" altLang="zh-TW" dirty="0"/>
+                        <a:t>JSON </a:t>
+                      </a:r>
+                      <a:r>
+                        <a:rPr lang="zh-TW" altLang="en-US" dirty="0"/>
+                        <a:t>檔案的路徑。</a:t>
+                      </a:r>
+                      <a:endParaRPr lang="en-US" altLang="zh-TW" dirty="0">
+                        <a:latin typeface="標楷體" panose="03000509000000000000" pitchFamily="65" charset="-120"/>
+                        <a:ea typeface="標楷體" panose="03000509000000000000" pitchFamily="65" charset="-120"/>
+                      </a:endParaRPr>
                     </a:p>
                   </a:txBody>
                   <a:tcPr/>
@@ -6692,6 +7030,38 @@
                         </a:rPr>
                         <a:t>輸出：參數</a:t>
                       </a:r>
+                      <a:endParaRPr lang="en-US" altLang="zh-TW" dirty="0">
+                        <a:latin typeface="標楷體" panose="03000509000000000000" pitchFamily="65" charset="-120"/>
+                        <a:ea typeface="標楷體" panose="03000509000000000000" pitchFamily="65" charset="-120"/>
+                      </a:endParaRPr>
+                    </a:p>
+                    <a:p>
+                      <a:endParaRPr lang="en-US" altLang="zh-TW" dirty="0">
+                        <a:latin typeface="標楷體" panose="03000509000000000000" pitchFamily="65" charset="-120"/>
+                        <a:ea typeface="標楷體" panose="03000509000000000000" pitchFamily="65" charset="-120"/>
+                      </a:endParaRPr>
+                    </a:p>
+                    <a:p>
+                      <a:r>
+                        <a:rPr lang="en-US" altLang="zh-TW" dirty="0"/>
+                        <a:t>config</a:t>
+                      </a:r>
+                      <a:r>
+                        <a:rPr lang="zh-TW" altLang="en-US" dirty="0"/>
+                        <a:t>：</a:t>
+                      </a:r>
+                      <a:r>
+                        <a:rPr lang="en-US" altLang="zh-TW" dirty="0" err="1"/>
+                        <a:t>dict</a:t>
+                      </a:r>
+                      <a:r>
+                        <a:rPr lang="zh-TW" altLang="en-US"/>
+                        <a:t>，包含配置參數的字典。</a:t>
+                      </a:r>
+                      <a:endParaRPr lang="zh-TW" altLang="en-US" dirty="0">
+                        <a:latin typeface="標楷體" panose="03000509000000000000" pitchFamily="65" charset="-120"/>
+                        <a:ea typeface="標楷體" panose="03000509000000000000" pitchFamily="65" charset="-120"/>
+                      </a:endParaRPr>
                     </a:p>
                   </a:txBody>
                   <a:tcPr/>
@@ -6798,7 +7168,7 @@
           <p:nvPr>
             <p:extLst>
               <p:ext uri="{D42A27DB-BD31-4B8C-83A1-F6EECF244321}">
-                <p14:modId xmlns:p14="http://schemas.microsoft.com/office/powerpoint/2010/main" val="1348632691"/>
+                <p14:modId xmlns:p14="http://schemas.microsoft.com/office/powerpoint/2010/main" val="2242036222"/>
               </p:ext>
             </p:extLst>
           </p:nvPr>
@@ -6950,6 +7320,36 @@
                         </a:rPr>
                         <a:t>輸入：圖片路徑</a:t>
                       </a:r>
+                      <a:endParaRPr lang="en-US" altLang="zh-TW" dirty="0">
+                        <a:latin typeface="標楷體" panose="03000509000000000000" pitchFamily="65" charset="-120"/>
+                        <a:ea typeface="標楷體" panose="03000509000000000000" pitchFamily="65" charset="-120"/>
+                      </a:endParaRPr>
+                    </a:p>
+                    <a:p>
+                      <a:endParaRPr lang="en-US" altLang="zh-TW" dirty="0">
+                        <a:latin typeface="標楷體" panose="03000509000000000000" pitchFamily="65" charset="-120"/>
+                        <a:ea typeface="標楷體" panose="03000509000000000000" pitchFamily="65" charset="-120"/>
+                      </a:endParaRPr>
+                    </a:p>
+                    <a:p>
+                      <a:r>
+                        <a:rPr lang="en-US" altLang="zh-TW" dirty="0" err="1">
+                          <a:latin typeface="標楷體" panose="03000509000000000000" pitchFamily="65" charset="-120"/>
+                          <a:ea typeface="標楷體" panose="03000509000000000000" pitchFamily="65" charset="-120"/>
+                        </a:rPr>
+                        <a:t>Filepath</a:t>
+                      </a:r>
+                      <a:r>
+                        <a:rPr lang="en-US" altLang="zh-TW" dirty="0">
+                          <a:latin typeface="標楷體" panose="03000509000000000000" pitchFamily="65" charset="-120"/>
+                          <a:ea typeface="標楷體" panose="03000509000000000000" pitchFamily="65" charset="-120"/>
+                        </a:rPr>
+                        <a:t>: str</a:t>
+                      </a:r>
+                      <a:endParaRPr lang="zh-TW" altLang="en-US" dirty="0">
+                        <a:latin typeface="標楷體" panose="03000509000000000000" pitchFamily="65" charset="-120"/>
+                        <a:ea typeface="標楷體" panose="03000509000000000000" pitchFamily="65" charset="-120"/>
+                      </a:endParaRPr>
                     </a:p>
                   </a:txBody>
                   <a:tcPr/>
@@ -6966,6 +7366,63 @@
                         </a:rPr>
                         <a:t>輸出：灰階圖片</a:t>
                       </a:r>
+                      <a:endParaRPr lang="en-US" altLang="zh-TW" dirty="0">
+                        <a:latin typeface="標楷體" panose="03000509000000000000" pitchFamily="65" charset="-120"/>
+                        <a:ea typeface="標楷體" panose="03000509000000000000" pitchFamily="65" charset="-120"/>
+                      </a:endParaRPr>
+                    </a:p>
+                    <a:p>
+                      <a:endParaRPr lang="en-US" altLang="zh-TW" dirty="0">
+                        <a:latin typeface="標楷體" panose="03000509000000000000" pitchFamily="65" charset="-120"/>
+                        <a:ea typeface="標楷體" panose="03000509000000000000" pitchFamily="65" charset="-120"/>
+                      </a:endParaRPr>
+                    </a:p>
+                    <a:p>
+                      <a:r>
+                        <a:rPr lang="en-US" altLang="zh-TW" dirty="0">
+                          <a:latin typeface="標楷體" panose="03000509000000000000" pitchFamily="65" charset="-120"/>
+                          <a:ea typeface="標楷體" panose="03000509000000000000" pitchFamily="65" charset="-120"/>
+                        </a:rPr>
+                        <a:t>Image: </a:t>
+                      </a:r>
+                      <a:r>
+                        <a:rPr lang="en-US" altLang="zh-TW" dirty="0" err="1">
+                          <a:latin typeface="標楷體" panose="03000509000000000000" pitchFamily="65" charset="-120"/>
+                          <a:ea typeface="標楷體" panose="03000509000000000000" pitchFamily="65" charset="-120"/>
+                        </a:rPr>
+                        <a:t>numpy.ndarray</a:t>
+                      </a:r>
+                      <a:endParaRPr lang="en-US" altLang="zh-TW" dirty="0">
+                        <a:latin typeface="標楷體" panose="03000509000000000000" pitchFamily="65" charset="-120"/>
+                        <a:ea typeface="標楷體" panose="03000509000000000000" pitchFamily="65" charset="-120"/>
+                      </a:endParaRPr>
+                    </a:p>
+                    <a:p>
+                      <a:r>
+                        <a:rPr lang="en-US" altLang="zh-TW" dirty="0" err="1">
+                          <a:latin typeface="標楷體" panose="03000509000000000000" pitchFamily="65" charset="-120"/>
+                          <a:ea typeface="標楷體" panose="03000509000000000000" pitchFamily="65" charset="-120"/>
+                        </a:rPr>
+                        <a:t>Gray_image</a:t>
+                      </a:r>
+                      <a:r>
+                        <a:rPr lang="en-US" altLang="zh-TW" dirty="0">
+                          <a:latin typeface="標楷體" panose="03000509000000000000" pitchFamily="65" charset="-120"/>
+                          <a:ea typeface="標楷體" panose="03000509000000000000" pitchFamily="65" charset="-120"/>
+                        </a:rPr>
+                        <a:t>: </a:t>
+                      </a:r>
+                      <a:r>
+                        <a:rPr lang="en-US" altLang="zh-TW" dirty="0" err="1">
+                          <a:latin typeface="標楷體" panose="03000509000000000000" pitchFamily="65" charset="-120"/>
+                          <a:ea typeface="標楷體" panose="03000509000000000000" pitchFamily="65" charset="-120"/>
+                        </a:rPr>
+                        <a:t>numpy.ndarray</a:t>
+                      </a:r>
+                      <a:endParaRPr lang="zh-TW" altLang="en-US" dirty="0">
+                        <a:latin typeface="標楷體" panose="03000509000000000000" pitchFamily="65" charset="-120"/>
+                        <a:ea typeface="標楷體" panose="03000509000000000000" pitchFamily="65" charset="-120"/>
+                      </a:endParaRPr>
                     </a:p>
                   </a:txBody>
                   <a:tcPr/>
@@ -7072,7 +7529,7 @@
           <p:nvPr>
             <p:extLst>
               <p:ext uri="{D42A27DB-BD31-4B8C-83A1-F6EECF244321}">
-                <p14:modId xmlns:p14="http://schemas.microsoft.com/office/powerpoint/2010/main" val="2714487637"/>
+                <p14:modId xmlns:p14="http://schemas.microsoft.com/office/powerpoint/2010/main" val="3935574331"/>
               </p:ext>
             </p:extLst>
           </p:nvPr>
@@ -7238,6 +7695,38 @@
                         </a:rPr>
                         <a:t>輸入：灰階圖片</a:t>
                       </a:r>
+                      <a:endParaRPr lang="en-US" altLang="zh-TW" dirty="0">
+                        <a:latin typeface="標楷體" panose="03000509000000000000" pitchFamily="65" charset="-120"/>
+                        <a:ea typeface="標楷體" panose="03000509000000000000" pitchFamily="65" charset="-120"/>
+                      </a:endParaRPr>
+                    </a:p>
+                    <a:p>
+                      <a:endParaRPr lang="en-US" altLang="zh-TW" dirty="0">
+                        <a:latin typeface="標楷體" panose="03000509000000000000" pitchFamily="65" charset="-120"/>
+                        <a:ea typeface="標楷體" panose="03000509000000000000" pitchFamily="65" charset="-120"/>
+                      </a:endParaRPr>
+                    </a:p>
+                    <a:p>
+                      <a:r>
+                        <a:rPr lang="en-US" altLang="zh-TW" dirty="0" err="1"/>
+                        <a:t>gray_image</a:t>
+                      </a:r>
+                      <a:r>
+                        <a:rPr lang="zh-TW" altLang="en-US" dirty="0"/>
+                        <a:t>：</a:t>
+                      </a:r>
+                      <a:r>
+                        <a:rPr lang="en-US" altLang="zh-TW" dirty="0" err="1"/>
+                        <a:t>np.ndarray</a:t>
+                      </a:r>
+                      <a:r>
+                        <a:rPr lang="zh-TW" altLang="en-US" dirty="0"/>
+                        <a:t>，灰階影像。</a:t>
+                      </a:r>
+                      <a:endParaRPr lang="zh-TW" altLang="en-US" dirty="0">
+                        <a:latin typeface="標楷體" panose="03000509000000000000" pitchFamily="65" charset="-120"/>
+                        <a:ea typeface="標楷體" panose="03000509000000000000" pitchFamily="65" charset="-120"/>
+                      </a:endParaRPr>
                     </a:p>
                   </a:txBody>
                   <a:tcPr/>
@@ -7285,8 +7774,60 @@
                           <a:ea typeface="標楷體" panose="03000509000000000000" pitchFamily="65" charset="-120"/>
                           <a:cs typeface="+mn-cs"/>
                         </a:rPr>
-                        <a:t>邊緣檢測的灰階影像，其中高亮的部分表示邊緣</a:t>
-                      </a:r>
+                        <a:t>邊緣檢測的灰階影像</a:t>
+                      </a:r>
+                      <a:endParaRPr lang="en-US" altLang="zh-TW" sz="1800" kern="1200" dirty="0">
+                        <a:solidFill>
+                          <a:schemeClr val="dk1"/>
+                        </a:solidFill>
+                        <a:latin typeface="標楷體" panose="03000509000000000000" pitchFamily="65" charset="-120"/>
+                        <a:ea typeface="標楷體" panose="03000509000000000000" pitchFamily="65" charset="-120"/>
+                        <a:cs typeface="+mn-cs"/>
+                      </a:endParaRPr>
+                    </a:p>
+                    <a:p>
+                      <a:endParaRPr lang="en-US" altLang="zh-TW" sz="1800" kern="1200" dirty="0">
+                        <a:solidFill>
+                          <a:schemeClr val="dk1"/>
+                        </a:solidFill>
+                        <a:latin typeface="標楷體" panose="03000509000000000000" pitchFamily="65" charset="-120"/>
+                        <a:ea typeface="標楷體" panose="03000509000000000000" pitchFamily="65" charset="-120"/>
+                        <a:cs typeface="+mn-cs"/>
+                      </a:endParaRPr>
+                    </a:p>
+                    <a:p>
+                      <a:r>
+                        <a:rPr lang="en-US" altLang="zh-TW" dirty="0"/>
+                        <a:t>edges</a:t>
+                      </a:r>
+                      <a:r>
+                        <a:rPr lang="zh-TW" altLang="en-US" dirty="0"/>
+                        <a:t>：</a:t>
+                      </a:r>
+                      <a:r>
+                        <a:rPr lang="en-US" altLang="zh-TW" dirty="0" err="1"/>
+                        <a:t>np.ndarray</a:t>
+                      </a:r>
+                      <a:r>
+                        <a:rPr lang="zh-TW" altLang="en-US" dirty="0"/>
+                        <a:t>，經過 </a:t>
+                      </a:r>
+                      <a:r>
+                        <a:rPr lang="en-US" altLang="zh-TW" dirty="0"/>
+                        <a:t>Sobel </a:t>
+                      </a:r>
+                      <a:r>
+                        <a:rPr lang="zh-TW" altLang="en-US" dirty="0"/>
+                        <a:t>邊緣檢測的灰階影像，其中高亮的部分表示邊緣。</a:t>
+                      </a:r>
+                      <a:endParaRPr lang="zh-TW" altLang="en-US" sz="1800" kern="1200" dirty="0">
+                        <a:solidFill>
+                          <a:schemeClr val="dk1"/>
+                        </a:solidFill>
+                        <a:latin typeface="標楷體" panose="03000509000000000000" pitchFamily="65" charset="-120"/>
+                        <a:ea typeface="標楷體" panose="03000509000000000000" pitchFamily="65" charset="-120"/>
+                        <a:cs typeface="+mn-cs"/>
+                      </a:endParaRPr>
                     </a:p>
                   </a:txBody>
                   <a:tcPr/>
@@ -7393,7 +7934,7 @@
           <p:nvPr>
             <p:extLst>
               <p:ext uri="{D42A27DB-BD31-4B8C-83A1-F6EECF244321}">
-                <p14:modId xmlns:p14="http://schemas.microsoft.com/office/powerpoint/2010/main" val="1533648116"/>
+                <p14:modId xmlns:p14="http://schemas.microsoft.com/office/powerpoint/2010/main" val="411678737"/>
               </p:ext>
             </p:extLst>
           </p:nvPr>
@@ -7590,6 +8131,124 @@
                         </a:rPr>
                         <a:t>方法</a:t>
                       </a:r>
+                      <a:endParaRPr lang="en-US" altLang="zh-TW" dirty="0">
+                        <a:latin typeface="標楷體" panose="03000509000000000000" pitchFamily="65" charset="-120"/>
+                        <a:ea typeface="標楷體" panose="03000509000000000000" pitchFamily="65" charset="-120"/>
+                      </a:endParaRPr>
+                    </a:p>
+                    <a:p>
+                      <a:endParaRPr lang="en-US" altLang="zh-TW" dirty="0">
+                        <a:latin typeface="標楷體" panose="03000509000000000000" pitchFamily="65" charset="-120"/>
+                        <a:ea typeface="標楷體" panose="03000509000000000000" pitchFamily="65" charset="-120"/>
+                      </a:endParaRPr>
+                    </a:p>
+                    <a:p>
+                      <a:r>
+                        <a:rPr lang="en-US" altLang="zh-TW" dirty="0" err="1"/>
+                        <a:t>gray_image</a:t>
+                      </a:r>
+                      <a:r>
+                        <a:rPr lang="zh-TW" altLang="en-US" dirty="0"/>
+                        <a:t>：</a:t>
+                      </a:r>
+                      <a:r>
+                        <a:rPr lang="en-US" altLang="zh-TW" dirty="0" err="1"/>
+                        <a:t>np.ndarray</a:t>
+                      </a:r>
+                      <a:r>
+                        <a:rPr lang="zh-TW" altLang="en-US" dirty="0"/>
+                        <a:t>，灰階影像。</a:t>
+                      </a:r>
+                      <a:endParaRPr lang="en-US" altLang="zh-TW" dirty="0"/>
+                    </a:p>
+                    <a:p>
+                      <a:r>
+                        <a:rPr lang="en-US" altLang="zh-TW" dirty="0"/>
+                        <a:t>N</a:t>
+                      </a:r>
+                      <a:r>
+                        <a:rPr lang="zh-TW" altLang="en-US" dirty="0"/>
+                        <a:t>：</a:t>
+                      </a:r>
+                      <a:r>
+                        <a:rPr lang="en-US" altLang="zh-TW" dirty="0"/>
+                        <a:t>int</a:t>
+                      </a:r>
+                      <a:r>
+                        <a:rPr lang="zh-TW" altLang="en-US" dirty="0"/>
+                        <a:t>，</a:t>
+                      </a:r>
+                      <a:r>
+                        <a:rPr lang="en-US" altLang="zh-TW" dirty="0"/>
+                        <a:t>LBP </a:t>
+                      </a:r>
+                      <a:r>
+                        <a:rPr lang="zh-TW" altLang="en-US" dirty="0"/>
+                        <a:t>的鄰點數量。</a:t>
+                      </a:r>
+                      <a:endParaRPr lang="en-US" altLang="zh-TW" dirty="0"/>
+                    </a:p>
+                    <a:p>
+                      <a:r>
+                        <a:rPr lang="en-US" altLang="zh-TW" dirty="0"/>
+                        <a:t>LBP_RADIUS</a:t>
+                      </a:r>
+                      <a:r>
+                        <a:rPr lang="zh-TW" altLang="en-US" dirty="0"/>
+                        <a:t>：</a:t>
+                      </a:r>
+                      <a:r>
+                        <a:rPr lang="en-US" altLang="zh-TW" dirty="0"/>
+                        <a:t>int</a:t>
+                      </a:r>
+                      <a:r>
+                        <a:rPr lang="zh-TW" altLang="en-US" dirty="0"/>
+                        <a:t>，</a:t>
+                      </a:r>
+                      <a:r>
+                        <a:rPr lang="en-US" altLang="zh-TW" dirty="0"/>
+                        <a:t>LBP </a:t>
+                      </a:r>
+                      <a:r>
+                        <a:rPr lang="zh-TW" altLang="en-US" dirty="0"/>
+                        <a:t>計算的半徑。</a:t>
+                      </a:r>
+                      <a:r>
+                        <a:rPr lang="en-US" altLang="zh-TW" dirty="0"/>
+                        <a:t>LBP_METHOD</a:t>
+                      </a:r>
+                      <a:r>
+                        <a:rPr lang="zh-TW" altLang="en-US" dirty="0"/>
+                        <a:t>：</a:t>
+                      </a:r>
+                      <a:r>
+                        <a:rPr lang="en-US" altLang="zh-TW" dirty="0"/>
+                        <a:t>str</a:t>
+                      </a:r>
+                      <a:r>
+                        <a:rPr lang="zh-TW" altLang="en-US" dirty="0"/>
+                        <a:t>，</a:t>
+                      </a:r>
+                      <a:r>
+                        <a:rPr lang="en-US" altLang="zh-TW" dirty="0"/>
+                        <a:t>LBP </a:t>
+                      </a:r>
+                      <a:r>
+                        <a:rPr lang="zh-TW" altLang="en-US" dirty="0"/>
+                        <a:t>的計算方法（例如 </a:t>
+                      </a:r>
+                      <a:r>
+                        <a:rPr lang="en-US" altLang="zh-TW" dirty="0"/>
+                        <a:t>"uniform"</a:t>
+                      </a:r>
+                      <a:r>
+                        <a:rPr lang="zh-TW" altLang="en-US" dirty="0"/>
+                        <a:t>）。</a:t>
+                      </a:r>
+                      <a:endParaRPr lang="zh-TW" altLang="en-US" dirty="0">
+                        <a:latin typeface="標楷體" panose="03000509000000000000" pitchFamily="65" charset="-120"/>
+                        <a:ea typeface="標楷體" panose="03000509000000000000" pitchFamily="65" charset="-120"/>
+                      </a:endParaRPr>
                     </a:p>
                   </a:txBody>
                   <a:tcPr/>
@@ -7634,6 +8293,81 @@
                         </a:rPr>
                         <a:t>特徵圖</a:t>
                       </a:r>
+                      <a:endParaRPr lang="en-US" altLang="zh-TW" dirty="0">
+                        <a:latin typeface="標楷體" panose="03000509000000000000" pitchFamily="65" charset="-120"/>
+                        <a:ea typeface="標楷體" panose="03000509000000000000" pitchFamily="65" charset="-120"/>
+                      </a:endParaRPr>
+                    </a:p>
+                    <a:p>
+                      <a:endParaRPr lang="en-US" altLang="zh-TW" dirty="0">
+                        <a:latin typeface="標楷體" panose="03000509000000000000" pitchFamily="65" charset="-120"/>
+                        <a:ea typeface="標楷體" panose="03000509000000000000" pitchFamily="65" charset="-120"/>
+                      </a:endParaRPr>
+                    </a:p>
+                    <a:p>
+                      <a:r>
+                        <a:rPr lang="en-US" altLang="zh-TW" dirty="0" err="1"/>
+                        <a:t>lbp</a:t>
+                      </a:r>
+                      <a:r>
+                        <a:rPr lang="zh-TW" altLang="en-US" dirty="0"/>
+                        <a:t>：</a:t>
+                      </a:r>
+                      <a:r>
+                        <a:rPr lang="en-US" altLang="zh-TW" dirty="0" err="1"/>
+                        <a:t>np.ndarray</a:t>
+                      </a:r>
+                      <a:r>
+                        <a:rPr lang="zh-TW" altLang="en-US" dirty="0"/>
+                        <a:t>，</a:t>
+                      </a:r>
+                      <a:r>
+                        <a:rPr lang="en-US" altLang="zh-TW" dirty="0"/>
+                        <a:t>LBP </a:t>
+                      </a:r>
+                      <a:r>
+                        <a:rPr lang="zh-TW" altLang="en-US" dirty="0"/>
+                        <a:t>特徵圖，代表每個像素的 </a:t>
+                      </a:r>
+                      <a:r>
+                        <a:rPr lang="en-US" altLang="zh-TW" dirty="0"/>
+                        <a:t>LBP </a:t>
+                      </a:r>
+                      <a:r>
+                        <a:rPr lang="zh-TW" altLang="en-US" dirty="0"/>
+                        <a:t>值。</a:t>
+                      </a:r>
+                      <a:endParaRPr lang="en-US" altLang="zh-TW" dirty="0"/>
+                    </a:p>
+                    <a:p>
+                      <a:r>
+                        <a:rPr lang="en-US" altLang="zh-TW" dirty="0" err="1"/>
+                        <a:t>lbp_hist</a:t>
+                      </a:r>
+                      <a:r>
+                        <a:rPr lang="zh-TW" altLang="en-US" dirty="0"/>
+                        <a:t>：</a:t>
+                      </a:r>
+                      <a:r>
+                        <a:rPr lang="en-US" altLang="zh-TW" dirty="0" err="1"/>
+                        <a:t>np.ndarray</a:t>
+                      </a:r>
+                      <a:r>
+                        <a:rPr lang="zh-TW" altLang="en-US" dirty="0"/>
+                        <a:t>，經過直方圖均衡化處理的 </a:t>
+                      </a:r>
+                      <a:r>
+                        <a:rPr lang="en-US" altLang="zh-TW" dirty="0"/>
+                        <a:t>LBP </a:t>
+                      </a:r>
+                      <a:r>
+                        <a:rPr lang="zh-TW" altLang="en-US" dirty="0"/>
+                        <a:t>特徵圖，用於視覺化（選擇性使用）。</a:t>
+                      </a:r>
+                      <a:endParaRPr lang="zh-TW" altLang="en-US" dirty="0">
+                        <a:latin typeface="標楷體" panose="03000509000000000000" pitchFamily="65" charset="-120"/>
+                        <a:ea typeface="標楷體" panose="03000509000000000000" pitchFamily="65" charset="-120"/>
+                      </a:endParaRPr>
                     </a:p>
                   </a:txBody>
                   <a:tcPr/>
@@ -7740,7 +8474,7 @@
           <p:nvPr>
             <p:extLst>
               <p:ext uri="{D42A27DB-BD31-4B8C-83A1-F6EECF244321}">
-                <p14:modId xmlns:p14="http://schemas.microsoft.com/office/powerpoint/2010/main" val="2593190769"/>
+                <p14:modId xmlns:p14="http://schemas.microsoft.com/office/powerpoint/2010/main" val="3042385336"/>
               </p:ext>
             </p:extLst>
           </p:nvPr>
@@ -7901,6 +8635,38 @@
                         </a:rPr>
                         <a:t>輸入：灰階或二值化圖片</a:t>
                       </a:r>
+                      <a:endParaRPr lang="en-US" altLang="zh-TW" dirty="0">
+                        <a:latin typeface="標楷體" panose="03000509000000000000" pitchFamily="65" charset="-120"/>
+                        <a:ea typeface="標楷體" panose="03000509000000000000" pitchFamily="65" charset="-120"/>
+                      </a:endParaRPr>
+                    </a:p>
+                    <a:p>
+                      <a:endParaRPr lang="en-US" altLang="zh-TW" dirty="0">
+                        <a:latin typeface="標楷體" panose="03000509000000000000" pitchFamily="65" charset="-120"/>
+                        <a:ea typeface="標楷體" panose="03000509000000000000" pitchFamily="65" charset="-120"/>
+                      </a:endParaRPr>
+                    </a:p>
+                    <a:p>
+                      <a:r>
+                        <a:rPr lang="en-US" altLang="zh-TW" dirty="0"/>
+                        <a:t>patch</a:t>
+                      </a:r>
+                      <a:r>
+                        <a:rPr lang="zh-TW" altLang="en-US" dirty="0"/>
+                        <a:t>：</a:t>
+                      </a:r>
+                      <a:r>
+                        <a:rPr lang="en-US" altLang="zh-TW" dirty="0" err="1"/>
+                        <a:t>np.ndarray</a:t>
+                      </a:r>
+                      <a:r>
+                        <a:rPr lang="zh-TW" altLang="en-US" dirty="0"/>
+                        <a:t>，影像區域，通常是灰階或二值化的影像。</a:t>
+                      </a:r>
+                      <a:endParaRPr lang="zh-TW" altLang="en-US" dirty="0">
+                        <a:latin typeface="標楷體" panose="03000509000000000000" pitchFamily="65" charset="-120"/>
+                        <a:ea typeface="標楷體" panose="03000509000000000000" pitchFamily="65" charset="-120"/>
+                      </a:endParaRPr>
                     </a:p>
                   </a:txBody>
                   <a:tcPr/>
@@ -7917,6 +8683,38 @@
                         </a:rPr>
                         <a:t>輸出：圖片像素分布數據</a:t>
                       </a:r>
+                      <a:endParaRPr lang="en-US" altLang="zh-TW" dirty="0">
+                        <a:latin typeface="標楷體" panose="03000509000000000000" pitchFamily="65" charset="-120"/>
+                        <a:ea typeface="標楷體" panose="03000509000000000000" pitchFamily="65" charset="-120"/>
+                      </a:endParaRPr>
+                    </a:p>
+                    <a:p>
+                      <a:endParaRPr lang="en-US" altLang="zh-TW" dirty="0">
+                        <a:latin typeface="標楷體" panose="03000509000000000000" pitchFamily="65" charset="-120"/>
+                        <a:ea typeface="標楷體" panose="03000509000000000000" pitchFamily="65" charset="-120"/>
+                      </a:endParaRPr>
+                    </a:p>
+                    <a:p>
+                      <a:r>
+                        <a:rPr lang="en-US" altLang="zh-TW" dirty="0"/>
+                        <a:t>hist</a:t>
+                      </a:r>
+                      <a:r>
+                        <a:rPr lang="zh-TW" altLang="en-US" dirty="0"/>
+                        <a:t>：</a:t>
+                      </a:r>
+                      <a:r>
+                        <a:rPr lang="en-US" altLang="zh-TW" dirty="0" err="1"/>
+                        <a:t>np.ndarray</a:t>
+                      </a:r>
+                      <a:r>
+                        <a:rPr lang="zh-TW" altLang="en-US" dirty="0"/>
+                        <a:t>，直方圖數據，表示該區域的像素分佈。</a:t>
+                      </a:r>
+                      <a:endParaRPr lang="zh-TW" altLang="en-US" dirty="0">
+                        <a:latin typeface="標楷體" panose="03000509000000000000" pitchFamily="65" charset="-120"/>
+                        <a:ea typeface="標楷體" panose="03000509000000000000" pitchFamily="65" charset="-120"/>
+                      </a:endParaRPr>
                     </a:p>
                   </a:txBody>
                   <a:tcPr/>
@@ -8023,7 +8821,7 @@
           <p:nvPr>
             <p:extLst>
               <p:ext uri="{D42A27DB-BD31-4B8C-83A1-F6EECF244321}">
-                <p14:modId xmlns:p14="http://schemas.microsoft.com/office/powerpoint/2010/main" val="2671243723"/>
+                <p14:modId xmlns:p14="http://schemas.microsoft.com/office/powerpoint/2010/main" val="1626926797"/>
               </p:ext>
             </p:extLst>
           </p:nvPr>
@@ -8292,6 +9090,117 @@
                         </a:rPr>
                         <a:t>閾值</a:t>
                       </a:r>
+                      <a:endParaRPr lang="en-US" altLang="zh-TW" sz="1800" kern="1200" dirty="0">
+                        <a:solidFill>
+                          <a:schemeClr val="dk1"/>
+                        </a:solidFill>
+                        <a:latin typeface="標楷體" panose="03000509000000000000" pitchFamily="65" charset="-120"/>
+                        <a:ea typeface="標楷體" panose="03000509000000000000" pitchFamily="65" charset="-120"/>
+                        <a:cs typeface="+mn-cs"/>
+                      </a:endParaRPr>
+                    </a:p>
+                    <a:p>
+                      <a:endParaRPr lang="en-US" altLang="zh-TW" sz="1800" kern="1200" dirty="0">
+                        <a:solidFill>
+                          <a:schemeClr val="dk1"/>
+                        </a:solidFill>
+                        <a:latin typeface="標楷體" panose="03000509000000000000" pitchFamily="65" charset="-120"/>
+                        <a:ea typeface="標楷體" panose="03000509000000000000" pitchFamily="65" charset="-120"/>
+                        <a:cs typeface="+mn-cs"/>
+                      </a:endParaRPr>
+                    </a:p>
+                    <a:p>
+                      <a:r>
+                        <a:rPr lang="en-US" altLang="zh-TW" dirty="0" err="1"/>
+                        <a:t>lbp</a:t>
+                      </a:r>
+                      <a:r>
+                        <a:rPr lang="zh-TW" altLang="en-US" dirty="0"/>
+                        <a:t>：</a:t>
+                      </a:r>
+                      <a:r>
+                        <a:rPr lang="en-US" altLang="zh-TW" dirty="0" err="1"/>
+                        <a:t>np.ndarray</a:t>
+                      </a:r>
+                      <a:r>
+                        <a:rPr lang="zh-TW" altLang="en-US" dirty="0"/>
+                        <a:t>，整張影像的 </a:t>
+                      </a:r>
+                      <a:r>
+                        <a:rPr lang="en-US" altLang="zh-TW" dirty="0"/>
+                        <a:t>LBP </a:t>
+                      </a:r>
+                      <a:r>
+                        <a:rPr lang="zh-TW" altLang="en-US" dirty="0"/>
+                        <a:t>特徵圖。</a:t>
+                      </a:r>
+                      <a:r>
+                        <a:rPr lang="en-US" altLang="zh-TW" dirty="0" err="1"/>
+                        <a:t>road_hist</a:t>
+                      </a:r>
+                      <a:r>
+                        <a:rPr lang="zh-TW" altLang="en-US" dirty="0"/>
+                        <a:t>：</a:t>
+                      </a:r>
+                      <a:r>
+                        <a:rPr lang="en-US" altLang="zh-TW" dirty="0" err="1"/>
+                        <a:t>np.ndarray</a:t>
+                      </a:r>
+                      <a:r>
+                        <a:rPr lang="zh-TW" altLang="en-US" dirty="0"/>
+                        <a:t>，道路區域的 </a:t>
+                      </a:r>
+                      <a:r>
+                        <a:rPr lang="en-US" altLang="zh-TW" dirty="0"/>
+                        <a:t>LBP </a:t>
+                      </a:r>
+                      <a:r>
+                        <a:rPr lang="zh-TW" altLang="en-US" dirty="0"/>
+                        <a:t>直方圖（參考直方圖）。</a:t>
+                      </a:r>
+                      <a:endParaRPr lang="en-US" altLang="zh-TW" dirty="0"/>
+                    </a:p>
+                    <a:p>
+                      <a:r>
+                        <a:rPr lang="en-US" altLang="zh-TW" dirty="0"/>
+                        <a:t>stride</a:t>
+                      </a:r>
+                      <a:r>
+                        <a:rPr lang="zh-TW" altLang="en-US" dirty="0"/>
+                        <a:t>：</a:t>
+                      </a:r>
+                      <a:r>
+                        <a:rPr lang="en-US" altLang="zh-TW" dirty="0"/>
+                        <a:t>int</a:t>
+                      </a:r>
+                      <a:r>
+                        <a:rPr lang="zh-TW" altLang="en-US" dirty="0"/>
+                        <a:t>，區域滑動的步伐大小。</a:t>
+                      </a:r>
+                      <a:r>
+                        <a:rPr lang="en-US" altLang="zh-TW" dirty="0" err="1"/>
+                        <a:t>similarity_threshold</a:t>
+                      </a:r>
+                      <a:r>
+                        <a:rPr lang="zh-TW" altLang="en-US" dirty="0"/>
+                        <a:t>：</a:t>
+                      </a:r>
+                      <a:r>
+                        <a:rPr lang="en-US" altLang="zh-TW" dirty="0"/>
+                        <a:t>float</a:t>
+                      </a:r>
+                      <a:r>
+                        <a:rPr lang="zh-TW" altLang="en-US" dirty="0"/>
+                        <a:t>，用於比對直方圖相似度的閾值。</a:t>
+                      </a:r>
+                      <a:endParaRPr lang="zh-TW" altLang="en-US" sz="1800" kern="1200" dirty="0">
+                        <a:solidFill>
+                          <a:schemeClr val="dk1"/>
+                        </a:solidFill>
+                        <a:latin typeface="標楷體" panose="03000509000000000000" pitchFamily="65" charset="-120"/>
+                        <a:ea typeface="標楷體" panose="03000509000000000000" pitchFamily="65" charset="-120"/>
+                        <a:cs typeface="+mn-cs"/>
+                      </a:endParaRPr>
                     </a:p>
                   </a:txBody>
                   <a:tcPr/>
@@ -8308,6 +9217,54 @@
                         </a:rPr>
                         <a:t>輸出：道路相似度二值化</a:t>
                       </a:r>
+                      <a:endParaRPr lang="en-US" altLang="zh-TW" dirty="0">
+                        <a:latin typeface="標楷體" panose="03000509000000000000" pitchFamily="65" charset="-120"/>
+                        <a:ea typeface="標楷體" panose="03000509000000000000" pitchFamily="65" charset="-120"/>
+                      </a:endParaRPr>
+                    </a:p>
+                    <a:p>
+                      <a:endParaRPr lang="en-US" altLang="zh-TW" dirty="0">
+                        <a:latin typeface="標楷體" panose="03000509000000000000" pitchFamily="65" charset="-120"/>
+                        <a:ea typeface="標楷體" panose="03000509000000000000" pitchFamily="65" charset="-120"/>
+                      </a:endParaRPr>
+                    </a:p>
+                    <a:p>
+                      <a:r>
+                        <a:rPr lang="en-US" altLang="zh-TW" dirty="0" err="1"/>
+                        <a:t>similar_regions</a:t>
+                      </a:r>
+                      <a:r>
+                        <a:rPr lang="zh-TW" altLang="en-US" dirty="0"/>
+                        <a:t>：</a:t>
+                      </a:r>
+                      <a:r>
+                        <a:rPr lang="en-US" altLang="zh-TW" dirty="0" err="1"/>
+                        <a:t>np.ndarray</a:t>
+                      </a:r>
+                      <a:r>
+                        <a:rPr lang="zh-TW" altLang="en-US" dirty="0"/>
+                        <a:t>，與道路區域相似的區域掩膜（二值化），</a:t>
+                      </a:r>
+                      <a:r>
+                        <a:rPr lang="en-US" altLang="zh-TW" dirty="0"/>
+                        <a:t>1 </a:t>
+                      </a:r>
+                      <a:r>
+                        <a:rPr lang="zh-TW" altLang="en-US" dirty="0"/>
+                        <a:t>表示相似區域，</a:t>
+                      </a:r>
+                      <a:r>
+                        <a:rPr lang="en-US" altLang="zh-TW" dirty="0"/>
+                        <a:t>0 </a:t>
+                      </a:r>
+                      <a:r>
+                        <a:rPr lang="zh-TW" altLang="en-US" dirty="0"/>
+                        <a:t>表示非相似區域。</a:t>
+                      </a:r>
+                      <a:endParaRPr lang="zh-TW" altLang="en-US" dirty="0">
+                        <a:latin typeface="標楷體" panose="03000509000000000000" pitchFamily="65" charset="-120"/>
+                        <a:ea typeface="標楷體" panose="03000509000000000000" pitchFamily="65" charset="-120"/>
+                      </a:endParaRPr>
                     </a:p>
                   </a:txBody>
                   <a:tcPr/>

--- a/嵌入式影像處理.pptx
+++ b/嵌入式影像處理.pptx
@@ -18,6 +18,7 @@
     <p:sldId id="268" r:id="rId12"/>
     <p:sldId id="264" r:id="rId13"/>
     <p:sldId id="269" r:id="rId14"/>
+    <p:sldId id="270" r:id="rId15"/>
   </p:sldIdLst>
   <p:sldSz cx="12192000" cy="6858000"/>
   <p:notesSz cx="6858000" cy="9144000"/>
@@ -117,6 +118,32 @@
     </a:lvl9pPr>
   </p:defaultTextStyle>
   <p:extLst>
+    <p:ext uri="{521415D9-36F7-43E2-AB2F-B90AF26B5E84}">
+      <p14:sectionLst xmlns:p14="http://schemas.microsoft.com/office/powerpoint/2010/main">
+        <p14:section name="預設章節" id="{AA971E87-F943-41DD-90A8-75D6C1843CE1}">
+          <p14:sldIdLst>
+            <p14:sldId id="256"/>
+            <p14:sldId id="257"/>
+            <p14:sldId id="258"/>
+            <p14:sldId id="260"/>
+            <p14:sldId id="261"/>
+            <p14:sldId id="262"/>
+            <p14:sldId id="263"/>
+            <p14:sldId id="265"/>
+            <p14:sldId id="266"/>
+            <p14:sldId id="267"/>
+            <p14:sldId id="268"/>
+            <p14:sldId id="264"/>
+            <p14:sldId id="269"/>
+          </p14:sldIdLst>
+        </p14:section>
+        <p14:section name="成果" id="{8FC0AF04-62C0-4EC0-9D19-10741A75A752}">
+          <p14:sldIdLst>
+            <p14:sldId id="270"/>
+          </p14:sldIdLst>
+        </p14:section>
+      </p14:sectionLst>
+    </p:ext>
     <p:ext uri="{EFAFB233-063F-42B5-8137-9DF3F51BA10A}">
       <p15:sldGuideLst xmlns:p15="http://schemas.microsoft.com/office/powerpoint/2012/main"/>
     </p:ext>
@@ -271,7 +298,7 @@
           <a:p>
             <a:fld id="{42F83334-EAA0-449A-A1BA-4B70EC961B71}" type="datetimeFigureOut">
               <a:rPr lang="zh-TW" altLang="en-US" smtClean="0"/>
-              <a:t>2024/11/14</a:t>
+              <a:t>2025/1/16</a:t>
             </a:fld>
             <a:endParaRPr lang="zh-TW" altLang="en-US"/>
           </a:p>
@@ -469,7 +496,7 @@
           <a:p>
             <a:fld id="{42F83334-EAA0-449A-A1BA-4B70EC961B71}" type="datetimeFigureOut">
               <a:rPr lang="zh-TW" altLang="en-US" smtClean="0"/>
-              <a:t>2024/11/14</a:t>
+              <a:t>2025/1/16</a:t>
             </a:fld>
             <a:endParaRPr lang="zh-TW" altLang="en-US"/>
           </a:p>
@@ -677,7 +704,7 @@
           <a:p>
             <a:fld id="{42F83334-EAA0-449A-A1BA-4B70EC961B71}" type="datetimeFigureOut">
               <a:rPr lang="zh-TW" altLang="en-US" smtClean="0"/>
-              <a:t>2024/11/14</a:t>
+              <a:t>2025/1/16</a:t>
             </a:fld>
             <a:endParaRPr lang="zh-TW" altLang="en-US"/>
           </a:p>
@@ -875,7 +902,7 @@
           <a:p>
             <a:fld id="{42F83334-EAA0-449A-A1BA-4B70EC961B71}" type="datetimeFigureOut">
               <a:rPr lang="zh-TW" altLang="en-US" smtClean="0"/>
-              <a:t>2024/11/14</a:t>
+              <a:t>2025/1/16</a:t>
             </a:fld>
             <a:endParaRPr lang="zh-TW" altLang="en-US"/>
           </a:p>
@@ -1150,7 +1177,7 @@
           <a:p>
             <a:fld id="{42F83334-EAA0-449A-A1BA-4B70EC961B71}" type="datetimeFigureOut">
               <a:rPr lang="zh-TW" altLang="en-US" smtClean="0"/>
-              <a:t>2024/11/14</a:t>
+              <a:t>2025/1/16</a:t>
             </a:fld>
             <a:endParaRPr lang="zh-TW" altLang="en-US"/>
           </a:p>
@@ -1415,7 +1442,7 @@
           <a:p>
             <a:fld id="{42F83334-EAA0-449A-A1BA-4B70EC961B71}" type="datetimeFigureOut">
               <a:rPr lang="zh-TW" altLang="en-US" smtClean="0"/>
-              <a:t>2024/11/14</a:t>
+              <a:t>2025/1/16</a:t>
             </a:fld>
             <a:endParaRPr lang="zh-TW" altLang="en-US"/>
           </a:p>
@@ -1827,7 +1854,7 @@
           <a:p>
             <a:fld id="{42F83334-EAA0-449A-A1BA-4B70EC961B71}" type="datetimeFigureOut">
               <a:rPr lang="zh-TW" altLang="en-US" smtClean="0"/>
-              <a:t>2024/11/14</a:t>
+              <a:t>2025/1/16</a:t>
             </a:fld>
             <a:endParaRPr lang="zh-TW" altLang="en-US"/>
           </a:p>
@@ -1968,7 +1995,7 @@
           <a:p>
             <a:fld id="{42F83334-EAA0-449A-A1BA-4B70EC961B71}" type="datetimeFigureOut">
               <a:rPr lang="zh-TW" altLang="en-US" smtClean="0"/>
-              <a:t>2024/11/14</a:t>
+              <a:t>2025/1/16</a:t>
             </a:fld>
             <a:endParaRPr lang="zh-TW" altLang="en-US"/>
           </a:p>
@@ -2081,7 +2108,7 @@
           <a:p>
             <a:fld id="{42F83334-EAA0-449A-A1BA-4B70EC961B71}" type="datetimeFigureOut">
               <a:rPr lang="zh-TW" altLang="en-US" smtClean="0"/>
-              <a:t>2024/11/14</a:t>
+              <a:t>2025/1/16</a:t>
             </a:fld>
             <a:endParaRPr lang="zh-TW" altLang="en-US"/>
           </a:p>
@@ -2392,7 +2419,7 @@
           <a:p>
             <a:fld id="{42F83334-EAA0-449A-A1BA-4B70EC961B71}" type="datetimeFigureOut">
               <a:rPr lang="zh-TW" altLang="en-US" smtClean="0"/>
-              <a:t>2024/11/14</a:t>
+              <a:t>2025/1/16</a:t>
             </a:fld>
             <a:endParaRPr lang="zh-TW" altLang="en-US"/>
           </a:p>
@@ -2680,7 +2707,7 @@
           <a:p>
             <a:fld id="{42F83334-EAA0-449A-A1BA-4B70EC961B71}" type="datetimeFigureOut">
               <a:rPr lang="zh-TW" altLang="en-US" smtClean="0"/>
-              <a:t>2024/11/14</a:t>
+              <a:t>2025/1/16</a:t>
             </a:fld>
             <a:endParaRPr lang="zh-TW" altLang="en-US"/>
           </a:p>
@@ -2921,7 +2948,7 @@
           <a:p>
             <a:fld id="{42F83334-EAA0-449A-A1BA-4B70EC961B71}" type="datetimeFigureOut">
               <a:rPr lang="zh-TW" altLang="en-US" smtClean="0"/>
-              <a:t>2024/11/14</a:t>
+              <a:t>2025/1/16</a:t>
             </a:fld>
             <a:endParaRPr lang="zh-TW" altLang="en-US"/>
           </a:p>
@@ -4766,6 +4793,422 @@
 </p:sld>
 </file>
 
+<file path=ppt/slides/slide14.xml><?xml version="1.0" encoding="utf-8"?>
+<p:sld xmlns:a="http://schemas.openxmlformats.org/drawingml/2006/main" xmlns:r="http://schemas.openxmlformats.org/officeDocument/2006/relationships" xmlns:p="http://schemas.openxmlformats.org/presentationml/2006/main">
+  <p:cSld>
+    <p:spTree>
+      <p:nvGrpSpPr>
+        <p:cNvPr id="1" name=""/>
+        <p:cNvGrpSpPr/>
+        <p:nvPr/>
+      </p:nvGrpSpPr>
+      <p:grpSpPr>
+        <a:xfrm>
+          <a:off x="0" y="0"/>
+          <a:ext cx="0" cy="0"/>
+          <a:chOff x="0" y="0"/>
+          <a:chExt cx="0" cy="0"/>
+        </a:xfrm>
+      </p:grpSpPr>
+      <p:sp>
+        <p:nvSpPr>
+          <p:cNvPr id="2" name="標題 1">
+            <a:extLst>
+              <a:ext uri="{FF2B5EF4-FFF2-40B4-BE49-F238E27FC236}">
+                <a16:creationId xmlns:a16="http://schemas.microsoft.com/office/drawing/2014/main" id="{1CA1FA05-7918-AA80-EB53-2CF2892AB2BC}"/>
+              </a:ext>
+            </a:extLst>
+          </p:cNvPr>
+          <p:cNvSpPr>
+            <a:spLocks noGrp="1"/>
+          </p:cNvSpPr>
+          <p:nvPr>
+            <p:ph type="title"/>
+          </p:nvPr>
+        </p:nvSpPr>
+        <p:spPr>
+          <a:xfrm>
+            <a:off x="838199" y="98198"/>
+            <a:ext cx="10515600" cy="1325563"/>
+          </a:xfrm>
+        </p:spPr>
+        <p:txBody>
+          <a:bodyPr/>
+          <a:lstStyle/>
+          <a:p>
+            <a:pPr algn="ctr"/>
+            <a:r>
+              <a:rPr lang="zh-TW" altLang="en-US" dirty="0">
+                <a:latin typeface="標楷體" panose="03000509000000000000" pitchFamily="65" charset="-120"/>
+                <a:ea typeface="標楷體" panose="03000509000000000000" pitchFamily="65" charset="-120"/>
+              </a:rPr>
+              <a:t>成果</a:t>
+            </a:r>
+          </a:p>
+        </p:txBody>
+      </p:sp>
+      <p:pic>
+        <p:nvPicPr>
+          <p:cNvPr id="5" name="圖片 4">
+            <a:extLst>
+              <a:ext uri="{FF2B5EF4-FFF2-40B4-BE49-F238E27FC236}">
+                <a16:creationId xmlns:a16="http://schemas.microsoft.com/office/drawing/2014/main" id="{5726A922-8535-7F31-8B1B-E0C565F1FF20}"/>
+              </a:ext>
+            </a:extLst>
+          </p:cNvPr>
+          <p:cNvPicPr>
+            <a:picLocks noChangeAspect="1"/>
+          </p:cNvPicPr>
+          <p:nvPr/>
+        </p:nvPicPr>
+        <p:blipFill>
+          <a:blip r:embed="rId2"/>
+          <a:stretch>
+            <a:fillRect/>
+          </a:stretch>
+        </p:blipFill>
+        <p:spPr>
+          <a:xfrm>
+            <a:off x="126607" y="1423763"/>
+            <a:ext cx="3307176" cy="2650073"/>
+          </a:xfrm>
+          <a:prstGeom prst="rect">
+            <a:avLst/>
+          </a:prstGeom>
+        </p:spPr>
+      </p:pic>
+      <p:pic>
+        <p:nvPicPr>
+          <p:cNvPr id="7" name="圖片 6">
+            <a:extLst>
+              <a:ext uri="{FF2B5EF4-FFF2-40B4-BE49-F238E27FC236}">
+                <a16:creationId xmlns:a16="http://schemas.microsoft.com/office/drawing/2014/main" id="{34B182FD-5110-D5E7-4F1C-CA04ACDE499A}"/>
+              </a:ext>
+            </a:extLst>
+          </p:cNvPr>
+          <p:cNvPicPr>
+            <a:picLocks noChangeAspect="1"/>
+          </p:cNvPicPr>
+          <p:nvPr/>
+        </p:nvPicPr>
+        <p:blipFill>
+          <a:blip r:embed="rId3"/>
+          <a:stretch>
+            <a:fillRect/>
+          </a:stretch>
+        </p:blipFill>
+        <p:spPr>
+          <a:xfrm>
+            <a:off x="4454870" y="1423762"/>
+            <a:ext cx="3282259" cy="2650073"/>
+          </a:xfrm>
+          <a:prstGeom prst="rect">
+            <a:avLst/>
+          </a:prstGeom>
+        </p:spPr>
+      </p:pic>
+      <p:pic>
+        <p:nvPicPr>
+          <p:cNvPr id="9" name="圖片 8">
+            <a:extLst>
+              <a:ext uri="{FF2B5EF4-FFF2-40B4-BE49-F238E27FC236}">
+                <a16:creationId xmlns:a16="http://schemas.microsoft.com/office/drawing/2014/main" id="{DA5105F4-D4E5-10FD-BF0D-08507E9F7234}"/>
+              </a:ext>
+            </a:extLst>
+          </p:cNvPr>
+          <p:cNvPicPr>
+            <a:picLocks noChangeAspect="1"/>
+          </p:cNvPicPr>
+          <p:nvPr/>
+        </p:nvPicPr>
+        <p:blipFill>
+          <a:blip r:embed="rId4"/>
+          <a:stretch>
+            <a:fillRect/>
+          </a:stretch>
+        </p:blipFill>
+        <p:spPr>
+          <a:xfrm>
+            <a:off x="8685647" y="1363821"/>
+            <a:ext cx="3282259" cy="2661291"/>
+          </a:xfrm>
+          <a:prstGeom prst="rect">
+            <a:avLst/>
+          </a:prstGeom>
+        </p:spPr>
+      </p:pic>
+      <p:pic>
+        <p:nvPicPr>
+          <p:cNvPr id="11" name="圖片 10">
+            <a:extLst>
+              <a:ext uri="{FF2B5EF4-FFF2-40B4-BE49-F238E27FC236}">
+                <a16:creationId xmlns:a16="http://schemas.microsoft.com/office/drawing/2014/main" id="{FFC17B09-3F67-6FBB-E003-489ED2A5405E}"/>
+              </a:ext>
+            </a:extLst>
+          </p:cNvPr>
+          <p:cNvPicPr>
+            <a:picLocks noChangeAspect="1"/>
+          </p:cNvPicPr>
+          <p:nvPr/>
+        </p:nvPicPr>
+        <p:blipFill>
+          <a:blip r:embed="rId5"/>
+          <a:stretch>
+            <a:fillRect/>
+          </a:stretch>
+        </p:blipFill>
+        <p:spPr>
+          <a:xfrm>
+            <a:off x="2448622" y="4073836"/>
+            <a:ext cx="3307176" cy="2663756"/>
+          </a:xfrm>
+          <a:prstGeom prst="rect">
+            <a:avLst/>
+          </a:prstGeom>
+        </p:spPr>
+      </p:pic>
+      <p:pic>
+        <p:nvPicPr>
+          <p:cNvPr id="13" name="圖片 12">
+            <a:extLst>
+              <a:ext uri="{FF2B5EF4-FFF2-40B4-BE49-F238E27FC236}">
+                <a16:creationId xmlns:a16="http://schemas.microsoft.com/office/drawing/2014/main" id="{0AC65153-810C-ACEC-3B38-B4899DAB7D7E}"/>
+              </a:ext>
+            </a:extLst>
+          </p:cNvPr>
+          <p:cNvPicPr>
+            <a:picLocks noChangeAspect="1"/>
+          </p:cNvPicPr>
+          <p:nvPr/>
+        </p:nvPicPr>
+        <p:blipFill>
+          <a:blip r:embed="rId6"/>
+          <a:stretch>
+            <a:fillRect/>
+          </a:stretch>
+        </p:blipFill>
+        <p:spPr>
+          <a:xfrm>
+            <a:off x="6747519" y="4109201"/>
+            <a:ext cx="3286862" cy="2650073"/>
+          </a:xfrm>
+          <a:prstGeom prst="rect">
+            <a:avLst/>
+          </a:prstGeom>
+        </p:spPr>
+      </p:pic>
+      <p:sp>
+        <p:nvSpPr>
+          <p:cNvPr id="14" name="文字方塊 13">
+            <a:extLst>
+              <a:ext uri="{FF2B5EF4-FFF2-40B4-BE49-F238E27FC236}">
+                <a16:creationId xmlns:a16="http://schemas.microsoft.com/office/drawing/2014/main" id="{6592D516-2AD8-C381-5AA7-E264040ABB63}"/>
+              </a:ext>
+            </a:extLst>
+          </p:cNvPr>
+          <p:cNvSpPr txBox="1"/>
+          <p:nvPr/>
+        </p:nvSpPr>
+        <p:spPr>
+          <a:xfrm>
+            <a:off x="633743" y="945645"/>
+            <a:ext cx="2037029" cy="369332"/>
+          </a:xfrm>
+          <a:prstGeom prst="rect">
+            <a:avLst/>
+          </a:prstGeom>
+          <a:noFill/>
+        </p:spPr>
+        <p:txBody>
+          <a:bodyPr wrap="square" rtlCol="0">
+            <a:spAutoFit/>
+          </a:bodyPr>
+          <a:lstStyle/>
+          <a:p>
+            <a:pPr algn="ctr"/>
+            <a:r>
+              <a:rPr lang="zh-TW" altLang="en-US" dirty="0">
+                <a:latin typeface="標楷體" panose="03000509000000000000" pitchFamily="65" charset="-120"/>
+                <a:ea typeface="標楷體" panose="03000509000000000000" pitchFamily="65" charset="-120"/>
+              </a:rPr>
+              <a:t>原圖</a:t>
+            </a:r>
+          </a:p>
+        </p:txBody>
+      </p:sp>
+      <p:sp>
+        <p:nvSpPr>
+          <p:cNvPr id="15" name="文字方塊 14">
+            <a:extLst>
+              <a:ext uri="{FF2B5EF4-FFF2-40B4-BE49-F238E27FC236}">
+                <a16:creationId xmlns:a16="http://schemas.microsoft.com/office/drawing/2014/main" id="{5AA61C9B-38D8-A06A-7C69-298E6944C899}"/>
+              </a:ext>
+            </a:extLst>
+          </p:cNvPr>
+          <p:cNvSpPr txBox="1"/>
+          <p:nvPr/>
+        </p:nvSpPr>
+        <p:spPr>
+          <a:xfrm>
+            <a:off x="5041201" y="1072112"/>
+            <a:ext cx="2037029" cy="369332"/>
+          </a:xfrm>
+          <a:prstGeom prst="rect">
+            <a:avLst/>
+          </a:prstGeom>
+          <a:noFill/>
+        </p:spPr>
+        <p:txBody>
+          <a:bodyPr wrap="square" rtlCol="0">
+            <a:spAutoFit/>
+          </a:bodyPr>
+          <a:lstStyle/>
+          <a:p>
+            <a:pPr algn="ctr"/>
+            <a:r>
+              <a:rPr lang="zh-TW" altLang="en-US" dirty="0">
+                <a:latin typeface="標楷體" panose="03000509000000000000" pitchFamily="65" charset="-120"/>
+                <a:ea typeface="標楷體" panose="03000509000000000000" pitchFamily="65" charset="-120"/>
+              </a:rPr>
+              <a:t>邊緣檢測</a:t>
+            </a:r>
+          </a:p>
+        </p:txBody>
+      </p:sp>
+      <p:sp>
+        <p:nvSpPr>
+          <p:cNvPr id="16" name="文字方塊 15">
+            <a:extLst>
+              <a:ext uri="{FF2B5EF4-FFF2-40B4-BE49-F238E27FC236}">
+                <a16:creationId xmlns:a16="http://schemas.microsoft.com/office/drawing/2014/main" id="{232F74C8-793A-0AA7-3E8E-1DE3B3B02B88}"/>
+              </a:ext>
+            </a:extLst>
+          </p:cNvPr>
+          <p:cNvSpPr txBox="1"/>
+          <p:nvPr/>
+        </p:nvSpPr>
+        <p:spPr>
+          <a:xfrm>
+            <a:off x="9316770" y="1011224"/>
+            <a:ext cx="2037029" cy="369332"/>
+          </a:xfrm>
+          <a:prstGeom prst="rect">
+            <a:avLst/>
+          </a:prstGeom>
+          <a:noFill/>
+        </p:spPr>
+        <p:txBody>
+          <a:bodyPr wrap="square" rtlCol="0">
+            <a:spAutoFit/>
+          </a:bodyPr>
+          <a:lstStyle/>
+          <a:p>
+            <a:pPr algn="ctr"/>
+            <a:r>
+              <a:rPr lang="en-US" altLang="zh-TW" dirty="0">
+                <a:latin typeface="標楷體" panose="03000509000000000000" pitchFamily="65" charset="-120"/>
+                <a:ea typeface="標楷體" panose="03000509000000000000" pitchFamily="65" charset="-120"/>
+              </a:rPr>
+              <a:t>LBP</a:t>
+            </a:r>
+            <a:endParaRPr lang="zh-TW" altLang="en-US" dirty="0">
+              <a:latin typeface="標楷體" panose="03000509000000000000" pitchFamily="65" charset="-120"/>
+              <a:ea typeface="標楷體" panose="03000509000000000000" pitchFamily="65" charset="-120"/>
+            </a:endParaRPr>
+          </a:p>
+        </p:txBody>
+      </p:sp>
+      <p:sp>
+        <p:nvSpPr>
+          <p:cNvPr id="17" name="文字方塊 16">
+            <a:extLst>
+              <a:ext uri="{FF2B5EF4-FFF2-40B4-BE49-F238E27FC236}">
+                <a16:creationId xmlns:a16="http://schemas.microsoft.com/office/drawing/2014/main" id="{767C60FD-2F2A-AC41-308F-15E482EF7236}"/>
+              </a:ext>
+            </a:extLst>
+          </p:cNvPr>
+          <p:cNvSpPr txBox="1"/>
+          <p:nvPr/>
+        </p:nvSpPr>
+        <p:spPr>
+          <a:xfrm>
+            <a:off x="934247" y="5249571"/>
+            <a:ext cx="2037029" cy="369332"/>
+          </a:xfrm>
+          <a:prstGeom prst="rect">
+            <a:avLst/>
+          </a:prstGeom>
+          <a:noFill/>
+        </p:spPr>
+        <p:txBody>
+          <a:bodyPr wrap="square" rtlCol="0">
+            <a:spAutoFit/>
+          </a:bodyPr>
+          <a:lstStyle/>
+          <a:p>
+            <a:pPr algn="ctr"/>
+            <a:r>
+              <a:rPr lang="zh-TW" altLang="en-US" dirty="0">
+                <a:latin typeface="標楷體" panose="03000509000000000000" pitchFamily="65" charset="-120"/>
+                <a:ea typeface="標楷體" panose="03000509000000000000" pitchFamily="65" charset="-120"/>
+              </a:rPr>
+              <a:t>塗色</a:t>
+            </a:r>
+          </a:p>
+        </p:txBody>
+      </p:sp>
+      <p:sp>
+        <p:nvSpPr>
+          <p:cNvPr id="18" name="文字方塊 17">
+            <a:extLst>
+              <a:ext uri="{FF2B5EF4-FFF2-40B4-BE49-F238E27FC236}">
+                <a16:creationId xmlns:a16="http://schemas.microsoft.com/office/drawing/2014/main" id="{19DC84F0-9F18-F4A8-9CB3-20C24E5D8816}"/>
+              </a:ext>
+            </a:extLst>
+          </p:cNvPr>
+          <p:cNvSpPr txBox="1"/>
+          <p:nvPr/>
+        </p:nvSpPr>
+        <p:spPr>
+          <a:xfrm>
+            <a:off x="9432203" y="5276431"/>
+            <a:ext cx="2037029" cy="369332"/>
+          </a:xfrm>
+          <a:prstGeom prst="rect">
+            <a:avLst/>
+          </a:prstGeom>
+          <a:noFill/>
+        </p:spPr>
+        <p:txBody>
+          <a:bodyPr wrap="square" rtlCol="0">
+            <a:spAutoFit/>
+          </a:bodyPr>
+          <a:lstStyle/>
+          <a:p>
+            <a:pPr algn="ctr"/>
+            <a:r>
+              <a:rPr lang="zh-TW" altLang="en-US" dirty="0">
+                <a:latin typeface="標楷體" panose="03000509000000000000" pitchFamily="65" charset="-120"/>
+                <a:ea typeface="標楷體" panose="03000509000000000000" pitchFamily="65" charset="-120"/>
+              </a:rPr>
+              <a:t>結果</a:t>
+            </a:r>
+          </a:p>
+        </p:txBody>
+      </p:sp>
+    </p:spTree>
+    <p:extLst>
+      <p:ext uri="{BB962C8B-B14F-4D97-AF65-F5344CB8AC3E}">
+        <p14:creationId xmlns:p14="http://schemas.microsoft.com/office/powerpoint/2010/main" val="261605358"/>
+      </p:ext>
+    </p:extLst>
+  </p:cSld>
+  <p:clrMapOvr>
+    <a:masterClrMapping/>
+  </p:clrMapOvr>
+</p:sld>
+</file>
+
 <file path=ppt/slides/slide2.xml><?xml version="1.0" encoding="utf-8"?>
 <p:sld xmlns:a="http://schemas.openxmlformats.org/drawingml/2006/main" xmlns:r="http://schemas.openxmlformats.org/officeDocument/2006/relationships" xmlns:p="http://schemas.openxmlformats.org/presentationml/2006/main">
   <p:cSld>
